--- a/slides/Schema_General_RICO_URIBE.pptx
+++ b/slides/Schema_General_RICO_URIBE.pptx
@@ -5,10 +5,13 @@
     <p:sldMasterId id="2147483732" r:id="rId4"/>
   </p:sldMasterIdLst>
   <p:notesMasterIdLst>
-    <p:notesMasterId r:id="rId6"/>
+    <p:notesMasterId r:id="rId9"/>
   </p:notesMasterIdLst>
   <p:sldIdLst>
     <p:sldId id="256" r:id="rId5"/>
+    <p:sldId id="259" r:id="rId6"/>
+    <p:sldId id="257" r:id="rId7"/>
+    <p:sldId id="258" r:id="rId8"/>
   </p:sldIdLst>
   <p:sldSz cx="12192000" cy="6858000"/>
   <p:notesSz cx="6858000" cy="9144000"/>
@@ -213,7 +216,7 @@
           <a:p>
             <a:fld id="{3C909EB9-7703-486B-AD8C-ADACE48EF808}" type="datetimeFigureOut">
               <a:rPr lang="en-US" smtClean="0"/>
-              <a:t>9/22/2021</a:t>
+              <a:t>27-Oct-21</a:t>
             </a:fld>
             <a:endParaRPr lang="en-US" dirty="0"/>
           </a:p>
@@ -371,7 +374,7 @@
           <a:p>
             <a:fld id="{8462FFA2-A0AA-4C2F-81F3-F68D41CCDDAA}" type="slidenum">
               <a:rPr lang="en-US" smtClean="0"/>
-              <a:t>‹N°›</a:t>
+              <a:t>‹#›</a:t>
             </a:fld>
             <a:endParaRPr lang="en-US" dirty="0"/>
           </a:p>
@@ -522,7 +525,7 @@
           </a:lstStyle>
           <a:p>
             <a:r>
-              <a:rPr lang="fr-FR" smtClean="0"/>
+              <a:rPr lang="fr-FR"/>
               <a:t>Modifiez le style du titre</a:t>
             </a:r>
             <a:endParaRPr lang="en-US"/>
@@ -587,7 +590,7 @@
           </a:lstStyle>
           <a:p>
             <a:r>
-              <a:rPr lang="fr-FR" smtClean="0"/>
+              <a:rPr lang="fr-FR"/>
               <a:t>Modifier le style des sous-titres du masque</a:t>
             </a:r>
             <a:endParaRPr lang="en-US"/>
@@ -611,7 +614,7 @@
           <a:p>
             <a:fld id="{2A040D5B-48D2-40DE-8B4E-8DE6D105151D}" type="datetime1">
               <a:rPr lang="en-US" smtClean="0"/>
-              <a:t>9/22/2021</a:t>
+              <a:t>27-Oct-21</a:t>
             </a:fld>
             <a:endParaRPr lang="en-US" dirty="0"/>
           </a:p>
@@ -654,7 +657,7 @@
             <a:fld id="{8A7A6979-0714-4377-B894-6BE4C2D6E202}" type="slidenum">
               <a:rPr lang="en-US" smtClean="0"/>
               <a:pPr/>
-              <a:t>‹N°›</a:t>
+              <a:t>‹#›</a:t>
             </a:fld>
             <a:endParaRPr lang="en-US" dirty="0"/>
           </a:p>
@@ -707,7 +710,7 @@
           <a:lstStyle/>
           <a:p>
             <a:r>
-              <a:rPr lang="fr-FR" smtClean="0"/>
+              <a:rPr lang="fr-FR"/>
               <a:t>Modifiez le style du titre</a:t>
             </a:r>
             <a:endParaRPr lang="en-US"/>
@@ -731,35 +734,35 @@
           <a:p>
             <a:pPr lvl="0"/>
             <a:r>
-              <a:rPr lang="fr-FR" smtClean="0"/>
+              <a:rPr lang="fr-FR"/>
               <a:t>Modifier les styles du texte du masque</a:t>
             </a:r>
           </a:p>
           <a:p>
             <a:pPr lvl="1"/>
             <a:r>
-              <a:rPr lang="fr-FR" smtClean="0"/>
+              <a:rPr lang="fr-FR"/>
               <a:t>Deuxième niveau</a:t>
             </a:r>
           </a:p>
           <a:p>
             <a:pPr lvl="2"/>
             <a:r>
-              <a:rPr lang="fr-FR" smtClean="0"/>
+              <a:rPr lang="fr-FR"/>
               <a:t>Troisième niveau</a:t>
             </a:r>
           </a:p>
           <a:p>
             <a:pPr lvl="3"/>
             <a:r>
-              <a:rPr lang="fr-FR" smtClean="0"/>
+              <a:rPr lang="fr-FR"/>
               <a:t>Quatrième niveau</a:t>
             </a:r>
           </a:p>
           <a:p>
             <a:pPr lvl="4"/>
             <a:r>
-              <a:rPr lang="fr-FR" smtClean="0"/>
+              <a:rPr lang="fr-FR"/>
               <a:t>Cinquième niveau</a:t>
             </a:r>
             <a:endParaRPr lang="en-US"/>
@@ -783,7 +786,7 @@
           <a:p>
             <a:fld id="{2A040D5B-48D2-40DE-8B4E-8DE6D105151D}" type="datetime1">
               <a:rPr lang="en-US" smtClean="0"/>
-              <a:t>9/22/2021</a:t>
+              <a:t>27-Oct-21</a:t>
             </a:fld>
             <a:endParaRPr lang="en-US" dirty="0"/>
           </a:p>
@@ -826,7 +829,7 @@
             <a:fld id="{8A7A6979-0714-4377-B894-6BE4C2D6E202}" type="slidenum">
               <a:rPr lang="en-US" smtClean="0"/>
               <a:pPr/>
-              <a:t>‹N°›</a:t>
+              <a:t>‹#›</a:t>
             </a:fld>
             <a:endParaRPr lang="en-US" dirty="0"/>
           </a:p>
@@ -884,7 +887,7 @@
           <a:lstStyle/>
           <a:p>
             <a:r>
-              <a:rPr lang="fr-FR" smtClean="0"/>
+              <a:rPr lang="fr-FR"/>
               <a:t>Modifiez le style du titre</a:t>
             </a:r>
             <a:endParaRPr lang="en-US"/>
@@ -913,35 +916,35 @@
           <a:p>
             <a:pPr lvl="0"/>
             <a:r>
-              <a:rPr lang="fr-FR" smtClean="0"/>
+              <a:rPr lang="fr-FR"/>
               <a:t>Modifier les styles du texte du masque</a:t>
             </a:r>
           </a:p>
           <a:p>
             <a:pPr lvl="1"/>
             <a:r>
-              <a:rPr lang="fr-FR" smtClean="0"/>
+              <a:rPr lang="fr-FR"/>
               <a:t>Deuxième niveau</a:t>
             </a:r>
           </a:p>
           <a:p>
             <a:pPr lvl="2"/>
             <a:r>
-              <a:rPr lang="fr-FR" smtClean="0"/>
+              <a:rPr lang="fr-FR"/>
               <a:t>Troisième niveau</a:t>
             </a:r>
           </a:p>
           <a:p>
             <a:pPr lvl="3"/>
             <a:r>
-              <a:rPr lang="fr-FR" smtClean="0"/>
+              <a:rPr lang="fr-FR"/>
               <a:t>Quatrième niveau</a:t>
             </a:r>
           </a:p>
           <a:p>
             <a:pPr lvl="4"/>
             <a:r>
-              <a:rPr lang="fr-FR" smtClean="0"/>
+              <a:rPr lang="fr-FR"/>
               <a:t>Cinquième niveau</a:t>
             </a:r>
             <a:endParaRPr lang="en-US"/>
@@ -965,7 +968,7 @@
           <a:p>
             <a:fld id="{2A040D5B-48D2-40DE-8B4E-8DE6D105151D}" type="datetime1">
               <a:rPr lang="en-US" smtClean="0"/>
-              <a:t>9/22/2021</a:t>
+              <a:t>27-Oct-21</a:t>
             </a:fld>
             <a:endParaRPr lang="en-US" dirty="0"/>
           </a:p>
@@ -1008,7 +1011,7 @@
             <a:fld id="{8A7A6979-0714-4377-B894-6BE4C2D6E202}" type="slidenum">
               <a:rPr lang="en-US" smtClean="0"/>
               <a:pPr/>
-              <a:t>‹N°›</a:t>
+              <a:t>‹#›</a:t>
             </a:fld>
             <a:endParaRPr lang="en-US" dirty="0"/>
           </a:p>
@@ -1062,7 +1065,7 @@
           <a:p>
             <a:fld id="{50ED286A-F1D8-4995-911C-0A0F216D12C6}" type="datetime1">
               <a:rPr lang="en-US" smtClean="0"/>
-              <a:t>9/22/2021</a:t>
+              <a:t>27-Oct-21</a:t>
             </a:fld>
             <a:endParaRPr lang="en-US" dirty="0"/>
           </a:p>
@@ -1110,7 +1113,7 @@
             <a:fld id="{8A7A6979-0714-4377-B894-6BE4C2D6E202}" type="slidenum">
               <a:rPr lang="en-US" smtClean="0"/>
               <a:pPr/>
-              <a:t>‹N°›</a:t>
+              <a:t>‹#›</a:t>
             </a:fld>
             <a:endParaRPr lang="en-US" dirty="0"/>
           </a:p>
@@ -1154,13 +1157,6 @@
   <p:clrMapOvr>
     <a:masterClrMapping/>
   </p:clrMapOvr>
-  <p:timing>
-    <p:tnLst>
-      <p:par>
-        <p:cTn id="1" dur="indefinite" restart="never" nodeType="tmRoot"/>
-      </p:par>
-    </p:tnLst>
-  </p:timing>
 </p:sldLayout>
 </file>
 
@@ -1197,7 +1193,7 @@
           <a:lstStyle/>
           <a:p>
             <a:r>
-              <a:rPr lang="fr-FR" smtClean="0"/>
+              <a:rPr lang="fr-FR"/>
               <a:t>Modifiez le style du titre</a:t>
             </a:r>
             <a:endParaRPr lang="en-US"/>
@@ -1221,35 +1217,35 @@
           <a:p>
             <a:pPr lvl="0"/>
             <a:r>
-              <a:rPr lang="fr-FR" smtClean="0"/>
+              <a:rPr lang="fr-FR"/>
               <a:t>Modifier les styles du texte du masque</a:t>
             </a:r>
           </a:p>
           <a:p>
             <a:pPr lvl="1"/>
             <a:r>
-              <a:rPr lang="fr-FR" smtClean="0"/>
+              <a:rPr lang="fr-FR"/>
               <a:t>Deuxième niveau</a:t>
             </a:r>
           </a:p>
           <a:p>
             <a:pPr lvl="2"/>
             <a:r>
-              <a:rPr lang="fr-FR" smtClean="0"/>
+              <a:rPr lang="fr-FR"/>
               <a:t>Troisième niveau</a:t>
             </a:r>
           </a:p>
           <a:p>
             <a:pPr lvl="3"/>
             <a:r>
-              <a:rPr lang="fr-FR" smtClean="0"/>
+              <a:rPr lang="fr-FR"/>
               <a:t>Quatrième niveau</a:t>
             </a:r>
           </a:p>
           <a:p>
             <a:pPr lvl="4"/>
             <a:r>
-              <a:rPr lang="fr-FR" smtClean="0"/>
+              <a:rPr lang="fr-FR"/>
               <a:t>Cinquième niveau</a:t>
             </a:r>
             <a:endParaRPr lang="en-US"/>
@@ -1273,7 +1269,7 @@
           <a:p>
             <a:fld id="{2A040D5B-48D2-40DE-8B4E-8DE6D105151D}" type="datetime1">
               <a:rPr lang="en-US" smtClean="0"/>
-              <a:t>9/22/2021</a:t>
+              <a:t>27-Oct-21</a:t>
             </a:fld>
             <a:endParaRPr lang="en-US" dirty="0"/>
           </a:p>
@@ -1316,7 +1312,7 @@
             <a:fld id="{8A7A6979-0714-4377-B894-6BE4C2D6E202}" type="slidenum">
               <a:rPr lang="en-US" smtClean="0"/>
               <a:pPr/>
-              <a:t>‹N°›</a:t>
+              <a:t>‹#›</a:t>
             </a:fld>
             <a:endParaRPr lang="en-US" dirty="0"/>
           </a:p>
@@ -1378,7 +1374,7 @@
           </a:lstStyle>
           <a:p>
             <a:r>
-              <a:rPr lang="fr-FR" smtClean="0"/>
+              <a:rPr lang="fr-FR"/>
               <a:t>Modifiez le style du titre</a:t>
             </a:r>
             <a:endParaRPr lang="en-US"/>
@@ -1498,7 +1494,7 @@
           <a:p>
             <a:pPr lvl="0"/>
             <a:r>
-              <a:rPr lang="fr-FR" smtClean="0"/>
+              <a:rPr lang="fr-FR"/>
               <a:t>Modifier les styles du texte du masque</a:t>
             </a:r>
           </a:p>
@@ -1521,7 +1517,7 @@
           <a:p>
             <a:fld id="{2A040D5B-48D2-40DE-8B4E-8DE6D105151D}" type="datetime1">
               <a:rPr lang="en-US" smtClean="0"/>
-              <a:t>9/22/2021</a:t>
+              <a:t>27-Oct-21</a:t>
             </a:fld>
             <a:endParaRPr lang="en-US" dirty="0"/>
           </a:p>
@@ -1564,7 +1560,7 @@
             <a:fld id="{8A7A6979-0714-4377-B894-6BE4C2D6E202}" type="slidenum">
               <a:rPr lang="en-US" smtClean="0"/>
               <a:pPr/>
-              <a:t>‹N°›</a:t>
+              <a:t>‹#›</a:t>
             </a:fld>
             <a:endParaRPr lang="en-US" dirty="0"/>
           </a:p>
@@ -1617,7 +1613,7 @@
           <a:lstStyle/>
           <a:p>
             <a:r>
-              <a:rPr lang="fr-FR" smtClean="0"/>
+              <a:rPr lang="fr-FR"/>
               <a:t>Modifiez le style du titre</a:t>
             </a:r>
             <a:endParaRPr lang="en-US"/>
@@ -1646,35 +1642,35 @@
           <a:p>
             <a:pPr lvl="0"/>
             <a:r>
-              <a:rPr lang="fr-FR" smtClean="0"/>
+              <a:rPr lang="fr-FR"/>
               <a:t>Modifier les styles du texte du masque</a:t>
             </a:r>
           </a:p>
           <a:p>
             <a:pPr lvl="1"/>
             <a:r>
-              <a:rPr lang="fr-FR" smtClean="0"/>
+              <a:rPr lang="fr-FR"/>
               <a:t>Deuxième niveau</a:t>
             </a:r>
           </a:p>
           <a:p>
             <a:pPr lvl="2"/>
             <a:r>
-              <a:rPr lang="fr-FR" smtClean="0"/>
+              <a:rPr lang="fr-FR"/>
               <a:t>Troisième niveau</a:t>
             </a:r>
           </a:p>
           <a:p>
             <a:pPr lvl="3"/>
             <a:r>
-              <a:rPr lang="fr-FR" smtClean="0"/>
+              <a:rPr lang="fr-FR"/>
               <a:t>Quatrième niveau</a:t>
             </a:r>
           </a:p>
           <a:p>
             <a:pPr lvl="4"/>
             <a:r>
-              <a:rPr lang="fr-FR" smtClean="0"/>
+              <a:rPr lang="fr-FR"/>
               <a:t>Cinquième niveau</a:t>
             </a:r>
             <a:endParaRPr lang="en-US"/>
@@ -1703,35 +1699,35 @@
           <a:p>
             <a:pPr lvl="0"/>
             <a:r>
-              <a:rPr lang="fr-FR" smtClean="0"/>
+              <a:rPr lang="fr-FR"/>
               <a:t>Modifier les styles du texte du masque</a:t>
             </a:r>
           </a:p>
           <a:p>
             <a:pPr lvl="1"/>
             <a:r>
-              <a:rPr lang="fr-FR" smtClean="0"/>
+              <a:rPr lang="fr-FR"/>
               <a:t>Deuxième niveau</a:t>
             </a:r>
           </a:p>
           <a:p>
             <a:pPr lvl="2"/>
             <a:r>
-              <a:rPr lang="fr-FR" smtClean="0"/>
+              <a:rPr lang="fr-FR"/>
               <a:t>Troisième niveau</a:t>
             </a:r>
           </a:p>
           <a:p>
             <a:pPr lvl="3"/>
             <a:r>
-              <a:rPr lang="fr-FR" smtClean="0"/>
+              <a:rPr lang="fr-FR"/>
               <a:t>Quatrième niveau</a:t>
             </a:r>
           </a:p>
           <a:p>
             <a:pPr lvl="4"/>
             <a:r>
-              <a:rPr lang="fr-FR" smtClean="0"/>
+              <a:rPr lang="fr-FR"/>
               <a:t>Cinquième niveau</a:t>
             </a:r>
             <a:endParaRPr lang="en-US"/>
@@ -1755,7 +1751,7 @@
           <a:p>
             <a:fld id="{2A040D5B-48D2-40DE-8B4E-8DE6D105151D}" type="datetime1">
               <a:rPr lang="en-US" smtClean="0"/>
-              <a:t>9/22/2021</a:t>
+              <a:t>27-Oct-21</a:t>
             </a:fld>
             <a:endParaRPr lang="en-US" dirty="0"/>
           </a:p>
@@ -1798,7 +1794,7 @@
             <a:fld id="{8A7A6979-0714-4377-B894-6BE4C2D6E202}" type="slidenum">
               <a:rPr lang="en-US" smtClean="0"/>
               <a:pPr/>
-              <a:t>‹N°›</a:t>
+              <a:t>‹#›</a:t>
             </a:fld>
             <a:endParaRPr lang="en-US" dirty="0"/>
           </a:p>
@@ -1856,7 +1852,7 @@
           <a:lstStyle/>
           <a:p>
             <a:r>
-              <a:rPr lang="fr-FR" smtClean="0"/>
+              <a:rPr lang="fr-FR"/>
               <a:t>Modifiez le style du titre</a:t>
             </a:r>
             <a:endParaRPr lang="en-US"/>
@@ -1922,7 +1918,7 @@
           <a:p>
             <a:pPr lvl="0"/>
             <a:r>
-              <a:rPr lang="fr-FR" smtClean="0"/>
+              <a:rPr lang="fr-FR"/>
               <a:t>Modifier les styles du texte du masque</a:t>
             </a:r>
           </a:p>
@@ -1950,35 +1946,35 @@
           <a:p>
             <a:pPr lvl="0"/>
             <a:r>
-              <a:rPr lang="fr-FR" smtClean="0"/>
+              <a:rPr lang="fr-FR"/>
               <a:t>Modifier les styles du texte du masque</a:t>
             </a:r>
           </a:p>
           <a:p>
             <a:pPr lvl="1"/>
             <a:r>
-              <a:rPr lang="fr-FR" smtClean="0"/>
+              <a:rPr lang="fr-FR"/>
               <a:t>Deuxième niveau</a:t>
             </a:r>
           </a:p>
           <a:p>
             <a:pPr lvl="2"/>
             <a:r>
-              <a:rPr lang="fr-FR" smtClean="0"/>
+              <a:rPr lang="fr-FR"/>
               <a:t>Troisième niveau</a:t>
             </a:r>
           </a:p>
           <a:p>
             <a:pPr lvl="3"/>
             <a:r>
-              <a:rPr lang="fr-FR" smtClean="0"/>
+              <a:rPr lang="fr-FR"/>
               <a:t>Quatrième niveau</a:t>
             </a:r>
           </a:p>
           <a:p>
             <a:pPr lvl="4"/>
             <a:r>
-              <a:rPr lang="fr-FR" smtClean="0"/>
+              <a:rPr lang="fr-FR"/>
               <a:t>Cinquième niveau</a:t>
             </a:r>
             <a:endParaRPr lang="en-US"/>
@@ -2044,7 +2040,7 @@
           <a:p>
             <a:pPr lvl="0"/>
             <a:r>
-              <a:rPr lang="fr-FR" smtClean="0"/>
+              <a:rPr lang="fr-FR"/>
               <a:t>Modifier les styles du texte du masque</a:t>
             </a:r>
           </a:p>
@@ -2072,35 +2068,35 @@
           <a:p>
             <a:pPr lvl="0"/>
             <a:r>
-              <a:rPr lang="fr-FR" smtClean="0"/>
+              <a:rPr lang="fr-FR"/>
               <a:t>Modifier les styles du texte du masque</a:t>
             </a:r>
           </a:p>
           <a:p>
             <a:pPr lvl="1"/>
             <a:r>
-              <a:rPr lang="fr-FR" smtClean="0"/>
+              <a:rPr lang="fr-FR"/>
               <a:t>Deuxième niveau</a:t>
             </a:r>
           </a:p>
           <a:p>
             <a:pPr lvl="2"/>
             <a:r>
-              <a:rPr lang="fr-FR" smtClean="0"/>
+              <a:rPr lang="fr-FR"/>
               <a:t>Troisième niveau</a:t>
             </a:r>
           </a:p>
           <a:p>
             <a:pPr lvl="3"/>
             <a:r>
-              <a:rPr lang="fr-FR" smtClean="0"/>
+              <a:rPr lang="fr-FR"/>
               <a:t>Quatrième niveau</a:t>
             </a:r>
           </a:p>
           <a:p>
             <a:pPr lvl="4"/>
             <a:r>
-              <a:rPr lang="fr-FR" smtClean="0"/>
+              <a:rPr lang="fr-FR"/>
               <a:t>Cinquième niveau</a:t>
             </a:r>
             <a:endParaRPr lang="en-US"/>
@@ -2124,7 +2120,7 @@
           <a:p>
             <a:fld id="{2A040D5B-48D2-40DE-8B4E-8DE6D105151D}" type="datetime1">
               <a:rPr lang="en-US" smtClean="0"/>
-              <a:t>9/22/2021</a:t>
+              <a:t>27-Oct-21</a:t>
             </a:fld>
             <a:endParaRPr lang="en-US" dirty="0"/>
           </a:p>
@@ -2167,7 +2163,7 @@
             <a:fld id="{8A7A6979-0714-4377-B894-6BE4C2D6E202}" type="slidenum">
               <a:rPr lang="en-US" smtClean="0"/>
               <a:pPr/>
-              <a:t>‹N°›</a:t>
+              <a:t>‹#›</a:t>
             </a:fld>
             <a:endParaRPr lang="en-US" dirty="0"/>
           </a:p>
@@ -2220,7 +2216,7 @@
           <a:lstStyle/>
           <a:p>
             <a:r>
-              <a:rPr lang="fr-FR" smtClean="0"/>
+              <a:rPr lang="fr-FR"/>
               <a:t>Modifiez le style du titre</a:t>
             </a:r>
             <a:endParaRPr lang="en-US"/>
@@ -2244,7 +2240,7 @@
           <a:p>
             <a:fld id="{2A040D5B-48D2-40DE-8B4E-8DE6D105151D}" type="datetime1">
               <a:rPr lang="en-US" smtClean="0"/>
-              <a:t>9/22/2021</a:t>
+              <a:t>27-Oct-21</a:t>
             </a:fld>
             <a:endParaRPr lang="en-US" dirty="0"/>
           </a:p>
@@ -2287,7 +2283,7 @@
             <a:fld id="{8A7A6979-0714-4377-B894-6BE4C2D6E202}" type="slidenum">
               <a:rPr lang="en-US" smtClean="0"/>
               <a:pPr/>
-              <a:t>‹N°›</a:t>
+              <a:t>‹#›</a:t>
             </a:fld>
             <a:endParaRPr lang="en-US" dirty="0"/>
           </a:p>
@@ -2341,7 +2337,7 @@
           <a:p>
             <a:fld id="{2A040D5B-48D2-40DE-8B4E-8DE6D105151D}" type="datetime1">
               <a:rPr lang="en-US" smtClean="0"/>
-              <a:t>9/22/2021</a:t>
+              <a:t>27-Oct-21</a:t>
             </a:fld>
             <a:endParaRPr lang="en-US" dirty="0"/>
           </a:p>
@@ -2384,7 +2380,7 @@
             <a:fld id="{8A7A6979-0714-4377-B894-6BE4C2D6E202}" type="slidenum">
               <a:rPr lang="en-US" smtClean="0"/>
               <a:pPr/>
-              <a:t>‹N°›</a:t>
+              <a:t>‹#›</a:t>
             </a:fld>
             <a:endParaRPr lang="en-US" dirty="0"/>
           </a:p>
@@ -2446,7 +2442,7 @@
           </a:lstStyle>
           <a:p>
             <a:r>
-              <a:rPr lang="fr-FR" smtClean="0"/>
+              <a:rPr lang="fr-FR"/>
               <a:t>Modifiez le style du titre</a:t>
             </a:r>
             <a:endParaRPr lang="en-US"/>
@@ -2503,35 +2499,35 @@
           <a:p>
             <a:pPr lvl="0"/>
             <a:r>
-              <a:rPr lang="fr-FR" smtClean="0"/>
+              <a:rPr lang="fr-FR"/>
               <a:t>Modifier les styles du texte du masque</a:t>
             </a:r>
           </a:p>
           <a:p>
             <a:pPr lvl="1"/>
             <a:r>
-              <a:rPr lang="fr-FR" smtClean="0"/>
+              <a:rPr lang="fr-FR"/>
               <a:t>Deuxième niveau</a:t>
             </a:r>
           </a:p>
           <a:p>
             <a:pPr lvl="2"/>
             <a:r>
-              <a:rPr lang="fr-FR" smtClean="0"/>
+              <a:rPr lang="fr-FR"/>
               <a:t>Troisième niveau</a:t>
             </a:r>
           </a:p>
           <a:p>
             <a:pPr lvl="3"/>
             <a:r>
-              <a:rPr lang="fr-FR" smtClean="0"/>
+              <a:rPr lang="fr-FR"/>
               <a:t>Quatrième niveau</a:t>
             </a:r>
           </a:p>
           <a:p>
             <a:pPr lvl="4"/>
             <a:r>
-              <a:rPr lang="fr-FR" smtClean="0"/>
+              <a:rPr lang="fr-FR"/>
               <a:t>Cinquième niveau</a:t>
             </a:r>
             <a:endParaRPr lang="en-US"/>
@@ -2597,7 +2593,7 @@
           <a:p>
             <a:pPr lvl="0"/>
             <a:r>
-              <a:rPr lang="fr-FR" smtClean="0"/>
+              <a:rPr lang="fr-FR"/>
               <a:t>Modifier les styles du texte du masque</a:t>
             </a:r>
           </a:p>
@@ -2620,7 +2616,7 @@
           <a:p>
             <a:fld id="{2A040D5B-48D2-40DE-8B4E-8DE6D105151D}" type="datetime1">
               <a:rPr lang="en-US" smtClean="0"/>
-              <a:t>9/22/2021</a:t>
+              <a:t>27-Oct-21</a:t>
             </a:fld>
             <a:endParaRPr lang="en-US" dirty="0"/>
           </a:p>
@@ -2663,7 +2659,7 @@
             <a:fld id="{8A7A6979-0714-4377-B894-6BE4C2D6E202}" type="slidenum">
               <a:rPr lang="en-US" smtClean="0"/>
               <a:pPr/>
-              <a:t>‹N°›</a:t>
+              <a:t>‹#›</a:t>
             </a:fld>
             <a:endParaRPr lang="en-US" dirty="0"/>
           </a:p>
@@ -2725,7 +2721,7 @@
           </a:lstStyle>
           <a:p>
             <a:r>
-              <a:rPr lang="fr-FR" smtClean="0"/>
+              <a:rPr lang="fr-FR"/>
               <a:t>Modifiez le style du titre</a:t>
             </a:r>
             <a:endParaRPr lang="en-US"/>
@@ -2852,7 +2848,7 @@
           <a:p>
             <a:pPr lvl="0"/>
             <a:r>
-              <a:rPr lang="fr-FR" smtClean="0"/>
+              <a:rPr lang="fr-FR"/>
               <a:t>Modifier les styles du texte du masque</a:t>
             </a:r>
           </a:p>
@@ -2875,7 +2871,7 @@
           <a:p>
             <a:fld id="{2A040D5B-48D2-40DE-8B4E-8DE6D105151D}" type="datetime1">
               <a:rPr lang="en-US" smtClean="0"/>
-              <a:t>9/22/2021</a:t>
+              <a:t>27-Oct-21</a:t>
             </a:fld>
             <a:endParaRPr lang="en-US" dirty="0"/>
           </a:p>
@@ -2918,7 +2914,7 @@
             <a:fld id="{8A7A6979-0714-4377-B894-6BE4C2D6E202}" type="slidenum">
               <a:rPr lang="en-US" smtClean="0"/>
               <a:pPr/>
-              <a:t>‹N°›</a:t>
+              <a:t>‹#›</a:t>
             </a:fld>
             <a:endParaRPr lang="en-US" dirty="0"/>
           </a:p>
@@ -2986,7 +2982,7 @@
           <a:lstStyle/>
           <a:p>
             <a:r>
-              <a:rPr lang="fr-FR" smtClean="0"/>
+              <a:rPr lang="fr-FR"/>
               <a:t>Modifiez le style du titre</a:t>
             </a:r>
             <a:endParaRPr lang="en-US"/>
@@ -3020,35 +3016,35 @@
           <a:p>
             <a:pPr lvl="0"/>
             <a:r>
-              <a:rPr lang="fr-FR" smtClean="0"/>
+              <a:rPr lang="fr-FR"/>
               <a:t>Modifier les styles du texte du masque</a:t>
             </a:r>
           </a:p>
           <a:p>
             <a:pPr lvl="1"/>
             <a:r>
-              <a:rPr lang="fr-FR" smtClean="0"/>
+              <a:rPr lang="fr-FR"/>
               <a:t>Deuxième niveau</a:t>
             </a:r>
           </a:p>
           <a:p>
             <a:pPr lvl="2"/>
             <a:r>
-              <a:rPr lang="fr-FR" smtClean="0"/>
+              <a:rPr lang="fr-FR"/>
               <a:t>Troisième niveau</a:t>
             </a:r>
           </a:p>
           <a:p>
             <a:pPr lvl="3"/>
             <a:r>
-              <a:rPr lang="fr-FR" smtClean="0"/>
+              <a:rPr lang="fr-FR"/>
               <a:t>Quatrième niveau</a:t>
             </a:r>
           </a:p>
           <a:p>
             <a:pPr lvl="4"/>
             <a:r>
-              <a:rPr lang="fr-FR" smtClean="0"/>
+              <a:rPr lang="fr-FR"/>
               <a:t>Cinquième niveau</a:t>
             </a:r>
             <a:endParaRPr lang="en-US"/>
@@ -3090,7 +3086,7 @@
           <a:p>
             <a:fld id="{2A040D5B-48D2-40DE-8B4E-8DE6D105151D}" type="datetime1">
               <a:rPr lang="en-US" smtClean="0"/>
-              <a:t>9/22/2021</a:t>
+              <a:t>27-Oct-21</a:t>
             </a:fld>
             <a:endParaRPr lang="en-US" dirty="0"/>
           </a:p>
@@ -3169,7 +3165,7 @@
             <a:fld id="{8A7A6979-0714-4377-B894-6BE4C2D6E202}" type="slidenum">
               <a:rPr lang="en-US" smtClean="0"/>
               <a:pPr/>
-              <a:t>‹N°›</a:t>
+              <a:t>‹#›</a:t>
             </a:fld>
             <a:endParaRPr lang="en-US" dirty="0"/>
           </a:p>
@@ -3541,7 +3537,7 @@
           <a:p>
             <a:pPr algn="ctr"/>
             <a:r>
-              <a:rPr lang="en-US" sz="1200" dirty="0" smtClean="0">
+              <a:rPr lang="en-US" sz="1200" dirty="0">
                 <a:solidFill>
                   <a:schemeClr val="tx1"/>
                 </a:solidFill>
@@ -3550,13 +3546,6 @@
               </a:rPr>
               <a:t>STL object</a:t>
             </a:r>
-            <a:endParaRPr lang="en-US" sz="1200" dirty="0">
-              <a:solidFill>
-                <a:schemeClr val="tx1"/>
-              </a:solidFill>
-              <a:latin typeface="Cambria" panose="02040503050406030204" pitchFamily="18" charset="0"/>
-              <a:ea typeface="Cambria" panose="02040503050406030204" pitchFamily="18" charset="0"/>
-            </a:endParaRPr>
           </a:p>
         </p:txBody>
       </p:sp>
@@ -3603,7 +3592,7 @@
           <a:p>
             <a:pPr algn="ctr"/>
             <a:r>
-              <a:rPr lang="en-US" sz="1200" dirty="0" smtClean="0">
+              <a:rPr lang="en-US" sz="1200" dirty="0">
                 <a:solidFill>
                   <a:schemeClr val="tx1"/>
                 </a:solidFill>
@@ -3612,13 +3601,6 @@
               </a:rPr>
               <a:t>3D Model</a:t>
             </a:r>
-            <a:endParaRPr lang="en-US" sz="1200" dirty="0">
-              <a:solidFill>
-                <a:schemeClr val="tx1"/>
-              </a:solidFill>
-              <a:latin typeface="Cambria" panose="02040503050406030204" pitchFamily="18" charset="0"/>
-              <a:ea typeface="Cambria" panose="02040503050406030204" pitchFamily="18" charset="0"/>
-            </a:endParaRPr>
           </a:p>
         </p:txBody>
       </p:sp>
@@ -3665,7 +3647,7 @@
           <a:p>
             <a:pPr algn="ctr"/>
             <a:r>
-              <a:rPr lang="en-US" sz="1200" dirty="0" smtClean="0">
+              <a:rPr lang="en-US" sz="1200" dirty="0">
                 <a:solidFill>
                   <a:schemeClr val="tx1"/>
                 </a:solidFill>
@@ -3674,13 +3656,6 @@
               </a:rPr>
               <a:t>Grasp object</a:t>
             </a:r>
-            <a:endParaRPr lang="en-US" sz="1200" dirty="0">
-              <a:solidFill>
-                <a:schemeClr val="tx1"/>
-              </a:solidFill>
-              <a:latin typeface="Cambria" panose="02040503050406030204" pitchFamily="18" charset="0"/>
-              <a:ea typeface="Cambria" panose="02040503050406030204" pitchFamily="18" charset="0"/>
-            </a:endParaRPr>
           </a:p>
         </p:txBody>
       </p:sp>
@@ -3727,7 +3702,7 @@
           <a:p>
             <a:pPr algn="ctr"/>
             <a:r>
-              <a:rPr lang="en-US" sz="1200" dirty="0" smtClean="0">
+              <a:rPr lang="en-US" sz="1200" dirty="0">
                 <a:solidFill>
                   <a:schemeClr val="bg1"/>
                 </a:solidFill>
@@ -3736,13 +3711,6 @@
               </a:rPr>
               <a:t>Force required to perform the task</a:t>
             </a:r>
-            <a:endParaRPr lang="en-US" sz="1200" dirty="0">
-              <a:solidFill>
-                <a:schemeClr val="bg1"/>
-              </a:solidFill>
-              <a:latin typeface="Cambria" panose="02040503050406030204" pitchFamily="18" charset="0"/>
-              <a:ea typeface="Cambria" panose="02040503050406030204" pitchFamily="18" charset="0"/>
-            </a:endParaRPr>
           </a:p>
         </p:txBody>
       </p:sp>
@@ -3778,16 +3746,12 @@
           <a:p>
             <a:pPr algn="ctr"/>
             <a:r>
-              <a:rPr lang="en-US" sz="1200" dirty="0" smtClean="0">
+              <a:rPr lang="en-US" sz="1200" dirty="0">
                 <a:latin typeface="Cambria" panose="02040503050406030204" pitchFamily="18" charset="0"/>
                 <a:ea typeface="Cambria" panose="02040503050406030204" pitchFamily="18" charset="0"/>
               </a:rPr>
               <a:t>Contact Location according to Human taxonomy</a:t>
             </a:r>
-            <a:endParaRPr lang="en-US" sz="1200" dirty="0">
-              <a:latin typeface="Cambria" panose="02040503050406030204" pitchFamily="18" charset="0"/>
-              <a:ea typeface="Cambria" panose="02040503050406030204" pitchFamily="18" charset="0"/>
-            </a:endParaRPr>
           </a:p>
         </p:txBody>
       </p:sp>
@@ -3883,18 +3847,11 @@
               </a:rPr>
               <a:t>Metric</a:t>
             </a:r>
-            <a:endParaRPr lang="en-US" sz="1200" dirty="0">
-              <a:solidFill>
-                <a:schemeClr val="tx1"/>
-              </a:solidFill>
-              <a:latin typeface="Cambria" panose="02040503050406030204" pitchFamily="18" charset="0"/>
-              <a:ea typeface="Cambria" panose="02040503050406030204" pitchFamily="18" charset="0"/>
-            </a:endParaRPr>
           </a:p>
         </p:txBody>
       </p:sp>
-      <mc:AlternateContent xmlns:mc="http://schemas.openxmlformats.org/markup-compatibility/2006">
-        <mc:Choice xmlns:a14="http://schemas.microsoft.com/office/drawing/2010/main" Requires="a14">
+      <mc:AlternateContent xmlns:mc="http://schemas.openxmlformats.org/markup-compatibility/2006" xmlns:a14="http://schemas.microsoft.com/office/drawing/2010/main">
+        <mc:Choice Requires="a14">
           <p:sp>
             <p:nvSpPr>
               <p:cNvPr id="19" name="Rectangle avec coins arrondis en diagonale 18"/>
@@ -3995,18 +3952,11 @@
                   </a:rPr>
                   <a:t>Metric</a:t>
                 </a:r>
-                <a:endParaRPr lang="en-US" sz="1200" dirty="0">
-                  <a:solidFill>
-                    <a:schemeClr val="tx1"/>
-                  </a:solidFill>
-                  <a:latin typeface="Cambria" panose="02040503050406030204" pitchFamily="18" charset="0"/>
-                  <a:ea typeface="Cambria" panose="02040503050406030204" pitchFamily="18" charset="0"/>
-                </a:endParaRPr>
               </a:p>
             </p:txBody>
           </p:sp>
         </mc:Choice>
-        <mc:Fallback>
+        <mc:Fallback xmlns="">
           <p:sp>
             <p:nvSpPr>
               <p:cNvPr id="19" name="Rectangle avec coins arrondis en diagonale 18"/>
@@ -4204,7 +4154,7 @@
           <a:p>
             <a:pPr algn="ctr"/>
             <a:r>
-              <a:rPr lang="en-US" sz="1200" dirty="0" smtClean="0">
+              <a:rPr lang="en-US" sz="1200" dirty="0">
                 <a:solidFill>
                   <a:schemeClr val="tx1"/>
                 </a:solidFill>
@@ -4213,13 +4163,6 @@
               </a:rPr>
               <a:t>Contact objects</a:t>
             </a:r>
-            <a:endParaRPr lang="en-US" sz="1200" dirty="0">
-              <a:solidFill>
-                <a:schemeClr val="tx1"/>
-              </a:solidFill>
-              <a:latin typeface="Cambria" panose="02040503050406030204" pitchFamily="18" charset="0"/>
-              <a:ea typeface="Cambria" panose="02040503050406030204" pitchFamily="18" charset="0"/>
-            </a:endParaRPr>
           </a:p>
         </p:txBody>
       </p:sp>
@@ -4293,16 +4236,12 @@
           <a:p>
             <a:pPr algn="ctr"/>
             <a:r>
-              <a:rPr lang="en-US" sz="1200" dirty="0" smtClean="0">
+              <a:rPr lang="en-US" sz="1200" dirty="0">
                 <a:latin typeface="Cambria" panose="02040503050406030204" pitchFamily="18" charset="0"/>
                 <a:ea typeface="Cambria" panose="02040503050406030204" pitchFamily="18" charset="0"/>
               </a:rPr>
               <a:t>External Perturbations</a:t>
             </a:r>
-            <a:endParaRPr lang="en-US" sz="1200" dirty="0">
-              <a:latin typeface="Cambria" panose="02040503050406030204" pitchFamily="18" charset="0"/>
-              <a:ea typeface="Cambria" panose="02040503050406030204" pitchFamily="18" charset="0"/>
-            </a:endParaRPr>
           </a:p>
         </p:txBody>
       </p:sp>
@@ -4417,16 +4356,12 @@
           <a:p>
             <a:pPr algn="ctr"/>
             <a:r>
-              <a:rPr lang="en-US" sz="1200" dirty="0" smtClean="0">
+              <a:rPr lang="en-US" sz="1200" dirty="0">
                 <a:latin typeface="Cambria" panose="02040503050406030204" pitchFamily="18" charset="0"/>
                 <a:ea typeface="Cambria" panose="02040503050406030204" pitchFamily="18" charset="0"/>
               </a:rPr>
               <a:t>Center of Mass</a:t>
             </a:r>
-            <a:endParaRPr lang="en-US" sz="1200" dirty="0">
-              <a:latin typeface="Cambria" panose="02040503050406030204" pitchFamily="18" charset="0"/>
-              <a:ea typeface="Cambria" panose="02040503050406030204" pitchFamily="18" charset="0"/>
-            </a:endParaRPr>
           </a:p>
         </p:txBody>
       </p:sp>
@@ -4592,7 +4527,7 @@
           <a:p>
             <a:pPr algn="ctr"/>
             <a:r>
-              <a:rPr lang="en-US" sz="1200" dirty="0" smtClean="0">
+              <a:rPr lang="en-US" sz="1200" dirty="0">
                 <a:solidFill>
                   <a:schemeClr val="bg1"/>
                 </a:solidFill>
@@ -4602,7 +4537,7 @@
               <a:t>For a Specific </a:t>
             </a:r>
             <a:r>
-              <a:rPr lang="en-US" sz="1200" b="1" dirty="0" smtClean="0">
+              <a:rPr lang="en-US" sz="1200" b="1" dirty="0">
                 <a:solidFill>
                   <a:schemeClr val="bg1"/>
                 </a:solidFill>
@@ -4611,13 +4546,6 @@
               </a:rPr>
               <a:t>Object</a:t>
             </a:r>
-            <a:endParaRPr lang="en-US" sz="1200" b="1" dirty="0">
-              <a:solidFill>
-                <a:schemeClr val="bg1"/>
-              </a:solidFill>
-              <a:latin typeface="Cambria" panose="02040503050406030204" pitchFamily="18" charset="0"/>
-              <a:ea typeface="Cambria" panose="02040503050406030204" pitchFamily="18" charset="0"/>
-            </a:endParaRPr>
           </a:p>
         </p:txBody>
       </p:sp>
@@ -4664,7 +4592,7 @@
           <a:p>
             <a:pPr algn="ctr"/>
             <a:r>
-              <a:rPr lang="en-US" sz="1200" dirty="0" smtClean="0">
+              <a:rPr lang="en-US" sz="1200" dirty="0">
                 <a:solidFill>
                   <a:schemeClr val="bg1"/>
                 </a:solidFill>
@@ -4673,13 +4601,6 @@
               </a:rPr>
               <a:t>For a Specific Task</a:t>
             </a:r>
-            <a:endParaRPr lang="en-US" sz="1200" dirty="0">
-              <a:solidFill>
-                <a:schemeClr val="bg1"/>
-              </a:solidFill>
-              <a:latin typeface="Cambria" panose="02040503050406030204" pitchFamily="18" charset="0"/>
-              <a:ea typeface="Cambria" panose="02040503050406030204" pitchFamily="18" charset="0"/>
-            </a:endParaRPr>
           </a:p>
         </p:txBody>
       </p:sp>
@@ -4729,7 +4650,7 @@
           <a:p>
             <a:pPr algn="ctr"/>
             <a:r>
-              <a:rPr lang="en-US" sz="1200" dirty="0" smtClean="0">
+              <a:rPr lang="en-US" sz="1200" dirty="0">
                 <a:solidFill>
                   <a:schemeClr val="tx1"/>
                 </a:solidFill>
@@ -4738,13 +4659,6 @@
               </a:rPr>
               <a:t>For an Specific Grasp</a:t>
             </a:r>
-            <a:endParaRPr lang="en-US" sz="1200" dirty="0">
-              <a:solidFill>
-                <a:schemeClr val="tx1"/>
-              </a:solidFill>
-              <a:latin typeface="Cambria" panose="02040503050406030204" pitchFamily="18" charset="0"/>
-              <a:ea typeface="Cambria" panose="02040503050406030204" pitchFamily="18" charset="0"/>
-            </a:endParaRPr>
           </a:p>
         </p:txBody>
       </p:sp>
@@ -5192,13 +5106,7408 @@
   <p:clrMapOvr>
     <a:masterClrMapping/>
   </p:clrMapOvr>
-  <p:timing>
-    <p:tnLst>
-      <p:par>
-        <p:cTn id="1" dur="indefinite" restart="never" nodeType="tmRoot"/>
-      </p:par>
-    </p:tnLst>
-  </p:timing>
+</p:sld>
+</file>
+
+<file path=ppt/slides/slide2.xml><?xml version="1.0" encoding="utf-8"?>
+<p:sld xmlns:a="http://schemas.openxmlformats.org/drawingml/2006/main" xmlns:r="http://schemas.openxmlformats.org/officeDocument/2006/relationships" xmlns:p="http://schemas.openxmlformats.org/presentationml/2006/main">
+  <p:cSld>
+    <p:spTree>
+      <p:nvGrpSpPr>
+        <p:cNvPr id="1" name=""/>
+        <p:cNvGrpSpPr/>
+        <p:nvPr/>
+      </p:nvGrpSpPr>
+      <p:grpSpPr>
+        <a:xfrm>
+          <a:off x="0" y="0"/>
+          <a:ext cx="0" cy="0"/>
+          <a:chOff x="0" y="0"/>
+          <a:chExt cx="0" cy="0"/>
+        </a:xfrm>
+      </p:grpSpPr>
+      <p:sp>
+        <p:nvSpPr>
+          <p:cNvPr id="54" name="Hexagone 53"/>
+          <p:cNvSpPr/>
+          <p:nvPr/>
+        </p:nvSpPr>
+        <p:spPr>
+          <a:xfrm>
+            <a:off x="2569025" y="269967"/>
+            <a:ext cx="4772296" cy="3744685"/>
+          </a:xfrm>
+          <a:prstGeom prst="hexagon">
+            <a:avLst>
+              <a:gd name="adj" fmla="val 3902"/>
+              <a:gd name="vf" fmla="val 115470"/>
+            </a:avLst>
+          </a:prstGeom>
+          <a:solidFill>
+            <a:srgbClr val="282C34"/>
+          </a:solidFill>
+          <a:ln>
+            <a:noFill/>
+          </a:ln>
+        </p:spPr>
+        <p:style>
+          <a:lnRef idx="2">
+            <a:schemeClr val="accent1">
+              <a:shade val="50000"/>
+            </a:schemeClr>
+          </a:lnRef>
+          <a:fillRef idx="1">
+            <a:schemeClr val="accent1"/>
+          </a:fillRef>
+          <a:effectRef idx="0">
+            <a:schemeClr val="accent1"/>
+          </a:effectRef>
+          <a:fontRef idx="minor">
+            <a:schemeClr val="lt1"/>
+          </a:fontRef>
+        </p:style>
+        <p:txBody>
+          <a:bodyPr rtlCol="0" anchor="t"/>
+          <a:lstStyle/>
+          <a:p>
+            <a:pPr algn="ctr"/>
+            <a:r>
+              <a:rPr lang="en-US" sz="1200" dirty="0">
+                <a:solidFill>
+                  <a:schemeClr val="bg1"/>
+                </a:solidFill>
+                <a:latin typeface="Cambria" panose="02040503050406030204" pitchFamily="18" charset="0"/>
+                <a:ea typeface="Cambria" panose="02040503050406030204" pitchFamily="18" charset="0"/>
+              </a:rPr>
+              <a:t>grasps</a:t>
+            </a:r>
+          </a:p>
+        </p:txBody>
+      </p:sp>
+      <p:sp>
+        <p:nvSpPr>
+          <p:cNvPr id="7" name="Rectangle à coins arrondis 6"/>
+          <p:cNvSpPr/>
+          <p:nvPr/>
+        </p:nvSpPr>
+        <p:spPr>
+          <a:xfrm>
+            <a:off x="4044395" y="2340270"/>
+            <a:ext cx="828136" cy="524175"/>
+          </a:xfrm>
+          <a:prstGeom prst="roundRect">
+            <a:avLst/>
+          </a:prstGeom>
+          <a:solidFill>
+            <a:srgbClr val="00B0F0"/>
+          </a:solidFill>
+          <a:ln>
+            <a:noFill/>
+          </a:ln>
+        </p:spPr>
+        <p:style>
+          <a:lnRef idx="2">
+            <a:schemeClr val="accent1">
+              <a:shade val="50000"/>
+            </a:schemeClr>
+          </a:lnRef>
+          <a:fillRef idx="1">
+            <a:schemeClr val="accent1"/>
+          </a:fillRef>
+          <a:effectRef idx="0">
+            <a:schemeClr val="accent1"/>
+          </a:effectRef>
+          <a:fontRef idx="minor">
+            <a:schemeClr val="lt1"/>
+          </a:fontRef>
+        </p:style>
+        <p:txBody>
+          <a:bodyPr rtlCol="0" anchor="ctr"/>
+          <a:lstStyle/>
+          <a:p>
+            <a:pPr algn="ctr"/>
+            <a:r>
+              <a:rPr lang="en-US" sz="1200" dirty="0">
+                <a:solidFill>
+                  <a:schemeClr val="tx1"/>
+                </a:solidFill>
+                <a:latin typeface="Cambria" panose="02040503050406030204" pitchFamily="18" charset="0"/>
+                <a:ea typeface="Cambria" panose="02040503050406030204" pitchFamily="18" charset="0"/>
+              </a:rPr>
+              <a:t>Class STL</a:t>
+            </a:r>
+          </a:p>
+        </p:txBody>
+      </p:sp>
+      <p:sp>
+        <p:nvSpPr>
+          <p:cNvPr id="9" name="Rectangle 8"/>
+          <p:cNvSpPr/>
+          <p:nvPr/>
+        </p:nvSpPr>
+        <p:spPr>
+          <a:xfrm>
+            <a:off x="2934054" y="975064"/>
+            <a:ext cx="828136" cy="526212"/>
+          </a:xfrm>
+          <a:prstGeom prst="rect">
+            <a:avLst/>
+          </a:prstGeom>
+          <a:solidFill>
+            <a:srgbClr val="7030A0"/>
+          </a:solidFill>
+          <a:ln>
+            <a:noFill/>
+          </a:ln>
+        </p:spPr>
+        <p:style>
+          <a:lnRef idx="2">
+            <a:schemeClr val="accent1">
+              <a:shade val="50000"/>
+            </a:schemeClr>
+          </a:lnRef>
+          <a:fillRef idx="1">
+            <a:schemeClr val="accent1"/>
+          </a:fillRef>
+          <a:effectRef idx="0">
+            <a:schemeClr val="accent1"/>
+          </a:effectRef>
+          <a:fontRef idx="minor">
+            <a:schemeClr val="lt1"/>
+          </a:fontRef>
+        </p:style>
+        <p:txBody>
+          <a:bodyPr rtlCol="0" anchor="ctr"/>
+          <a:lstStyle/>
+          <a:p>
+            <a:pPr algn="ctr"/>
+            <a:r>
+              <a:rPr lang="es-419" sz="1200" dirty="0">
+                <a:solidFill>
+                  <a:schemeClr val="bg1"/>
+                </a:solidFill>
+                <a:latin typeface="Cambria" panose="02040503050406030204" pitchFamily="18" charset="0"/>
+                <a:ea typeface="Cambria" panose="02040503050406030204" pitchFamily="18" charset="0"/>
+              </a:rPr>
+              <a:t>M</a:t>
+            </a:r>
+            <a:r>
+              <a:rPr lang="en-US" sz="1200" dirty="0" err="1">
+                <a:solidFill>
+                  <a:schemeClr val="bg1"/>
+                </a:solidFill>
+                <a:latin typeface="Cambria" panose="02040503050406030204" pitchFamily="18" charset="0"/>
+                <a:ea typeface="Cambria" panose="02040503050406030204" pitchFamily="18" charset="0"/>
+              </a:rPr>
+              <a:t>ath</a:t>
+            </a:r>
+            <a:r>
+              <a:rPr lang="en-US" sz="1200" dirty="0">
+                <a:solidFill>
+                  <a:schemeClr val="bg1"/>
+                </a:solidFill>
+                <a:latin typeface="Cambria" panose="02040503050406030204" pitchFamily="18" charset="0"/>
+                <a:ea typeface="Cambria" panose="02040503050406030204" pitchFamily="18" charset="0"/>
+              </a:rPr>
+              <a:t> Functions</a:t>
+            </a:r>
+          </a:p>
+        </p:txBody>
+      </p:sp>
+      <p:sp>
+        <p:nvSpPr>
+          <p:cNvPr id="11" name="Rectangle à coins arrondis 10"/>
+          <p:cNvSpPr/>
+          <p:nvPr/>
+        </p:nvSpPr>
+        <p:spPr>
+          <a:xfrm>
+            <a:off x="2934054" y="2799405"/>
+            <a:ext cx="828136" cy="524175"/>
+          </a:xfrm>
+          <a:prstGeom prst="roundRect">
+            <a:avLst/>
+          </a:prstGeom>
+          <a:solidFill>
+            <a:srgbClr val="00B0F0"/>
+          </a:solidFill>
+          <a:ln>
+            <a:noFill/>
+          </a:ln>
+        </p:spPr>
+        <p:style>
+          <a:lnRef idx="2">
+            <a:schemeClr val="accent1">
+              <a:shade val="50000"/>
+            </a:schemeClr>
+          </a:lnRef>
+          <a:fillRef idx="1">
+            <a:schemeClr val="accent1"/>
+          </a:fillRef>
+          <a:effectRef idx="0">
+            <a:schemeClr val="accent1"/>
+          </a:effectRef>
+          <a:fontRef idx="minor">
+            <a:schemeClr val="lt1"/>
+          </a:fontRef>
+        </p:style>
+        <p:txBody>
+          <a:bodyPr rtlCol="0" anchor="ctr"/>
+          <a:lstStyle/>
+          <a:p>
+            <a:pPr algn="ctr"/>
+            <a:r>
+              <a:rPr lang="es-419" sz="1200" dirty="0">
+                <a:solidFill>
+                  <a:schemeClr val="tx1"/>
+                </a:solidFill>
+                <a:latin typeface="Cambria" panose="02040503050406030204" pitchFamily="18" charset="0"/>
+                <a:ea typeface="Cambria" panose="02040503050406030204" pitchFamily="18" charset="0"/>
+              </a:rPr>
+              <a:t>C</a:t>
+            </a:r>
+            <a:r>
+              <a:rPr lang="en-US" sz="1200" dirty="0">
+                <a:solidFill>
+                  <a:schemeClr val="tx1"/>
+                </a:solidFill>
+                <a:latin typeface="Cambria" panose="02040503050406030204" pitchFamily="18" charset="0"/>
+                <a:ea typeface="Cambria" panose="02040503050406030204" pitchFamily="18" charset="0"/>
+              </a:rPr>
+              <a:t>lass Jacobian</a:t>
+            </a:r>
+          </a:p>
+        </p:txBody>
+      </p:sp>
+      <p:sp>
+        <p:nvSpPr>
+          <p:cNvPr id="25" name="Rectangle à coins arrondis 24"/>
+          <p:cNvSpPr/>
+          <p:nvPr/>
+        </p:nvSpPr>
+        <p:spPr>
+          <a:xfrm>
+            <a:off x="2934054" y="1888253"/>
+            <a:ext cx="828136" cy="524175"/>
+          </a:xfrm>
+          <a:prstGeom prst="roundRect">
+            <a:avLst/>
+          </a:prstGeom>
+          <a:solidFill>
+            <a:srgbClr val="00B0F0"/>
+          </a:solidFill>
+          <a:ln>
+            <a:noFill/>
+          </a:ln>
+        </p:spPr>
+        <p:style>
+          <a:lnRef idx="2">
+            <a:schemeClr val="accent1">
+              <a:shade val="50000"/>
+            </a:schemeClr>
+          </a:lnRef>
+          <a:fillRef idx="1">
+            <a:schemeClr val="accent1"/>
+          </a:fillRef>
+          <a:effectRef idx="0">
+            <a:schemeClr val="accent1"/>
+          </a:effectRef>
+          <a:fontRef idx="minor">
+            <a:schemeClr val="lt1"/>
+          </a:fontRef>
+        </p:style>
+        <p:txBody>
+          <a:bodyPr rtlCol="0" anchor="ctr"/>
+          <a:lstStyle/>
+          <a:p>
+            <a:pPr algn="ctr"/>
+            <a:r>
+              <a:rPr lang="en-US" sz="1200" dirty="0">
+                <a:solidFill>
+                  <a:schemeClr val="tx1"/>
+                </a:solidFill>
+                <a:latin typeface="Cambria" panose="02040503050406030204" pitchFamily="18" charset="0"/>
+                <a:ea typeface="Cambria" panose="02040503050406030204" pitchFamily="18" charset="0"/>
+              </a:rPr>
+              <a:t>Class Grasp</a:t>
+            </a:r>
+          </a:p>
+        </p:txBody>
+      </p:sp>
+      <p:sp>
+        <p:nvSpPr>
+          <p:cNvPr id="35" name="Rectangle 34">
+            <a:extLst>
+              <a:ext uri="{FF2B5EF4-FFF2-40B4-BE49-F238E27FC236}">
+                <a16:creationId xmlns:a16="http://schemas.microsoft.com/office/drawing/2014/main" id="{92C5CC5F-3A6C-48D1-8BF9-C4796D9F92DE}"/>
+              </a:ext>
+            </a:extLst>
+          </p:cNvPr>
+          <p:cNvSpPr/>
+          <p:nvPr/>
+        </p:nvSpPr>
+        <p:spPr>
+          <a:xfrm>
+            <a:off x="4044397" y="975064"/>
+            <a:ext cx="828136" cy="526212"/>
+          </a:xfrm>
+          <a:prstGeom prst="rect">
+            <a:avLst/>
+          </a:prstGeom>
+          <a:solidFill>
+            <a:srgbClr val="7030A0"/>
+          </a:solidFill>
+          <a:ln>
+            <a:noFill/>
+          </a:ln>
+        </p:spPr>
+        <p:style>
+          <a:lnRef idx="2">
+            <a:schemeClr val="accent1">
+              <a:shade val="50000"/>
+            </a:schemeClr>
+          </a:lnRef>
+          <a:fillRef idx="1">
+            <a:schemeClr val="accent1"/>
+          </a:fillRef>
+          <a:effectRef idx="0">
+            <a:schemeClr val="accent1"/>
+          </a:effectRef>
+          <a:fontRef idx="minor">
+            <a:schemeClr val="lt1"/>
+          </a:fontRef>
+        </p:style>
+        <p:txBody>
+          <a:bodyPr rtlCol="0" anchor="ctr"/>
+          <a:lstStyle/>
+          <a:p>
+            <a:pPr algn="ctr"/>
+            <a:r>
+              <a:rPr lang="es-419" sz="1200" dirty="0" err="1">
+                <a:solidFill>
+                  <a:schemeClr val="bg1"/>
+                </a:solidFill>
+                <a:latin typeface="Cambria" panose="02040503050406030204" pitchFamily="18" charset="0"/>
+                <a:ea typeface="Cambria" panose="02040503050406030204" pitchFamily="18" charset="0"/>
+              </a:rPr>
+              <a:t>Quality</a:t>
+            </a:r>
+            <a:r>
+              <a:rPr lang="es-419" sz="1200" dirty="0">
+                <a:solidFill>
+                  <a:schemeClr val="bg1"/>
+                </a:solidFill>
+                <a:latin typeface="Cambria" panose="02040503050406030204" pitchFamily="18" charset="0"/>
+                <a:ea typeface="Cambria" panose="02040503050406030204" pitchFamily="18" charset="0"/>
+              </a:rPr>
+              <a:t> </a:t>
+            </a:r>
+            <a:r>
+              <a:rPr lang="es-419" sz="1200" dirty="0" err="1">
+                <a:solidFill>
+                  <a:schemeClr val="bg1"/>
+                </a:solidFill>
+                <a:latin typeface="Cambria" panose="02040503050406030204" pitchFamily="18" charset="0"/>
+                <a:ea typeface="Cambria" panose="02040503050406030204" pitchFamily="18" charset="0"/>
+              </a:rPr>
+              <a:t>Metrics</a:t>
+            </a:r>
+            <a:endParaRPr lang="en-US" sz="1200" dirty="0">
+              <a:solidFill>
+                <a:schemeClr val="bg1"/>
+              </a:solidFill>
+              <a:latin typeface="Cambria" panose="02040503050406030204" pitchFamily="18" charset="0"/>
+              <a:ea typeface="Cambria" panose="02040503050406030204" pitchFamily="18" charset="0"/>
+            </a:endParaRPr>
+          </a:p>
+        </p:txBody>
+      </p:sp>
+      <p:sp>
+        <p:nvSpPr>
+          <p:cNvPr id="37" name="Rectangle 36">
+            <a:extLst>
+              <a:ext uri="{FF2B5EF4-FFF2-40B4-BE49-F238E27FC236}">
+                <a16:creationId xmlns:a16="http://schemas.microsoft.com/office/drawing/2014/main" id="{C7E5283E-D4C7-41CF-9376-7C48FD0F7A40}"/>
+              </a:ext>
+            </a:extLst>
+          </p:cNvPr>
+          <p:cNvSpPr/>
+          <p:nvPr/>
+        </p:nvSpPr>
+        <p:spPr>
+          <a:xfrm>
+            <a:off x="5154739" y="975064"/>
+            <a:ext cx="1664071" cy="2813742"/>
+          </a:xfrm>
+          <a:prstGeom prst="rect">
+            <a:avLst/>
+          </a:prstGeom>
+          <a:solidFill>
+            <a:srgbClr val="7030A0"/>
+          </a:solidFill>
+          <a:ln>
+            <a:noFill/>
+          </a:ln>
+        </p:spPr>
+        <p:style>
+          <a:lnRef idx="2">
+            <a:schemeClr val="accent1">
+              <a:shade val="50000"/>
+            </a:schemeClr>
+          </a:lnRef>
+          <a:fillRef idx="1">
+            <a:schemeClr val="accent1"/>
+          </a:fillRef>
+          <a:effectRef idx="0">
+            <a:schemeClr val="accent1"/>
+          </a:effectRef>
+          <a:fontRef idx="minor">
+            <a:schemeClr val="lt1"/>
+          </a:fontRef>
+        </p:style>
+        <p:txBody>
+          <a:bodyPr rtlCol="0" anchor="t"/>
+          <a:lstStyle/>
+          <a:p>
+            <a:pPr algn="ctr"/>
+            <a:r>
+              <a:rPr lang="es-419" sz="1200" dirty="0">
+                <a:solidFill>
+                  <a:schemeClr val="bg1"/>
+                </a:solidFill>
+                <a:latin typeface="Cambria" panose="02040503050406030204" pitchFamily="18" charset="0"/>
+                <a:ea typeface="Cambria" panose="02040503050406030204" pitchFamily="18" charset="0"/>
+              </a:rPr>
+              <a:t>Data </a:t>
+            </a:r>
+            <a:r>
+              <a:rPr lang="es-419" sz="1200" dirty="0" err="1">
+                <a:solidFill>
+                  <a:schemeClr val="bg1"/>
+                </a:solidFill>
+                <a:latin typeface="Cambria" panose="02040503050406030204" pitchFamily="18" charset="0"/>
+                <a:ea typeface="Cambria" panose="02040503050406030204" pitchFamily="18" charset="0"/>
+              </a:rPr>
+              <a:t>Types</a:t>
+            </a:r>
+            <a:endParaRPr lang="en-US" sz="1200" dirty="0">
+              <a:solidFill>
+                <a:schemeClr val="bg1"/>
+              </a:solidFill>
+              <a:latin typeface="Cambria" panose="02040503050406030204" pitchFamily="18" charset="0"/>
+              <a:ea typeface="Cambria" panose="02040503050406030204" pitchFamily="18" charset="0"/>
+            </a:endParaRPr>
+          </a:p>
+        </p:txBody>
+      </p:sp>
+      <p:sp>
+        <p:nvSpPr>
+          <p:cNvPr id="39" name="Rectangle à coins arrondis 6">
+            <a:extLst>
+              <a:ext uri="{FF2B5EF4-FFF2-40B4-BE49-F238E27FC236}">
+                <a16:creationId xmlns:a16="http://schemas.microsoft.com/office/drawing/2014/main" id="{4EE6DA0A-E97E-468D-9C11-2252AA36322F}"/>
+              </a:ext>
+            </a:extLst>
+          </p:cNvPr>
+          <p:cNvSpPr/>
+          <p:nvPr/>
+        </p:nvSpPr>
+        <p:spPr>
+          <a:xfrm>
+            <a:off x="5587237" y="1380040"/>
+            <a:ext cx="828136" cy="524175"/>
+          </a:xfrm>
+          <a:prstGeom prst="roundRect">
+            <a:avLst/>
+          </a:prstGeom>
+          <a:solidFill>
+            <a:srgbClr val="00B0F0"/>
+          </a:solidFill>
+          <a:ln>
+            <a:noFill/>
+          </a:ln>
+        </p:spPr>
+        <p:style>
+          <a:lnRef idx="2">
+            <a:schemeClr val="accent1">
+              <a:shade val="50000"/>
+            </a:schemeClr>
+          </a:lnRef>
+          <a:fillRef idx="1">
+            <a:schemeClr val="accent1"/>
+          </a:fillRef>
+          <a:effectRef idx="0">
+            <a:schemeClr val="accent1"/>
+          </a:effectRef>
+          <a:fontRef idx="minor">
+            <a:schemeClr val="lt1"/>
+          </a:fontRef>
+        </p:style>
+        <p:txBody>
+          <a:bodyPr rtlCol="0" anchor="ctr"/>
+          <a:lstStyle/>
+          <a:p>
+            <a:pPr algn="ctr"/>
+            <a:r>
+              <a:rPr lang="es-419" sz="1200" dirty="0">
+                <a:solidFill>
+                  <a:schemeClr val="tx1"/>
+                </a:solidFill>
+                <a:latin typeface="Cambria" panose="02040503050406030204" pitchFamily="18" charset="0"/>
+                <a:ea typeface="Cambria" panose="02040503050406030204" pitchFamily="18" charset="0"/>
+              </a:rPr>
+              <a:t>J</a:t>
+            </a:r>
+            <a:r>
+              <a:rPr lang="en-US" sz="1200" dirty="0" err="1">
+                <a:solidFill>
+                  <a:schemeClr val="tx1"/>
+                </a:solidFill>
+                <a:latin typeface="Cambria" panose="02040503050406030204" pitchFamily="18" charset="0"/>
+                <a:ea typeface="Cambria" panose="02040503050406030204" pitchFamily="18" charset="0"/>
+              </a:rPr>
+              <a:t>oint</a:t>
+            </a:r>
+            <a:endParaRPr lang="en-US" sz="1200" dirty="0">
+              <a:solidFill>
+                <a:schemeClr val="tx1"/>
+              </a:solidFill>
+              <a:latin typeface="Cambria" panose="02040503050406030204" pitchFamily="18" charset="0"/>
+              <a:ea typeface="Cambria" panose="02040503050406030204" pitchFamily="18" charset="0"/>
+            </a:endParaRPr>
+          </a:p>
+        </p:txBody>
+      </p:sp>
+      <p:sp>
+        <p:nvSpPr>
+          <p:cNvPr id="42" name="Rectangle à coins arrondis 10">
+            <a:extLst>
+              <a:ext uri="{FF2B5EF4-FFF2-40B4-BE49-F238E27FC236}">
+                <a16:creationId xmlns:a16="http://schemas.microsoft.com/office/drawing/2014/main" id="{9796E4D2-2CC2-44F9-997B-FC2B8027B93B}"/>
+              </a:ext>
+            </a:extLst>
+          </p:cNvPr>
+          <p:cNvSpPr/>
+          <p:nvPr/>
+        </p:nvSpPr>
+        <p:spPr>
+          <a:xfrm>
+            <a:off x="5568397" y="2920642"/>
+            <a:ext cx="828136" cy="524175"/>
+          </a:xfrm>
+          <a:prstGeom prst="roundRect">
+            <a:avLst/>
+          </a:prstGeom>
+          <a:solidFill>
+            <a:srgbClr val="00B0F0"/>
+          </a:solidFill>
+          <a:ln>
+            <a:noFill/>
+          </a:ln>
+        </p:spPr>
+        <p:style>
+          <a:lnRef idx="2">
+            <a:schemeClr val="accent1">
+              <a:shade val="50000"/>
+            </a:schemeClr>
+          </a:lnRef>
+          <a:fillRef idx="1">
+            <a:schemeClr val="accent1"/>
+          </a:fillRef>
+          <a:effectRef idx="0">
+            <a:schemeClr val="accent1"/>
+          </a:effectRef>
+          <a:fontRef idx="minor">
+            <a:schemeClr val="lt1"/>
+          </a:fontRef>
+        </p:style>
+        <p:txBody>
+          <a:bodyPr rtlCol="0" anchor="ctr"/>
+          <a:lstStyle/>
+          <a:p>
+            <a:pPr algn="ctr"/>
+            <a:r>
+              <a:rPr lang="es-419" sz="1200" dirty="0" err="1">
+                <a:solidFill>
+                  <a:schemeClr val="tx1"/>
+                </a:solidFill>
+                <a:latin typeface="Cambria" panose="02040503050406030204" pitchFamily="18" charset="0"/>
+                <a:ea typeface="Cambria" panose="02040503050406030204" pitchFamily="18" charset="0"/>
+              </a:rPr>
+              <a:t>Contact</a:t>
+            </a:r>
+            <a:endParaRPr lang="en-US" sz="1200" dirty="0">
+              <a:solidFill>
+                <a:schemeClr val="tx1"/>
+              </a:solidFill>
+              <a:latin typeface="Cambria" panose="02040503050406030204" pitchFamily="18" charset="0"/>
+              <a:ea typeface="Cambria" panose="02040503050406030204" pitchFamily="18" charset="0"/>
+            </a:endParaRPr>
+          </a:p>
+        </p:txBody>
+      </p:sp>
+      <p:sp>
+        <p:nvSpPr>
+          <p:cNvPr id="43" name="Rectangle à coins arrondis 24">
+            <a:extLst>
+              <a:ext uri="{FF2B5EF4-FFF2-40B4-BE49-F238E27FC236}">
+                <a16:creationId xmlns:a16="http://schemas.microsoft.com/office/drawing/2014/main" id="{19129180-1B8F-437E-865F-D19131B2ADC2}"/>
+              </a:ext>
+            </a:extLst>
+          </p:cNvPr>
+          <p:cNvSpPr/>
+          <p:nvPr/>
+        </p:nvSpPr>
+        <p:spPr>
+          <a:xfrm>
+            <a:off x="5587237" y="2150341"/>
+            <a:ext cx="828136" cy="524175"/>
+          </a:xfrm>
+          <a:prstGeom prst="roundRect">
+            <a:avLst/>
+          </a:prstGeom>
+          <a:solidFill>
+            <a:srgbClr val="00B0F0"/>
+          </a:solidFill>
+          <a:ln>
+            <a:noFill/>
+          </a:ln>
+        </p:spPr>
+        <p:style>
+          <a:lnRef idx="2">
+            <a:schemeClr val="accent1">
+              <a:shade val="50000"/>
+            </a:schemeClr>
+          </a:lnRef>
+          <a:fillRef idx="1">
+            <a:schemeClr val="accent1"/>
+          </a:fillRef>
+          <a:effectRef idx="0">
+            <a:schemeClr val="accent1"/>
+          </a:effectRef>
+          <a:fontRef idx="minor">
+            <a:schemeClr val="lt1"/>
+          </a:fontRef>
+        </p:style>
+        <p:txBody>
+          <a:bodyPr rtlCol="0" anchor="ctr"/>
+          <a:lstStyle/>
+          <a:p>
+            <a:pPr algn="ctr"/>
+            <a:r>
+              <a:rPr lang="en-US" sz="1200" dirty="0">
+                <a:solidFill>
+                  <a:schemeClr val="tx1"/>
+                </a:solidFill>
+                <a:latin typeface="Cambria" panose="02040503050406030204" pitchFamily="18" charset="0"/>
+                <a:ea typeface="Cambria" panose="02040503050406030204" pitchFamily="18" charset="0"/>
+              </a:rPr>
+              <a:t>Finger</a:t>
+            </a:r>
+          </a:p>
+        </p:txBody>
+      </p:sp>
+      <p:sp>
+        <p:nvSpPr>
+          <p:cNvPr id="45" name="Hexagone 53">
+            <a:extLst>
+              <a:ext uri="{FF2B5EF4-FFF2-40B4-BE49-F238E27FC236}">
+                <a16:creationId xmlns:a16="http://schemas.microsoft.com/office/drawing/2014/main" id="{F5431DF8-0113-4DEF-A1F7-85386F4354DF}"/>
+              </a:ext>
+            </a:extLst>
+          </p:cNvPr>
+          <p:cNvSpPr/>
+          <p:nvPr/>
+        </p:nvSpPr>
+        <p:spPr>
+          <a:xfrm>
+            <a:off x="7623527" y="269968"/>
+            <a:ext cx="2713547" cy="1367244"/>
+          </a:xfrm>
+          <a:prstGeom prst="hexagon">
+            <a:avLst>
+              <a:gd name="adj" fmla="val 3902"/>
+              <a:gd name="vf" fmla="val 115470"/>
+            </a:avLst>
+          </a:prstGeom>
+          <a:solidFill>
+            <a:srgbClr val="282C34"/>
+          </a:solidFill>
+          <a:ln>
+            <a:noFill/>
+          </a:ln>
+        </p:spPr>
+        <p:style>
+          <a:lnRef idx="2">
+            <a:schemeClr val="accent1">
+              <a:shade val="50000"/>
+            </a:schemeClr>
+          </a:lnRef>
+          <a:fillRef idx="1">
+            <a:schemeClr val="accent1"/>
+          </a:fillRef>
+          <a:effectRef idx="0">
+            <a:schemeClr val="accent1"/>
+          </a:effectRef>
+          <a:fontRef idx="minor">
+            <a:schemeClr val="lt1"/>
+          </a:fontRef>
+        </p:style>
+        <p:txBody>
+          <a:bodyPr rtlCol="0" anchor="t"/>
+          <a:lstStyle/>
+          <a:p>
+            <a:pPr algn="ctr"/>
+            <a:r>
+              <a:rPr lang="en-US" sz="1200" dirty="0">
+                <a:solidFill>
+                  <a:schemeClr val="bg1"/>
+                </a:solidFill>
+                <a:latin typeface="Cambria" panose="02040503050406030204" pitchFamily="18" charset="0"/>
+                <a:ea typeface="Cambria" panose="02040503050406030204" pitchFamily="18" charset="0"/>
+              </a:rPr>
+              <a:t>Excel data generation</a:t>
+            </a:r>
+          </a:p>
+        </p:txBody>
+      </p:sp>
+      <p:sp>
+        <p:nvSpPr>
+          <p:cNvPr id="48" name="Rectangle 47">
+            <a:extLst>
+              <a:ext uri="{FF2B5EF4-FFF2-40B4-BE49-F238E27FC236}">
+                <a16:creationId xmlns:a16="http://schemas.microsoft.com/office/drawing/2014/main" id="{D648216D-B9A3-4337-A1A3-C0C9549CE8B5}"/>
+              </a:ext>
+            </a:extLst>
+          </p:cNvPr>
+          <p:cNvSpPr/>
+          <p:nvPr/>
+        </p:nvSpPr>
+        <p:spPr>
+          <a:xfrm>
+            <a:off x="7988556" y="975064"/>
+            <a:ext cx="828136" cy="526212"/>
+          </a:xfrm>
+          <a:prstGeom prst="rect">
+            <a:avLst/>
+          </a:prstGeom>
+          <a:solidFill>
+            <a:srgbClr val="7030A0"/>
+          </a:solidFill>
+          <a:ln>
+            <a:noFill/>
+          </a:ln>
+        </p:spPr>
+        <p:style>
+          <a:lnRef idx="2">
+            <a:schemeClr val="accent1">
+              <a:shade val="50000"/>
+            </a:schemeClr>
+          </a:lnRef>
+          <a:fillRef idx="1">
+            <a:schemeClr val="accent1"/>
+          </a:fillRef>
+          <a:effectRef idx="0">
+            <a:schemeClr val="accent1"/>
+          </a:effectRef>
+          <a:fontRef idx="minor">
+            <a:schemeClr val="lt1"/>
+          </a:fontRef>
+        </p:style>
+        <p:txBody>
+          <a:bodyPr rtlCol="0" anchor="ctr"/>
+          <a:lstStyle/>
+          <a:p>
+            <a:pPr algn="ctr"/>
+            <a:r>
+              <a:rPr lang="es-419" sz="1200" dirty="0" err="1">
+                <a:solidFill>
+                  <a:schemeClr val="bg1"/>
+                </a:solidFill>
+                <a:latin typeface="Cambria" panose="02040503050406030204" pitchFamily="18" charset="0"/>
+                <a:ea typeface="Cambria" panose="02040503050406030204" pitchFamily="18" charset="0"/>
+              </a:rPr>
+              <a:t>alpha</a:t>
+            </a:r>
+            <a:endParaRPr lang="en-US" sz="1200" dirty="0">
+              <a:solidFill>
+                <a:schemeClr val="bg1"/>
+              </a:solidFill>
+              <a:latin typeface="Cambria" panose="02040503050406030204" pitchFamily="18" charset="0"/>
+              <a:ea typeface="Cambria" panose="02040503050406030204" pitchFamily="18" charset="0"/>
+            </a:endParaRPr>
+          </a:p>
+        </p:txBody>
+      </p:sp>
+      <p:sp>
+        <p:nvSpPr>
+          <p:cNvPr id="51" name="Rectangle 50">
+            <a:extLst>
+              <a:ext uri="{FF2B5EF4-FFF2-40B4-BE49-F238E27FC236}">
+                <a16:creationId xmlns:a16="http://schemas.microsoft.com/office/drawing/2014/main" id="{29C99D3A-976B-4978-8672-D08926C26432}"/>
+              </a:ext>
+            </a:extLst>
+          </p:cNvPr>
+          <p:cNvSpPr/>
+          <p:nvPr/>
+        </p:nvSpPr>
+        <p:spPr>
+          <a:xfrm>
+            <a:off x="9098899" y="975064"/>
+            <a:ext cx="828136" cy="526212"/>
+          </a:xfrm>
+          <a:prstGeom prst="rect">
+            <a:avLst/>
+          </a:prstGeom>
+          <a:solidFill>
+            <a:srgbClr val="7030A0"/>
+          </a:solidFill>
+          <a:ln>
+            <a:noFill/>
+          </a:ln>
+        </p:spPr>
+        <p:style>
+          <a:lnRef idx="2">
+            <a:schemeClr val="accent1">
+              <a:shade val="50000"/>
+            </a:schemeClr>
+          </a:lnRef>
+          <a:fillRef idx="1">
+            <a:schemeClr val="accent1"/>
+          </a:fillRef>
+          <a:effectRef idx="0">
+            <a:schemeClr val="accent1"/>
+          </a:effectRef>
+          <a:fontRef idx="minor">
+            <a:schemeClr val="lt1"/>
+          </a:fontRef>
+        </p:style>
+        <p:txBody>
+          <a:bodyPr rtlCol="0" anchor="ctr"/>
+          <a:lstStyle/>
+          <a:p>
+            <a:pPr algn="ctr"/>
+            <a:r>
+              <a:rPr lang="es-419" sz="1200" dirty="0" err="1">
+                <a:solidFill>
+                  <a:schemeClr val="bg1"/>
+                </a:solidFill>
+                <a:latin typeface="Cambria" panose="02040503050406030204" pitchFamily="18" charset="0"/>
+                <a:ea typeface="Cambria" panose="02040503050406030204" pitchFamily="18" charset="0"/>
+              </a:rPr>
+              <a:t>forces</a:t>
+            </a:r>
+            <a:endParaRPr lang="en-US" sz="1200" dirty="0">
+              <a:solidFill>
+                <a:schemeClr val="bg1"/>
+              </a:solidFill>
+              <a:latin typeface="Cambria" panose="02040503050406030204" pitchFamily="18" charset="0"/>
+              <a:ea typeface="Cambria" panose="02040503050406030204" pitchFamily="18" charset="0"/>
+            </a:endParaRPr>
+          </a:p>
+        </p:txBody>
+      </p:sp>
+      <p:sp>
+        <p:nvSpPr>
+          <p:cNvPr id="58" name="Hexagone 53">
+            <a:extLst>
+              <a:ext uri="{FF2B5EF4-FFF2-40B4-BE49-F238E27FC236}">
+                <a16:creationId xmlns:a16="http://schemas.microsoft.com/office/drawing/2014/main" id="{792156B9-5955-4B6D-812F-ACC20AC795F8}"/>
+              </a:ext>
+            </a:extLst>
+          </p:cNvPr>
+          <p:cNvSpPr/>
+          <p:nvPr/>
+        </p:nvSpPr>
+        <p:spPr>
+          <a:xfrm>
+            <a:off x="7623526" y="1810708"/>
+            <a:ext cx="2713547" cy="1804902"/>
+          </a:xfrm>
+          <a:prstGeom prst="hexagon">
+            <a:avLst>
+              <a:gd name="adj" fmla="val 3902"/>
+              <a:gd name="vf" fmla="val 115470"/>
+            </a:avLst>
+          </a:prstGeom>
+          <a:solidFill>
+            <a:srgbClr val="282C34"/>
+          </a:solidFill>
+          <a:ln>
+            <a:noFill/>
+          </a:ln>
+        </p:spPr>
+        <p:style>
+          <a:lnRef idx="2">
+            <a:schemeClr val="accent1">
+              <a:shade val="50000"/>
+            </a:schemeClr>
+          </a:lnRef>
+          <a:fillRef idx="1">
+            <a:schemeClr val="accent1"/>
+          </a:fillRef>
+          <a:effectRef idx="0">
+            <a:schemeClr val="accent1"/>
+          </a:effectRef>
+          <a:fontRef idx="minor">
+            <a:schemeClr val="lt1"/>
+          </a:fontRef>
+        </p:style>
+        <p:txBody>
+          <a:bodyPr rtlCol="0" anchor="t"/>
+          <a:lstStyle/>
+          <a:p>
+            <a:pPr algn="ctr"/>
+            <a:r>
+              <a:rPr lang="en-US" sz="1200" dirty="0">
+                <a:solidFill>
+                  <a:schemeClr val="bg1"/>
+                </a:solidFill>
+                <a:latin typeface="Cambria" panose="02040503050406030204" pitchFamily="18" charset="0"/>
+                <a:ea typeface="Cambria" panose="02040503050406030204" pitchFamily="18" charset="0"/>
+              </a:rPr>
+              <a:t>Config Files</a:t>
+            </a:r>
+          </a:p>
+        </p:txBody>
+      </p:sp>
+      <p:sp>
+        <p:nvSpPr>
+          <p:cNvPr id="59" name="Rectangle à coins arrondis 10">
+            <a:extLst>
+              <a:ext uri="{FF2B5EF4-FFF2-40B4-BE49-F238E27FC236}">
+                <a16:creationId xmlns:a16="http://schemas.microsoft.com/office/drawing/2014/main" id="{E8A6D77B-1AF1-4318-86DC-711480CAF7AD}"/>
+              </a:ext>
+            </a:extLst>
+          </p:cNvPr>
+          <p:cNvSpPr/>
+          <p:nvPr/>
+        </p:nvSpPr>
+        <p:spPr>
+          <a:xfrm>
+            <a:off x="7811576" y="2340271"/>
+            <a:ext cx="1120537" cy="524175"/>
+          </a:xfrm>
+          <a:prstGeom prst="roundRect">
+            <a:avLst/>
+          </a:prstGeom>
+          <a:solidFill>
+            <a:srgbClr val="92D050"/>
+          </a:solidFill>
+          <a:ln>
+            <a:noFill/>
+          </a:ln>
+        </p:spPr>
+        <p:style>
+          <a:lnRef idx="2">
+            <a:schemeClr val="accent1">
+              <a:shade val="50000"/>
+            </a:schemeClr>
+          </a:lnRef>
+          <a:fillRef idx="1">
+            <a:schemeClr val="accent1"/>
+          </a:fillRef>
+          <a:effectRef idx="0">
+            <a:schemeClr val="accent1"/>
+          </a:effectRef>
+          <a:fontRef idx="minor">
+            <a:schemeClr val="lt1"/>
+          </a:fontRef>
+        </p:style>
+        <p:txBody>
+          <a:bodyPr rtlCol="0" anchor="ctr"/>
+          <a:lstStyle/>
+          <a:p>
+            <a:pPr algn="ctr"/>
+            <a:r>
+              <a:rPr lang="es-419" sz="1200" dirty="0" err="1">
+                <a:solidFill>
+                  <a:schemeClr val="tx1"/>
+                </a:solidFill>
+                <a:latin typeface="Cambria" panose="02040503050406030204" pitchFamily="18" charset="0"/>
+                <a:ea typeface="Cambria" panose="02040503050406030204" pitchFamily="18" charset="0"/>
+              </a:rPr>
+              <a:t>Object</a:t>
+            </a:r>
+            <a:r>
+              <a:rPr lang="es-419" sz="1200" dirty="0">
+                <a:solidFill>
+                  <a:schemeClr val="tx1"/>
+                </a:solidFill>
+                <a:latin typeface="Cambria" panose="02040503050406030204" pitchFamily="18" charset="0"/>
+                <a:ea typeface="Cambria" panose="02040503050406030204" pitchFamily="18" charset="0"/>
+              </a:rPr>
+              <a:t> </a:t>
+            </a:r>
+            <a:r>
+              <a:rPr lang="es-419" sz="1200" dirty="0" err="1">
+                <a:solidFill>
+                  <a:schemeClr val="tx1"/>
+                </a:solidFill>
+                <a:latin typeface="Cambria" panose="02040503050406030204" pitchFamily="18" charset="0"/>
+                <a:ea typeface="Cambria" panose="02040503050406030204" pitchFamily="18" charset="0"/>
+              </a:rPr>
+              <a:t>Description</a:t>
+            </a:r>
+            <a:endParaRPr lang="en-US" sz="1200" dirty="0">
+              <a:solidFill>
+                <a:schemeClr val="tx1"/>
+              </a:solidFill>
+              <a:latin typeface="Cambria" panose="02040503050406030204" pitchFamily="18" charset="0"/>
+              <a:ea typeface="Cambria" panose="02040503050406030204" pitchFamily="18" charset="0"/>
+            </a:endParaRPr>
+          </a:p>
+        </p:txBody>
+      </p:sp>
+      <p:sp>
+        <p:nvSpPr>
+          <p:cNvPr id="60" name="Rectangle 59">
+            <a:extLst>
+              <a:ext uri="{FF2B5EF4-FFF2-40B4-BE49-F238E27FC236}">
+                <a16:creationId xmlns:a16="http://schemas.microsoft.com/office/drawing/2014/main" id="{4F82E4E2-8BE4-45DC-AC60-37C19A099061}"/>
+              </a:ext>
+            </a:extLst>
+          </p:cNvPr>
+          <p:cNvSpPr/>
+          <p:nvPr/>
+        </p:nvSpPr>
+        <p:spPr>
+          <a:xfrm>
+            <a:off x="9176561" y="2340271"/>
+            <a:ext cx="828136" cy="526212"/>
+          </a:xfrm>
+          <a:prstGeom prst="rect">
+            <a:avLst/>
+          </a:prstGeom>
+          <a:solidFill>
+            <a:srgbClr val="7030A0"/>
+          </a:solidFill>
+          <a:ln>
+            <a:noFill/>
+          </a:ln>
+        </p:spPr>
+        <p:style>
+          <a:lnRef idx="2">
+            <a:schemeClr val="accent1">
+              <a:shade val="50000"/>
+            </a:schemeClr>
+          </a:lnRef>
+          <a:fillRef idx="1">
+            <a:schemeClr val="accent1"/>
+          </a:fillRef>
+          <a:effectRef idx="0">
+            <a:schemeClr val="accent1"/>
+          </a:effectRef>
+          <a:fontRef idx="minor">
+            <a:schemeClr val="lt1"/>
+          </a:fontRef>
+        </p:style>
+        <p:txBody>
+          <a:bodyPr rtlCol="0" anchor="ctr"/>
+          <a:lstStyle/>
+          <a:p>
+            <a:pPr algn="ctr"/>
+            <a:r>
+              <a:rPr lang="es-419" sz="1200" dirty="0" err="1">
+                <a:solidFill>
+                  <a:schemeClr val="bg1"/>
+                </a:solidFill>
+                <a:latin typeface="Cambria" panose="02040503050406030204" pitchFamily="18" charset="0"/>
+                <a:ea typeface="Cambria" panose="02040503050406030204" pitchFamily="18" charset="0"/>
+              </a:rPr>
+              <a:t>Update</a:t>
+            </a:r>
+            <a:endParaRPr lang="en-US" sz="1200" dirty="0">
+              <a:solidFill>
+                <a:schemeClr val="bg1"/>
+              </a:solidFill>
+              <a:latin typeface="Cambria" panose="02040503050406030204" pitchFamily="18" charset="0"/>
+              <a:ea typeface="Cambria" panose="02040503050406030204" pitchFamily="18" charset="0"/>
+            </a:endParaRPr>
+          </a:p>
+        </p:txBody>
+      </p:sp>
+      <p:sp>
+        <p:nvSpPr>
+          <p:cNvPr id="61" name="Rectangle 60">
+            <a:extLst>
+              <a:ext uri="{FF2B5EF4-FFF2-40B4-BE49-F238E27FC236}">
+                <a16:creationId xmlns:a16="http://schemas.microsoft.com/office/drawing/2014/main" id="{EF2D8A2E-EFA3-45D7-80A2-8925470BE910}"/>
+              </a:ext>
+            </a:extLst>
+          </p:cNvPr>
+          <p:cNvSpPr/>
+          <p:nvPr/>
+        </p:nvSpPr>
+        <p:spPr>
+          <a:xfrm>
+            <a:off x="8518045" y="3751546"/>
+            <a:ext cx="828136" cy="526212"/>
+          </a:xfrm>
+          <a:prstGeom prst="rect">
+            <a:avLst/>
+          </a:prstGeom>
+          <a:solidFill>
+            <a:srgbClr val="7030A0"/>
+          </a:solidFill>
+          <a:ln>
+            <a:noFill/>
+          </a:ln>
+        </p:spPr>
+        <p:style>
+          <a:lnRef idx="2">
+            <a:schemeClr val="accent1">
+              <a:shade val="50000"/>
+            </a:schemeClr>
+          </a:lnRef>
+          <a:fillRef idx="1">
+            <a:schemeClr val="accent1"/>
+          </a:fillRef>
+          <a:effectRef idx="0">
+            <a:schemeClr val="accent1"/>
+          </a:effectRef>
+          <a:fontRef idx="minor">
+            <a:schemeClr val="lt1"/>
+          </a:fontRef>
+        </p:style>
+        <p:txBody>
+          <a:bodyPr rtlCol="0" anchor="ctr"/>
+          <a:lstStyle/>
+          <a:p>
+            <a:pPr algn="ctr"/>
+            <a:r>
+              <a:rPr lang="es-419" sz="1200" dirty="0" err="1">
+                <a:solidFill>
+                  <a:schemeClr val="bg1"/>
+                </a:solidFill>
+                <a:latin typeface="Cambria" panose="02040503050406030204" pitchFamily="18" charset="0"/>
+                <a:ea typeface="Cambria" panose="02040503050406030204" pitchFamily="18" charset="0"/>
+              </a:rPr>
+              <a:t>Functions</a:t>
+            </a:r>
+            <a:endParaRPr lang="en-US" sz="1200" dirty="0">
+              <a:solidFill>
+                <a:schemeClr val="bg1"/>
+              </a:solidFill>
+              <a:latin typeface="Cambria" panose="02040503050406030204" pitchFamily="18" charset="0"/>
+              <a:ea typeface="Cambria" panose="02040503050406030204" pitchFamily="18" charset="0"/>
+            </a:endParaRPr>
+          </a:p>
+        </p:txBody>
+      </p:sp>
+      <p:sp>
+        <p:nvSpPr>
+          <p:cNvPr id="62" name="Rectangle à coins arrondis 10">
+            <a:extLst>
+              <a:ext uri="{FF2B5EF4-FFF2-40B4-BE49-F238E27FC236}">
+                <a16:creationId xmlns:a16="http://schemas.microsoft.com/office/drawing/2014/main" id="{4FCEDEFB-4FBE-4BCF-9850-CC6E3EC5FBFF}"/>
+              </a:ext>
+            </a:extLst>
+          </p:cNvPr>
+          <p:cNvSpPr/>
+          <p:nvPr/>
+        </p:nvSpPr>
+        <p:spPr>
+          <a:xfrm>
+            <a:off x="8932114" y="2978959"/>
+            <a:ext cx="1251130" cy="524175"/>
+          </a:xfrm>
+          <a:prstGeom prst="roundRect">
+            <a:avLst/>
+          </a:prstGeom>
+          <a:solidFill>
+            <a:schemeClr val="accent2"/>
+          </a:solidFill>
+          <a:ln>
+            <a:noFill/>
+          </a:ln>
+        </p:spPr>
+        <p:style>
+          <a:lnRef idx="2">
+            <a:schemeClr val="accent1">
+              <a:shade val="50000"/>
+            </a:schemeClr>
+          </a:lnRef>
+          <a:fillRef idx="1">
+            <a:schemeClr val="accent1"/>
+          </a:fillRef>
+          <a:effectRef idx="0">
+            <a:schemeClr val="accent1"/>
+          </a:effectRef>
+          <a:fontRef idx="minor">
+            <a:schemeClr val="lt1"/>
+          </a:fontRef>
+        </p:style>
+        <p:txBody>
+          <a:bodyPr rtlCol="0" anchor="ctr"/>
+          <a:lstStyle/>
+          <a:p>
+            <a:pPr algn="ctr"/>
+            <a:r>
+              <a:rPr lang="es-419" sz="1200" dirty="0">
+                <a:solidFill>
+                  <a:schemeClr val="tx1"/>
+                </a:solidFill>
+                <a:latin typeface="Cambria" panose="02040503050406030204" pitchFamily="18" charset="0"/>
+                <a:ea typeface="Cambria" panose="02040503050406030204" pitchFamily="18" charset="0"/>
+              </a:rPr>
+              <a:t>raw </a:t>
+            </a:r>
+            <a:r>
+              <a:rPr lang="es-419" sz="1200" dirty="0" err="1">
+                <a:solidFill>
+                  <a:schemeClr val="tx1"/>
+                </a:solidFill>
+                <a:latin typeface="Cambria" panose="02040503050406030204" pitchFamily="18" charset="0"/>
+                <a:ea typeface="Cambria" panose="02040503050406030204" pitchFamily="18" charset="0"/>
+              </a:rPr>
+              <a:t>perturbations</a:t>
+            </a:r>
+            <a:endParaRPr lang="en-US" sz="1200" dirty="0">
+              <a:solidFill>
+                <a:schemeClr val="tx1"/>
+              </a:solidFill>
+              <a:latin typeface="Cambria" panose="02040503050406030204" pitchFamily="18" charset="0"/>
+              <a:ea typeface="Cambria" panose="02040503050406030204" pitchFamily="18" charset="0"/>
+            </a:endParaRPr>
+          </a:p>
+        </p:txBody>
+      </p:sp>
+      <p:cxnSp>
+        <p:nvCxnSpPr>
+          <p:cNvPr id="3" name="Connector: Curved 2">
+            <a:extLst>
+              <a:ext uri="{FF2B5EF4-FFF2-40B4-BE49-F238E27FC236}">
+                <a16:creationId xmlns:a16="http://schemas.microsoft.com/office/drawing/2014/main" id="{A2D3517E-14C9-42B3-A01B-D6108A6976C4}"/>
+              </a:ext>
+            </a:extLst>
+          </p:cNvPr>
+          <p:cNvCxnSpPr>
+            <a:stCxn id="25" idx="0"/>
+            <a:endCxn id="9" idx="2"/>
+          </p:cNvCxnSpPr>
+          <p:nvPr/>
+        </p:nvCxnSpPr>
+        <p:spPr>
+          <a:xfrm rot="5400000" flipH="1" flipV="1">
+            <a:off x="3154634" y="1694765"/>
+            <a:ext cx="386977" cy="12700"/>
+          </a:xfrm>
+          <a:prstGeom prst="curvedConnector3">
+            <a:avLst/>
+          </a:prstGeom>
+          <a:ln w="9525" cap="flat" cmpd="sng" algn="ctr">
+            <a:solidFill>
+              <a:schemeClr val="accent3"/>
+            </a:solidFill>
+            <a:prstDash val="solid"/>
+            <a:round/>
+            <a:headEnd type="none" w="med" len="med"/>
+            <a:tailEnd type="arrow" w="med" len="med"/>
+          </a:ln>
+        </p:spPr>
+        <p:style>
+          <a:lnRef idx="0">
+            <a:scrgbClr r="0" g="0" b="0"/>
+          </a:lnRef>
+          <a:fillRef idx="0">
+            <a:scrgbClr r="0" g="0" b="0"/>
+          </a:fillRef>
+          <a:effectRef idx="0">
+            <a:scrgbClr r="0" g="0" b="0"/>
+          </a:effectRef>
+          <a:fontRef idx="minor">
+            <a:schemeClr val="tx1"/>
+          </a:fontRef>
+        </p:style>
+      </p:cxnSp>
+      <p:cxnSp>
+        <p:nvCxnSpPr>
+          <p:cNvPr id="5" name="Connector: Curved 4">
+            <a:extLst>
+              <a:ext uri="{FF2B5EF4-FFF2-40B4-BE49-F238E27FC236}">
+                <a16:creationId xmlns:a16="http://schemas.microsoft.com/office/drawing/2014/main" id="{8393FE60-6612-4585-B954-1CF4BAC72F0A}"/>
+              </a:ext>
+            </a:extLst>
+          </p:cNvPr>
+          <p:cNvCxnSpPr>
+            <a:stCxn id="11" idx="0"/>
+            <a:endCxn id="9" idx="1"/>
+          </p:cNvCxnSpPr>
+          <p:nvPr/>
+        </p:nvCxnSpPr>
+        <p:spPr>
+          <a:xfrm rot="16200000" flipV="1">
+            <a:off x="2360471" y="1811754"/>
+            <a:ext cx="1561235" cy="414068"/>
+          </a:xfrm>
+          <a:prstGeom prst="curvedConnector4">
+            <a:avLst>
+              <a:gd name="adj1" fmla="val 41574"/>
+              <a:gd name="adj2" fmla="val 155208"/>
+            </a:avLst>
+          </a:prstGeom>
+          <a:ln w="9525" cap="flat" cmpd="sng" algn="ctr">
+            <a:solidFill>
+              <a:schemeClr val="accent3"/>
+            </a:solidFill>
+            <a:prstDash val="solid"/>
+            <a:round/>
+            <a:headEnd type="none" w="med" len="med"/>
+            <a:tailEnd type="arrow" w="med" len="med"/>
+          </a:ln>
+        </p:spPr>
+        <p:style>
+          <a:lnRef idx="0">
+            <a:scrgbClr r="0" g="0" b="0"/>
+          </a:lnRef>
+          <a:fillRef idx="0">
+            <a:scrgbClr r="0" g="0" b="0"/>
+          </a:fillRef>
+          <a:effectRef idx="0">
+            <a:scrgbClr r="0" g="0" b="0"/>
+          </a:effectRef>
+          <a:fontRef idx="minor">
+            <a:schemeClr val="tx1"/>
+          </a:fontRef>
+        </p:style>
+      </p:cxnSp>
+      <p:cxnSp>
+        <p:nvCxnSpPr>
+          <p:cNvPr id="8" name="Connector: Curved 7">
+            <a:extLst>
+              <a:ext uri="{FF2B5EF4-FFF2-40B4-BE49-F238E27FC236}">
+                <a16:creationId xmlns:a16="http://schemas.microsoft.com/office/drawing/2014/main" id="{589CE7B1-5164-4188-A829-5B06C3752036}"/>
+              </a:ext>
+            </a:extLst>
+          </p:cNvPr>
+          <p:cNvCxnSpPr>
+            <a:stCxn id="35" idx="1"/>
+            <a:endCxn id="25" idx="3"/>
+          </p:cNvCxnSpPr>
+          <p:nvPr/>
+        </p:nvCxnSpPr>
+        <p:spPr>
+          <a:xfrm rot="10800000" flipV="1">
+            <a:off x="3762191" y="1238169"/>
+            <a:ext cx="282207" cy="912171"/>
+          </a:xfrm>
+          <a:prstGeom prst="curvedConnector3">
+            <a:avLst/>
+          </a:prstGeom>
+          <a:ln w="9525" cap="flat" cmpd="sng" algn="ctr">
+            <a:solidFill>
+              <a:schemeClr val="accent3"/>
+            </a:solidFill>
+            <a:prstDash val="solid"/>
+            <a:round/>
+            <a:headEnd type="none" w="med" len="med"/>
+            <a:tailEnd type="arrow" w="med" len="med"/>
+          </a:ln>
+        </p:spPr>
+        <p:style>
+          <a:lnRef idx="0">
+            <a:scrgbClr r="0" g="0" b="0"/>
+          </a:lnRef>
+          <a:fillRef idx="0">
+            <a:scrgbClr r="0" g="0" b="0"/>
+          </a:fillRef>
+          <a:effectRef idx="0">
+            <a:scrgbClr r="0" g="0" b="0"/>
+          </a:effectRef>
+          <a:fontRef idx="minor">
+            <a:schemeClr val="tx1"/>
+          </a:fontRef>
+        </p:style>
+      </p:cxnSp>
+      <p:cxnSp>
+        <p:nvCxnSpPr>
+          <p:cNvPr id="12" name="Connector: Curved 11">
+            <a:extLst>
+              <a:ext uri="{FF2B5EF4-FFF2-40B4-BE49-F238E27FC236}">
+                <a16:creationId xmlns:a16="http://schemas.microsoft.com/office/drawing/2014/main" id="{91D6DEEE-56CD-4230-B1FB-20A8C01BE568}"/>
+              </a:ext>
+            </a:extLst>
+          </p:cNvPr>
+          <p:cNvCxnSpPr>
+            <a:stCxn id="35" idx="1"/>
+            <a:endCxn id="11" idx="3"/>
+          </p:cNvCxnSpPr>
+          <p:nvPr/>
+        </p:nvCxnSpPr>
+        <p:spPr>
+          <a:xfrm rot="10800000" flipV="1">
+            <a:off x="3762191" y="1238169"/>
+            <a:ext cx="282207" cy="1823323"/>
+          </a:xfrm>
+          <a:prstGeom prst="curvedConnector3">
+            <a:avLst/>
+          </a:prstGeom>
+          <a:ln w="9525" cap="flat" cmpd="sng" algn="ctr">
+            <a:solidFill>
+              <a:schemeClr val="accent3"/>
+            </a:solidFill>
+            <a:prstDash val="solid"/>
+            <a:round/>
+            <a:headEnd type="none" w="med" len="med"/>
+            <a:tailEnd type="arrow" w="med" len="med"/>
+          </a:ln>
+        </p:spPr>
+        <p:style>
+          <a:lnRef idx="0">
+            <a:scrgbClr r="0" g="0" b="0"/>
+          </a:lnRef>
+          <a:fillRef idx="0">
+            <a:scrgbClr r="0" g="0" b="0"/>
+          </a:fillRef>
+          <a:effectRef idx="0">
+            <a:scrgbClr r="0" g="0" b="0"/>
+          </a:effectRef>
+          <a:fontRef idx="minor">
+            <a:schemeClr val="tx1"/>
+          </a:fontRef>
+        </p:style>
+      </p:cxnSp>
+      <p:cxnSp>
+        <p:nvCxnSpPr>
+          <p:cNvPr id="22" name="Connector: Curved 21">
+            <a:extLst>
+              <a:ext uri="{FF2B5EF4-FFF2-40B4-BE49-F238E27FC236}">
+                <a16:creationId xmlns:a16="http://schemas.microsoft.com/office/drawing/2014/main" id="{08DDFD12-41C6-473E-88F3-BCE8EFD7EAD2}"/>
+              </a:ext>
+            </a:extLst>
+          </p:cNvPr>
+          <p:cNvCxnSpPr>
+            <a:stCxn id="7" idx="1"/>
+            <a:endCxn id="25" idx="2"/>
+          </p:cNvCxnSpPr>
+          <p:nvPr/>
+        </p:nvCxnSpPr>
+        <p:spPr>
+          <a:xfrm rot="10800000">
+            <a:off x="3348123" y="2412428"/>
+            <a:ext cx="696273" cy="189930"/>
+          </a:xfrm>
+          <a:prstGeom prst="curvedConnector2">
+            <a:avLst/>
+          </a:prstGeom>
+          <a:ln>
+            <a:tailEnd type="triangle"/>
+          </a:ln>
+        </p:spPr>
+        <p:style>
+          <a:lnRef idx="1">
+            <a:schemeClr val="accent1"/>
+          </a:lnRef>
+          <a:fillRef idx="0">
+            <a:schemeClr val="accent1"/>
+          </a:fillRef>
+          <a:effectRef idx="0">
+            <a:schemeClr val="accent1"/>
+          </a:effectRef>
+          <a:fontRef idx="minor">
+            <a:schemeClr val="tx1"/>
+          </a:fontRef>
+        </p:style>
+      </p:cxnSp>
+      <p:cxnSp>
+        <p:nvCxnSpPr>
+          <p:cNvPr id="24" name="Connector: Curved 23">
+            <a:extLst>
+              <a:ext uri="{FF2B5EF4-FFF2-40B4-BE49-F238E27FC236}">
+                <a16:creationId xmlns:a16="http://schemas.microsoft.com/office/drawing/2014/main" id="{454B3E08-9CDF-4742-A17A-D33AF3F795C7}"/>
+              </a:ext>
+            </a:extLst>
+          </p:cNvPr>
+          <p:cNvCxnSpPr>
+            <a:stCxn id="7" idx="1"/>
+            <a:endCxn id="11" idx="2"/>
+          </p:cNvCxnSpPr>
+          <p:nvPr/>
+        </p:nvCxnSpPr>
+        <p:spPr>
+          <a:xfrm rot="10800000" flipV="1">
+            <a:off x="3348123" y="2602358"/>
+            <a:ext cx="696273" cy="721222"/>
+          </a:xfrm>
+          <a:prstGeom prst="curvedConnector4">
+            <a:avLst>
+              <a:gd name="adj1" fmla="val 20265"/>
+              <a:gd name="adj2" fmla="val 131696"/>
+            </a:avLst>
+          </a:prstGeom>
+          <a:ln>
+            <a:tailEnd type="triangle"/>
+          </a:ln>
+        </p:spPr>
+        <p:style>
+          <a:lnRef idx="1">
+            <a:schemeClr val="accent1"/>
+          </a:lnRef>
+          <a:fillRef idx="0">
+            <a:schemeClr val="accent1"/>
+          </a:fillRef>
+          <a:effectRef idx="0">
+            <a:schemeClr val="accent1"/>
+          </a:effectRef>
+          <a:fontRef idx="minor">
+            <a:schemeClr val="tx1"/>
+          </a:fontRef>
+        </p:style>
+      </p:cxnSp>
+      <p:cxnSp>
+        <p:nvCxnSpPr>
+          <p:cNvPr id="29" name="Connector: Curved 28">
+            <a:extLst>
+              <a:ext uri="{FF2B5EF4-FFF2-40B4-BE49-F238E27FC236}">
+                <a16:creationId xmlns:a16="http://schemas.microsoft.com/office/drawing/2014/main" id="{A5E48FB4-FBFB-430D-B8C3-89F4FD3FC26B}"/>
+              </a:ext>
+            </a:extLst>
+          </p:cNvPr>
+          <p:cNvCxnSpPr>
+            <a:stCxn id="7" idx="3"/>
+          </p:cNvCxnSpPr>
+          <p:nvPr/>
+        </p:nvCxnSpPr>
+        <p:spPr>
+          <a:xfrm>
+            <a:off x="4872531" y="2602358"/>
+            <a:ext cx="695866" cy="580371"/>
+          </a:xfrm>
+          <a:prstGeom prst="curvedConnector3">
+            <a:avLst/>
+          </a:prstGeom>
+          <a:ln>
+            <a:tailEnd type="triangle"/>
+          </a:ln>
+        </p:spPr>
+        <p:style>
+          <a:lnRef idx="1">
+            <a:schemeClr val="accent1"/>
+          </a:lnRef>
+          <a:fillRef idx="0">
+            <a:schemeClr val="accent1"/>
+          </a:fillRef>
+          <a:effectRef idx="0">
+            <a:schemeClr val="accent1"/>
+          </a:effectRef>
+          <a:fontRef idx="minor">
+            <a:schemeClr val="tx1"/>
+          </a:fontRef>
+        </p:style>
+      </p:cxnSp>
+      <p:cxnSp>
+        <p:nvCxnSpPr>
+          <p:cNvPr id="33" name="Connector: Curved 32">
+            <a:extLst>
+              <a:ext uri="{FF2B5EF4-FFF2-40B4-BE49-F238E27FC236}">
+                <a16:creationId xmlns:a16="http://schemas.microsoft.com/office/drawing/2014/main" id="{113A1834-F4DA-4756-BA89-30D413134BB6}"/>
+              </a:ext>
+            </a:extLst>
+          </p:cNvPr>
+          <p:cNvCxnSpPr>
+            <a:stCxn id="43" idx="0"/>
+            <a:endCxn id="39" idx="2"/>
+          </p:cNvCxnSpPr>
+          <p:nvPr/>
+        </p:nvCxnSpPr>
+        <p:spPr>
+          <a:xfrm rot="5400000" flipH="1" flipV="1">
+            <a:off x="5878242" y="2027278"/>
+            <a:ext cx="246126" cy="12700"/>
+          </a:xfrm>
+          <a:prstGeom prst="curvedConnector3">
+            <a:avLst/>
+          </a:prstGeom>
+          <a:ln>
+            <a:tailEnd type="triangle"/>
+          </a:ln>
+        </p:spPr>
+        <p:style>
+          <a:lnRef idx="1">
+            <a:schemeClr val="accent1"/>
+          </a:lnRef>
+          <a:fillRef idx="0">
+            <a:schemeClr val="accent1"/>
+          </a:fillRef>
+          <a:effectRef idx="0">
+            <a:schemeClr val="accent1"/>
+          </a:effectRef>
+          <a:fontRef idx="minor">
+            <a:schemeClr val="tx1"/>
+          </a:fontRef>
+        </p:style>
+      </p:cxnSp>
+      <p:cxnSp>
+        <p:nvCxnSpPr>
+          <p:cNvPr id="1027" name="Connector: Curved 1026">
+            <a:extLst>
+              <a:ext uri="{FF2B5EF4-FFF2-40B4-BE49-F238E27FC236}">
+                <a16:creationId xmlns:a16="http://schemas.microsoft.com/office/drawing/2014/main" id="{C32BC82F-E25E-42EB-B470-41EAEC854582}"/>
+              </a:ext>
+            </a:extLst>
+          </p:cNvPr>
+          <p:cNvCxnSpPr>
+            <a:stCxn id="11" idx="1"/>
+            <a:endCxn id="43" idx="1"/>
+          </p:cNvCxnSpPr>
+          <p:nvPr/>
+        </p:nvCxnSpPr>
+        <p:spPr>
+          <a:xfrm rot="10800000" flipH="1">
+            <a:off x="2934053" y="2412429"/>
+            <a:ext cx="2653183" cy="649064"/>
+          </a:xfrm>
+          <a:prstGeom prst="curvedConnector3">
+            <a:avLst>
+              <a:gd name="adj1" fmla="val -8616"/>
+            </a:avLst>
+          </a:prstGeom>
+          <a:ln>
+            <a:tailEnd type="triangle"/>
+          </a:ln>
+        </p:spPr>
+        <p:style>
+          <a:lnRef idx="1">
+            <a:schemeClr val="accent1"/>
+          </a:lnRef>
+          <a:fillRef idx="0">
+            <a:schemeClr val="accent1"/>
+          </a:fillRef>
+          <a:effectRef idx="0">
+            <a:schemeClr val="accent1"/>
+          </a:effectRef>
+          <a:fontRef idx="minor">
+            <a:schemeClr val="tx1"/>
+          </a:fontRef>
+        </p:style>
+      </p:cxnSp>
+      <p:cxnSp>
+        <p:nvCxnSpPr>
+          <p:cNvPr id="1029" name="Connector: Curved 1028">
+            <a:extLst>
+              <a:ext uri="{FF2B5EF4-FFF2-40B4-BE49-F238E27FC236}">
+                <a16:creationId xmlns:a16="http://schemas.microsoft.com/office/drawing/2014/main" id="{BB68C63D-D114-40C4-A2EC-CC6C3B0C0483}"/>
+              </a:ext>
+            </a:extLst>
+          </p:cNvPr>
+          <p:cNvCxnSpPr>
+            <a:stCxn id="48" idx="1"/>
+          </p:cNvCxnSpPr>
+          <p:nvPr/>
+        </p:nvCxnSpPr>
+        <p:spPr>
+          <a:xfrm rot="10800000">
+            <a:off x="4872532" y="1175658"/>
+            <a:ext cx="3116025" cy="62513"/>
+          </a:xfrm>
+          <a:prstGeom prst="curvedConnector3">
+            <a:avLst/>
+          </a:prstGeom>
+          <a:ln>
+            <a:tailEnd type="triangle"/>
+          </a:ln>
+        </p:spPr>
+        <p:style>
+          <a:lnRef idx="1">
+            <a:schemeClr val="accent1"/>
+          </a:lnRef>
+          <a:fillRef idx="0">
+            <a:schemeClr val="accent1"/>
+          </a:fillRef>
+          <a:effectRef idx="0">
+            <a:schemeClr val="accent1"/>
+          </a:effectRef>
+          <a:fontRef idx="minor">
+            <a:schemeClr val="tx1"/>
+          </a:fontRef>
+        </p:style>
+      </p:cxnSp>
+      <p:sp>
+        <p:nvSpPr>
+          <p:cNvPr id="80" name="Rectangle à coins arrondis 10">
+            <a:extLst>
+              <a:ext uri="{FF2B5EF4-FFF2-40B4-BE49-F238E27FC236}">
+                <a16:creationId xmlns:a16="http://schemas.microsoft.com/office/drawing/2014/main" id="{42170123-B6AD-4F3E-B3C0-1FFFC54C5603}"/>
+              </a:ext>
+            </a:extLst>
+          </p:cNvPr>
+          <p:cNvSpPr/>
+          <p:nvPr/>
+        </p:nvSpPr>
+        <p:spPr>
+          <a:xfrm>
+            <a:off x="10705722" y="1386390"/>
+            <a:ext cx="1251130" cy="524175"/>
+          </a:xfrm>
+          <a:prstGeom prst="roundRect">
+            <a:avLst/>
+          </a:prstGeom>
+          <a:ln/>
+        </p:spPr>
+        <p:style>
+          <a:lnRef idx="1">
+            <a:schemeClr val="accent3"/>
+          </a:lnRef>
+          <a:fillRef idx="3">
+            <a:schemeClr val="accent3"/>
+          </a:fillRef>
+          <a:effectRef idx="2">
+            <a:schemeClr val="accent3"/>
+          </a:effectRef>
+          <a:fontRef idx="minor">
+            <a:schemeClr val="lt1"/>
+          </a:fontRef>
+        </p:style>
+        <p:txBody>
+          <a:bodyPr rtlCol="0" anchor="ctr"/>
+          <a:lstStyle/>
+          <a:p>
+            <a:pPr algn="ctr"/>
+            <a:r>
+              <a:rPr lang="es-419" sz="1200" dirty="0">
+                <a:solidFill>
+                  <a:schemeClr val="tx1"/>
+                </a:solidFill>
+                <a:latin typeface="Cambria" panose="02040503050406030204" pitchFamily="18" charset="0"/>
+                <a:ea typeface="Cambria" panose="02040503050406030204" pitchFamily="18" charset="0"/>
+              </a:rPr>
+              <a:t>Excel File</a:t>
+            </a:r>
+            <a:endParaRPr lang="en-US" sz="1200" dirty="0">
+              <a:solidFill>
+                <a:schemeClr val="tx1"/>
+              </a:solidFill>
+              <a:latin typeface="Cambria" panose="02040503050406030204" pitchFamily="18" charset="0"/>
+              <a:ea typeface="Cambria" panose="02040503050406030204" pitchFamily="18" charset="0"/>
+            </a:endParaRPr>
+          </a:p>
+        </p:txBody>
+      </p:sp>
+      <p:cxnSp>
+        <p:nvCxnSpPr>
+          <p:cNvPr id="1042" name="Connector: Curved 1041">
+            <a:extLst>
+              <a:ext uri="{FF2B5EF4-FFF2-40B4-BE49-F238E27FC236}">
+                <a16:creationId xmlns:a16="http://schemas.microsoft.com/office/drawing/2014/main" id="{22ADA436-50C2-4702-A2BA-29869BD68271}"/>
+              </a:ext>
+            </a:extLst>
+          </p:cNvPr>
+          <p:cNvCxnSpPr>
+            <a:stCxn id="59" idx="3"/>
+            <a:endCxn id="60" idx="1"/>
+          </p:cNvCxnSpPr>
+          <p:nvPr/>
+        </p:nvCxnSpPr>
+        <p:spPr>
+          <a:xfrm>
+            <a:off x="8932113" y="2602359"/>
+            <a:ext cx="244448" cy="1018"/>
+          </a:xfrm>
+          <a:prstGeom prst="curvedConnector3">
+            <a:avLst/>
+          </a:prstGeom>
+          <a:ln>
+            <a:tailEnd type="triangle"/>
+          </a:ln>
+        </p:spPr>
+        <p:style>
+          <a:lnRef idx="1">
+            <a:schemeClr val="accent1"/>
+          </a:lnRef>
+          <a:fillRef idx="0">
+            <a:schemeClr val="accent1"/>
+          </a:fillRef>
+          <a:effectRef idx="0">
+            <a:schemeClr val="accent1"/>
+          </a:effectRef>
+          <a:fontRef idx="minor">
+            <a:schemeClr val="tx1"/>
+          </a:fontRef>
+        </p:style>
+      </p:cxnSp>
+      <p:cxnSp>
+        <p:nvCxnSpPr>
+          <p:cNvPr id="1045" name="Connector: Curved 1044">
+            <a:extLst>
+              <a:ext uri="{FF2B5EF4-FFF2-40B4-BE49-F238E27FC236}">
+                <a16:creationId xmlns:a16="http://schemas.microsoft.com/office/drawing/2014/main" id="{9322BA5F-A65C-40A9-B0CF-396F92498E08}"/>
+              </a:ext>
+            </a:extLst>
+          </p:cNvPr>
+          <p:cNvCxnSpPr>
+            <a:stCxn id="60" idx="2"/>
+            <a:endCxn id="62" idx="0"/>
+          </p:cNvCxnSpPr>
+          <p:nvPr/>
+        </p:nvCxnSpPr>
+        <p:spPr>
+          <a:xfrm rot="5400000">
+            <a:off x="9517916" y="2906246"/>
+            <a:ext cx="112476" cy="32950"/>
+          </a:xfrm>
+          <a:prstGeom prst="curvedConnector3">
+            <a:avLst/>
+          </a:prstGeom>
+          <a:ln>
+            <a:tailEnd type="triangle"/>
+          </a:ln>
+        </p:spPr>
+        <p:style>
+          <a:lnRef idx="1">
+            <a:schemeClr val="accent1"/>
+          </a:lnRef>
+          <a:fillRef idx="0">
+            <a:schemeClr val="accent1"/>
+          </a:fillRef>
+          <a:effectRef idx="0">
+            <a:schemeClr val="accent1"/>
+          </a:effectRef>
+          <a:fontRef idx="minor">
+            <a:schemeClr val="tx1"/>
+          </a:fontRef>
+        </p:style>
+      </p:cxnSp>
+      <p:cxnSp>
+        <p:nvCxnSpPr>
+          <p:cNvPr id="1049" name="Connector: Curved 1048">
+            <a:extLst>
+              <a:ext uri="{FF2B5EF4-FFF2-40B4-BE49-F238E27FC236}">
+                <a16:creationId xmlns:a16="http://schemas.microsoft.com/office/drawing/2014/main" id="{08AA84DB-D1AE-4FE6-AEC4-EF1CE74C408E}"/>
+              </a:ext>
+            </a:extLst>
+          </p:cNvPr>
+          <p:cNvCxnSpPr>
+            <a:stCxn id="48" idx="0"/>
+            <a:endCxn id="61" idx="0"/>
+          </p:cNvCxnSpPr>
+          <p:nvPr/>
+        </p:nvCxnSpPr>
+        <p:spPr>
+          <a:xfrm rot="16200000" flipH="1">
+            <a:off x="7279127" y="2098561"/>
+            <a:ext cx="2776482" cy="529489"/>
+          </a:xfrm>
+          <a:prstGeom prst="curvedConnector3">
+            <a:avLst>
+              <a:gd name="adj1" fmla="val -8233"/>
+            </a:avLst>
+          </a:prstGeom>
+          <a:ln>
+            <a:tailEnd type="triangle"/>
+          </a:ln>
+        </p:spPr>
+        <p:style>
+          <a:lnRef idx="1">
+            <a:schemeClr val="accent1"/>
+          </a:lnRef>
+          <a:fillRef idx="0">
+            <a:schemeClr val="accent1"/>
+          </a:fillRef>
+          <a:effectRef idx="0">
+            <a:schemeClr val="accent1"/>
+          </a:effectRef>
+          <a:fontRef idx="minor">
+            <a:schemeClr val="tx1"/>
+          </a:fontRef>
+        </p:style>
+      </p:cxnSp>
+      <p:cxnSp>
+        <p:nvCxnSpPr>
+          <p:cNvPr id="1051" name="Connector: Curved 1050">
+            <a:extLst>
+              <a:ext uri="{FF2B5EF4-FFF2-40B4-BE49-F238E27FC236}">
+                <a16:creationId xmlns:a16="http://schemas.microsoft.com/office/drawing/2014/main" id="{3BE61007-1951-476F-A88D-CE4F8E500612}"/>
+              </a:ext>
+            </a:extLst>
+          </p:cNvPr>
+          <p:cNvCxnSpPr>
+            <a:stCxn id="61" idx="3"/>
+            <a:endCxn id="80" idx="2"/>
+          </p:cNvCxnSpPr>
+          <p:nvPr/>
+        </p:nvCxnSpPr>
+        <p:spPr>
+          <a:xfrm flipV="1">
+            <a:off x="9346181" y="1910565"/>
+            <a:ext cx="1985106" cy="2104087"/>
+          </a:xfrm>
+          <a:prstGeom prst="curvedConnector2">
+            <a:avLst/>
+          </a:prstGeom>
+          <a:ln>
+            <a:tailEnd type="triangle"/>
+          </a:ln>
+        </p:spPr>
+        <p:style>
+          <a:lnRef idx="1">
+            <a:schemeClr val="accent1"/>
+          </a:lnRef>
+          <a:fillRef idx="0">
+            <a:schemeClr val="accent1"/>
+          </a:fillRef>
+          <a:effectRef idx="0">
+            <a:schemeClr val="accent1"/>
+          </a:effectRef>
+          <a:fontRef idx="minor">
+            <a:schemeClr val="tx1"/>
+          </a:fontRef>
+        </p:style>
+      </p:cxnSp>
+      <p:cxnSp>
+        <p:nvCxnSpPr>
+          <p:cNvPr id="1055" name="Connector: Curved 1054">
+            <a:extLst>
+              <a:ext uri="{FF2B5EF4-FFF2-40B4-BE49-F238E27FC236}">
+                <a16:creationId xmlns:a16="http://schemas.microsoft.com/office/drawing/2014/main" id="{6576D732-86B8-4E87-B5D7-6F85AD9B88B3}"/>
+              </a:ext>
+            </a:extLst>
+          </p:cNvPr>
+          <p:cNvCxnSpPr>
+            <a:endCxn id="61" idx="0"/>
+          </p:cNvCxnSpPr>
+          <p:nvPr/>
+        </p:nvCxnSpPr>
+        <p:spPr>
+          <a:xfrm rot="5400000">
+            <a:off x="7864893" y="2042285"/>
+            <a:ext cx="2776482" cy="642041"/>
+          </a:xfrm>
+          <a:prstGeom prst="curvedConnector3">
+            <a:avLst/>
+          </a:prstGeom>
+          <a:ln>
+            <a:tailEnd type="triangle"/>
+          </a:ln>
+        </p:spPr>
+        <p:style>
+          <a:lnRef idx="1">
+            <a:schemeClr val="accent1"/>
+          </a:lnRef>
+          <a:fillRef idx="0">
+            <a:schemeClr val="accent1"/>
+          </a:fillRef>
+          <a:effectRef idx="0">
+            <a:schemeClr val="accent1"/>
+          </a:effectRef>
+          <a:fontRef idx="minor">
+            <a:schemeClr val="tx1"/>
+          </a:fontRef>
+        </p:style>
+      </p:cxnSp>
+      <p:cxnSp>
+        <p:nvCxnSpPr>
+          <p:cNvPr id="1057" name="Connector: Curved 1056">
+            <a:extLst>
+              <a:ext uri="{FF2B5EF4-FFF2-40B4-BE49-F238E27FC236}">
+                <a16:creationId xmlns:a16="http://schemas.microsoft.com/office/drawing/2014/main" id="{7018B0A0-572D-4034-BC1C-86EAB7D496E1}"/>
+              </a:ext>
+            </a:extLst>
+          </p:cNvPr>
+          <p:cNvCxnSpPr>
+            <a:stCxn id="61" idx="2"/>
+            <a:endCxn id="59" idx="0"/>
+          </p:cNvCxnSpPr>
+          <p:nvPr/>
+        </p:nvCxnSpPr>
+        <p:spPr>
+          <a:xfrm rot="5400000" flipH="1">
+            <a:off x="7683235" y="3028881"/>
+            <a:ext cx="1937487" cy="560268"/>
+          </a:xfrm>
+          <a:prstGeom prst="curvedConnector5">
+            <a:avLst>
+              <a:gd name="adj1" fmla="val -11799"/>
+              <a:gd name="adj2" fmla="val 240802"/>
+              <a:gd name="adj3" fmla="val 111799"/>
+            </a:avLst>
+          </a:prstGeom>
+          <a:ln>
+            <a:tailEnd type="triangle"/>
+          </a:ln>
+        </p:spPr>
+        <p:style>
+          <a:lnRef idx="1">
+            <a:schemeClr val="accent1"/>
+          </a:lnRef>
+          <a:fillRef idx="0">
+            <a:schemeClr val="accent1"/>
+          </a:fillRef>
+          <a:effectRef idx="0">
+            <a:schemeClr val="accent1"/>
+          </a:effectRef>
+          <a:fontRef idx="minor">
+            <a:schemeClr val="tx1"/>
+          </a:fontRef>
+        </p:style>
+      </p:cxnSp>
+    </p:spTree>
+    <p:extLst>
+      <p:ext uri="{BB962C8B-B14F-4D97-AF65-F5344CB8AC3E}">
+        <p14:creationId xmlns:p14="http://schemas.microsoft.com/office/powerpoint/2010/main" val="1734341785"/>
+      </p:ext>
+    </p:extLst>
+  </p:cSld>
+  <p:clrMapOvr>
+    <a:masterClrMapping/>
+  </p:clrMapOvr>
+</p:sld>
+</file>
+
+<file path=ppt/slides/slide3.xml><?xml version="1.0" encoding="utf-8"?>
+<p:sld xmlns:a="http://schemas.openxmlformats.org/drawingml/2006/main" xmlns:r="http://schemas.openxmlformats.org/officeDocument/2006/relationships" xmlns:p="http://schemas.openxmlformats.org/presentationml/2006/main">
+  <p:cSld>
+    <p:spTree>
+      <p:nvGrpSpPr>
+        <p:cNvPr id="1" name=""/>
+        <p:cNvGrpSpPr/>
+        <p:nvPr/>
+      </p:nvGrpSpPr>
+      <p:grpSpPr>
+        <a:xfrm>
+          <a:off x="0" y="0"/>
+          <a:ext cx="0" cy="0"/>
+          <a:chOff x="0" y="0"/>
+          <a:chExt cx="0" cy="0"/>
+        </a:xfrm>
+      </p:grpSpPr>
+      <p:sp>
+        <p:nvSpPr>
+          <p:cNvPr id="2" name="Slide Number Placeholder 1">
+            <a:extLst>
+              <a:ext uri="{FF2B5EF4-FFF2-40B4-BE49-F238E27FC236}">
+                <a16:creationId xmlns:a16="http://schemas.microsoft.com/office/drawing/2014/main" id="{D919DAF0-026B-4FC3-9FD4-9D49AF3B9DB7}"/>
+              </a:ext>
+            </a:extLst>
+          </p:cNvPr>
+          <p:cNvSpPr>
+            <a:spLocks noGrp="1"/>
+          </p:cNvSpPr>
+          <p:nvPr>
+            <p:ph type="sldNum" sz="quarter" idx="12"/>
+          </p:nvPr>
+        </p:nvSpPr>
+        <p:spPr/>
+        <p:txBody>
+          <a:bodyPr/>
+          <a:lstStyle/>
+          <a:p>
+            <a:fld id="{8A7A6979-0714-4377-B894-6BE4C2D6E202}" type="slidenum">
+              <a:rPr lang="en-US" smtClean="0"/>
+              <a:pPr/>
+              <a:t>3</a:t>
+            </a:fld>
+            <a:endParaRPr lang="en-US" dirty="0"/>
+          </a:p>
+        </p:txBody>
+      </p:sp>
+      <p:grpSp>
+        <p:nvGrpSpPr>
+          <p:cNvPr id="3" name="Groupe 89">
+            <a:extLst>
+              <a:ext uri="{FF2B5EF4-FFF2-40B4-BE49-F238E27FC236}">
+                <a16:creationId xmlns:a16="http://schemas.microsoft.com/office/drawing/2014/main" id="{DBF58C30-E470-47C4-BB90-79DBF6860950}"/>
+              </a:ext>
+            </a:extLst>
+          </p:cNvPr>
+          <p:cNvGrpSpPr/>
+          <p:nvPr/>
+        </p:nvGrpSpPr>
+        <p:grpSpPr>
+          <a:xfrm>
+            <a:off x="632785" y="3860458"/>
+            <a:ext cx="3763365" cy="2186452"/>
+            <a:chOff x="247477" y="1975110"/>
+            <a:chExt cx="3763365" cy="2186452"/>
+          </a:xfrm>
+        </p:grpSpPr>
+        <p:sp>
+          <p:nvSpPr>
+            <p:cNvPr id="4" name="Rectangle 3">
+              <a:extLst>
+                <a:ext uri="{FF2B5EF4-FFF2-40B4-BE49-F238E27FC236}">
+                  <a16:creationId xmlns:a16="http://schemas.microsoft.com/office/drawing/2014/main" id="{39F34443-7DA1-4697-9FFC-818540F325F1}"/>
+                </a:ext>
+              </a:extLst>
+            </p:cNvPr>
+            <p:cNvSpPr/>
+            <p:nvPr/>
+          </p:nvSpPr>
+          <p:spPr>
+            <a:xfrm>
+              <a:off x="247477" y="1975110"/>
+              <a:ext cx="3763365" cy="339688"/>
+            </a:xfrm>
+            <a:prstGeom prst="rect">
+              <a:avLst/>
+            </a:prstGeom>
+            <a:solidFill>
+              <a:schemeClr val="bg1">
+                <a:lumMod val="85000"/>
+              </a:schemeClr>
+            </a:solidFill>
+            <a:ln w="28575">
+              <a:solidFill>
+                <a:schemeClr val="accent2"/>
+              </a:solidFill>
+            </a:ln>
+          </p:spPr>
+          <p:style>
+            <a:lnRef idx="2">
+              <a:schemeClr val="accent1">
+                <a:shade val="50000"/>
+              </a:schemeClr>
+            </a:lnRef>
+            <a:fillRef idx="1">
+              <a:schemeClr val="accent1"/>
+            </a:fillRef>
+            <a:effectRef idx="0">
+              <a:schemeClr val="accent1"/>
+            </a:effectRef>
+            <a:fontRef idx="minor">
+              <a:schemeClr val="lt1"/>
+            </a:fontRef>
+          </p:style>
+          <p:txBody>
+            <a:bodyPr rtlCol="0" anchor="ctr">
+              <a:noAutofit/>
+            </a:bodyPr>
+            <a:lstStyle/>
+            <a:p>
+              <a:pPr algn="ctr"/>
+              <a:r>
+                <a:rPr lang="en-US" sz="1400" dirty="0">
+                  <a:solidFill>
+                    <a:schemeClr val="tx1"/>
+                  </a:solidFill>
+                </a:rPr>
+                <a:t>STL</a:t>
+              </a:r>
+            </a:p>
+          </p:txBody>
+        </p:sp>
+        <p:sp>
+          <p:nvSpPr>
+            <p:cNvPr id="5" name="Rectangle 4">
+              <a:extLst>
+                <a:ext uri="{FF2B5EF4-FFF2-40B4-BE49-F238E27FC236}">
+                  <a16:creationId xmlns:a16="http://schemas.microsoft.com/office/drawing/2014/main" id="{ED764B2B-7370-4367-B9E1-ADF6B9F39B2E}"/>
+                </a:ext>
+              </a:extLst>
+            </p:cNvPr>
+            <p:cNvSpPr/>
+            <p:nvPr/>
+          </p:nvSpPr>
+          <p:spPr>
+            <a:xfrm>
+              <a:off x="247477" y="2314799"/>
+              <a:ext cx="3763365" cy="884736"/>
+            </a:xfrm>
+            <a:prstGeom prst="rect">
+              <a:avLst/>
+            </a:prstGeom>
+            <a:solidFill>
+              <a:schemeClr val="bg1">
+                <a:lumMod val="85000"/>
+              </a:schemeClr>
+            </a:solidFill>
+            <a:ln w="28575">
+              <a:solidFill>
+                <a:schemeClr val="accent2"/>
+              </a:solidFill>
+            </a:ln>
+          </p:spPr>
+          <p:style>
+            <a:lnRef idx="2">
+              <a:schemeClr val="accent1">
+                <a:shade val="50000"/>
+              </a:schemeClr>
+            </a:lnRef>
+            <a:fillRef idx="1">
+              <a:schemeClr val="accent1"/>
+            </a:fillRef>
+            <a:effectRef idx="0">
+              <a:schemeClr val="accent1"/>
+            </a:effectRef>
+            <a:fontRef idx="minor">
+              <a:schemeClr val="lt1"/>
+            </a:fontRef>
+          </p:style>
+          <p:txBody>
+            <a:bodyPr rtlCol="0" anchor="t">
+              <a:noAutofit/>
+            </a:bodyPr>
+            <a:lstStyle/>
+            <a:p>
+              <a:pPr marL="285750" indent="-285750">
+                <a:buSzPct val="50000"/>
+                <a:buFont typeface="Arial" panose="020B0604020202020204" pitchFamily="34" charset="0"/>
+                <a:buChar char="•"/>
+              </a:pPr>
+              <a:r>
+                <a:rPr lang="en-US" sz="1000" dirty="0">
+                  <a:solidFill>
+                    <a:schemeClr val="tx1"/>
+                  </a:solidFill>
+                </a:rPr>
+                <a:t>mesh : numpy-stl.mesh.Mesh</a:t>
+              </a:r>
+            </a:p>
+            <a:p>
+              <a:pPr marL="285750" indent="-285750">
+                <a:buFont typeface="Arial" panose="020B0604020202020204" pitchFamily="34" charset="0"/>
+                <a:buChar char="•"/>
+              </a:pPr>
+              <a:r>
+                <a:rPr lang="en-US" sz="1000" dirty="0">
+                  <a:solidFill>
+                    <a:schemeClr val="tx1"/>
+                  </a:solidFill>
+                </a:rPr>
+                <a:t>cog : [3,]</a:t>
+              </a:r>
+            </a:p>
+            <a:p>
+              <a:pPr marL="285750" indent="-285750">
+                <a:buFont typeface="Arial" panose="020B0604020202020204" pitchFamily="34" charset="0"/>
+                <a:buChar char="•"/>
+              </a:pPr>
+              <a:r>
+                <a:rPr lang="en-US" sz="1000" dirty="0">
+                  <a:solidFill>
+                    <a:schemeClr val="tx1"/>
+                  </a:solidFill>
+                </a:rPr>
+                <a:t>triangles : [#,3,3]</a:t>
+              </a:r>
+            </a:p>
+            <a:p>
+              <a:pPr marL="285750" indent="-285750">
+                <a:buFont typeface="Arial" panose="020B0604020202020204" pitchFamily="34" charset="0"/>
+                <a:buChar char="•"/>
+              </a:pPr>
+              <a:r>
+                <a:rPr lang="en-US" sz="1000" dirty="0">
+                  <a:solidFill>
+                    <a:schemeClr val="tx1"/>
+                  </a:solidFill>
+                </a:rPr>
+                <a:t>edges : [#,2,3]</a:t>
+              </a:r>
+            </a:p>
+            <a:p>
+              <a:pPr marL="285750" indent="-285750">
+                <a:buFont typeface="Arial" panose="020B0604020202020204" pitchFamily="34" charset="0"/>
+                <a:buChar char="•"/>
+              </a:pPr>
+              <a:r>
+                <a:rPr lang="en-US" sz="1000" dirty="0">
+                  <a:solidFill>
+                    <a:schemeClr val="tx1"/>
+                  </a:solidFill>
+                </a:rPr>
+                <a:t>vertices : [#,3]</a:t>
+              </a:r>
+            </a:p>
+          </p:txBody>
+        </p:sp>
+        <p:sp>
+          <p:nvSpPr>
+            <p:cNvPr id="6" name="Rectangle 5">
+              <a:extLst>
+                <a:ext uri="{FF2B5EF4-FFF2-40B4-BE49-F238E27FC236}">
+                  <a16:creationId xmlns:a16="http://schemas.microsoft.com/office/drawing/2014/main" id="{52766470-FD58-4352-AD34-2AE5D4202D47}"/>
+                </a:ext>
+              </a:extLst>
+            </p:cNvPr>
+            <p:cNvSpPr/>
+            <p:nvPr/>
+          </p:nvSpPr>
+          <p:spPr>
+            <a:xfrm>
+              <a:off x="247477" y="3199535"/>
+              <a:ext cx="3763365" cy="962027"/>
+            </a:xfrm>
+            <a:prstGeom prst="rect">
+              <a:avLst/>
+            </a:prstGeom>
+            <a:solidFill>
+              <a:schemeClr val="bg1">
+                <a:lumMod val="85000"/>
+              </a:schemeClr>
+            </a:solidFill>
+            <a:ln w="28575">
+              <a:solidFill>
+                <a:schemeClr val="accent2"/>
+              </a:solidFill>
+            </a:ln>
+          </p:spPr>
+          <p:style>
+            <a:lnRef idx="2">
+              <a:schemeClr val="accent1">
+                <a:shade val="50000"/>
+              </a:schemeClr>
+            </a:lnRef>
+            <a:fillRef idx="1">
+              <a:schemeClr val="accent1"/>
+            </a:fillRef>
+            <a:effectRef idx="0">
+              <a:schemeClr val="accent1"/>
+            </a:effectRef>
+            <a:fontRef idx="minor">
+              <a:schemeClr val="lt1"/>
+            </a:fontRef>
+          </p:style>
+          <p:txBody>
+            <a:bodyPr rtlCol="0" anchor="t">
+              <a:noAutofit/>
+            </a:bodyPr>
+            <a:lstStyle/>
+            <a:p>
+              <a:pPr marL="285750" indent="-285750">
+                <a:buFont typeface="Arial" panose="020B0604020202020204" pitchFamily="34" charset="0"/>
+                <a:buChar char="•"/>
+              </a:pPr>
+              <a:r>
+                <a:rPr lang="en-US" sz="1000" dirty="0">
+                  <a:solidFill>
+                    <a:schemeClr val="tx1"/>
+                  </a:solidFill>
+                </a:rPr>
+                <a:t>STL(path : string)</a:t>
+              </a:r>
+            </a:p>
+            <a:p>
+              <a:pPr marL="285750" indent="-285750">
+                <a:buFont typeface="Arial" panose="020B0604020202020204" pitchFamily="34" charset="0"/>
+                <a:buChar char="•"/>
+              </a:pPr>
+              <a:r>
+                <a:rPr lang="en-US" sz="1000" dirty="0">
+                  <a:solidFill>
+                    <a:schemeClr val="tx1"/>
+                  </a:solidFill>
+                </a:rPr>
+                <a:t>genRandCR(nc : int) : [3,] , [3,3] , [3,] , [3,3] , [3,] , [3,3]</a:t>
+              </a:r>
+            </a:p>
+            <a:p>
+              <a:pPr marL="285750" indent="-285750">
+                <a:buFont typeface="Arial" panose="020B0604020202020204" pitchFamily="34" charset="0"/>
+                <a:buChar char="•"/>
+              </a:pPr>
+              <a:r>
+                <a:rPr lang="en-US" sz="1000" dirty="0">
+                  <a:solidFill>
+                    <a:schemeClr val="tx1"/>
+                  </a:solidFill>
+                </a:rPr>
+                <a:t>getCRofCoord(coord : [3,] , location : string = “T”) : [3,] , [3,3]</a:t>
+              </a:r>
+            </a:p>
+            <a:p>
+              <a:pPr marL="285750" indent="-285750">
+                <a:buFont typeface="Arial" panose="020B0604020202020204" pitchFamily="34" charset="0"/>
+                <a:buChar char="•"/>
+              </a:pPr>
+              <a:r>
+                <a:rPr lang="en-US" sz="1000" dirty="0">
+                  <a:solidFill>
+                    <a:schemeClr val="tx1"/>
+                  </a:solidFill>
+                </a:rPr>
+                <a:t>view()</a:t>
+              </a:r>
+            </a:p>
+            <a:p>
+              <a:pPr marL="285750" indent="-285750">
+                <a:buFont typeface="Arial" panose="020B0604020202020204" pitchFamily="34" charset="0"/>
+                <a:buChar char="•"/>
+              </a:pPr>
+              <a:r>
+                <a:rPr lang="en-US" sz="1000" dirty="0">
+                  <a:solidFill>
+                    <a:schemeClr val="tx1"/>
+                  </a:solidFill>
+                </a:rPr>
+                <a:t>view(C : np.array [#,3],R : np.array[#,3,3])</a:t>
+              </a:r>
+            </a:p>
+          </p:txBody>
+        </p:sp>
+        <p:sp>
+          <p:nvSpPr>
+            <p:cNvPr id="7" name="Ellipse 45">
+              <a:extLst>
+                <a:ext uri="{FF2B5EF4-FFF2-40B4-BE49-F238E27FC236}">
+                  <a16:creationId xmlns:a16="http://schemas.microsoft.com/office/drawing/2014/main" id="{28E7DB4D-90BA-4774-A8A6-96D8489EEF0E}"/>
+                </a:ext>
+              </a:extLst>
+            </p:cNvPr>
+            <p:cNvSpPr>
+              <a:spLocks noChangeAspect="1"/>
+            </p:cNvSpPr>
+            <p:nvPr/>
+          </p:nvSpPr>
+          <p:spPr>
+            <a:xfrm>
+              <a:off x="326582" y="2526838"/>
+              <a:ext cx="108000" cy="108000"/>
+            </a:xfrm>
+            <a:prstGeom prst="ellipse">
+              <a:avLst/>
+            </a:prstGeom>
+            <a:solidFill>
+              <a:schemeClr val="bg1">
+                <a:lumMod val="75000"/>
+              </a:schemeClr>
+            </a:solidFill>
+            <a:ln>
+              <a:solidFill>
+                <a:srgbClr val="00B050"/>
+              </a:solidFill>
+            </a:ln>
+          </p:spPr>
+          <p:style>
+            <a:lnRef idx="2">
+              <a:schemeClr val="accent1">
+                <a:shade val="50000"/>
+              </a:schemeClr>
+            </a:lnRef>
+            <a:fillRef idx="1">
+              <a:schemeClr val="accent1"/>
+            </a:fillRef>
+            <a:effectRef idx="0">
+              <a:schemeClr val="accent1"/>
+            </a:effectRef>
+            <a:fontRef idx="minor">
+              <a:schemeClr val="lt1"/>
+            </a:fontRef>
+          </p:style>
+          <p:txBody>
+            <a:bodyPr rtlCol="0" anchor="ctr"/>
+            <a:lstStyle/>
+            <a:p>
+              <a:pPr algn="ctr"/>
+              <a:endParaRPr lang="en-US" dirty="0"/>
+            </a:p>
+          </p:txBody>
+        </p:sp>
+        <p:sp>
+          <p:nvSpPr>
+            <p:cNvPr id="8" name="Rectangle 7">
+              <a:extLst>
+                <a:ext uri="{FF2B5EF4-FFF2-40B4-BE49-F238E27FC236}">
+                  <a16:creationId xmlns:a16="http://schemas.microsoft.com/office/drawing/2014/main" id="{A4708E64-8BE2-44EE-9111-F0FAC1432428}"/>
+                </a:ext>
+              </a:extLst>
+            </p:cNvPr>
+            <p:cNvSpPr>
+              <a:spLocks noChangeAspect="1"/>
+            </p:cNvSpPr>
+            <p:nvPr/>
+          </p:nvSpPr>
+          <p:spPr>
+            <a:xfrm>
+              <a:off x="326582" y="2382874"/>
+              <a:ext cx="108000" cy="108000"/>
+            </a:xfrm>
+            <a:prstGeom prst="rect">
+              <a:avLst/>
+            </a:prstGeom>
+            <a:solidFill>
+              <a:schemeClr val="bg1">
+                <a:lumMod val="75000"/>
+              </a:schemeClr>
+            </a:solidFill>
+          </p:spPr>
+          <p:style>
+            <a:lnRef idx="2">
+              <a:schemeClr val="accent1">
+                <a:shade val="50000"/>
+              </a:schemeClr>
+            </a:lnRef>
+            <a:fillRef idx="1">
+              <a:schemeClr val="accent1"/>
+            </a:fillRef>
+            <a:effectRef idx="0">
+              <a:schemeClr val="accent1"/>
+            </a:effectRef>
+            <a:fontRef idx="minor">
+              <a:schemeClr val="lt1"/>
+            </a:fontRef>
+          </p:style>
+          <p:txBody>
+            <a:bodyPr rtlCol="0" anchor="ctr"/>
+            <a:lstStyle/>
+            <a:p>
+              <a:pPr algn="ctr"/>
+              <a:endParaRPr lang="en-US" dirty="0"/>
+            </a:p>
+          </p:txBody>
+        </p:sp>
+        <p:sp>
+          <p:nvSpPr>
+            <p:cNvPr id="9" name="Ellipse 47">
+              <a:extLst>
+                <a:ext uri="{FF2B5EF4-FFF2-40B4-BE49-F238E27FC236}">
+                  <a16:creationId xmlns:a16="http://schemas.microsoft.com/office/drawing/2014/main" id="{B64B2A9E-3FB1-434F-AEF4-1169739F749C}"/>
+                </a:ext>
+              </a:extLst>
+            </p:cNvPr>
+            <p:cNvSpPr>
+              <a:spLocks noChangeAspect="1"/>
+            </p:cNvSpPr>
+            <p:nvPr/>
+          </p:nvSpPr>
+          <p:spPr>
+            <a:xfrm>
+              <a:off x="321253" y="3264530"/>
+              <a:ext cx="108000" cy="108000"/>
+            </a:xfrm>
+            <a:prstGeom prst="ellipse">
+              <a:avLst/>
+            </a:prstGeom>
+            <a:solidFill>
+              <a:srgbClr val="92D050"/>
+            </a:solidFill>
+            <a:ln>
+              <a:solidFill>
+                <a:srgbClr val="00B050"/>
+              </a:solidFill>
+            </a:ln>
+          </p:spPr>
+          <p:style>
+            <a:lnRef idx="2">
+              <a:schemeClr val="accent1">
+                <a:shade val="50000"/>
+              </a:schemeClr>
+            </a:lnRef>
+            <a:fillRef idx="1">
+              <a:schemeClr val="accent1"/>
+            </a:fillRef>
+            <a:effectRef idx="0">
+              <a:schemeClr val="accent1"/>
+            </a:effectRef>
+            <a:fontRef idx="minor">
+              <a:schemeClr val="lt1"/>
+            </a:fontRef>
+          </p:style>
+          <p:txBody>
+            <a:bodyPr rtlCol="0" anchor="ctr"/>
+            <a:lstStyle/>
+            <a:p>
+              <a:pPr algn="ctr"/>
+              <a:endParaRPr lang="en-US" dirty="0"/>
+            </a:p>
+          </p:txBody>
+        </p:sp>
+        <p:sp>
+          <p:nvSpPr>
+            <p:cNvPr id="10" name="Ellipse 48">
+              <a:extLst>
+                <a:ext uri="{FF2B5EF4-FFF2-40B4-BE49-F238E27FC236}">
+                  <a16:creationId xmlns:a16="http://schemas.microsoft.com/office/drawing/2014/main" id="{6A7A4DF2-9AC4-4183-A7D9-E93D098E9A1F}"/>
+                </a:ext>
+              </a:extLst>
+            </p:cNvPr>
+            <p:cNvSpPr>
+              <a:spLocks noChangeAspect="1"/>
+            </p:cNvSpPr>
+            <p:nvPr/>
+          </p:nvSpPr>
+          <p:spPr>
+            <a:xfrm>
+              <a:off x="321253" y="3416930"/>
+              <a:ext cx="108000" cy="108000"/>
+            </a:xfrm>
+            <a:prstGeom prst="ellipse">
+              <a:avLst/>
+            </a:prstGeom>
+            <a:solidFill>
+              <a:srgbClr val="92D050"/>
+            </a:solidFill>
+            <a:ln>
+              <a:solidFill>
+                <a:srgbClr val="00B050"/>
+              </a:solidFill>
+            </a:ln>
+          </p:spPr>
+          <p:style>
+            <a:lnRef idx="2">
+              <a:schemeClr val="accent1">
+                <a:shade val="50000"/>
+              </a:schemeClr>
+            </a:lnRef>
+            <a:fillRef idx="1">
+              <a:schemeClr val="accent1"/>
+            </a:fillRef>
+            <a:effectRef idx="0">
+              <a:schemeClr val="accent1"/>
+            </a:effectRef>
+            <a:fontRef idx="minor">
+              <a:schemeClr val="lt1"/>
+            </a:fontRef>
+          </p:style>
+          <p:txBody>
+            <a:bodyPr rtlCol="0" anchor="ctr"/>
+            <a:lstStyle/>
+            <a:p>
+              <a:pPr algn="ctr"/>
+              <a:endParaRPr lang="en-US" dirty="0"/>
+            </a:p>
+          </p:txBody>
+        </p:sp>
+        <p:sp>
+          <p:nvSpPr>
+            <p:cNvPr id="11" name="Ellipse 50">
+              <a:extLst>
+                <a:ext uri="{FF2B5EF4-FFF2-40B4-BE49-F238E27FC236}">
+                  <a16:creationId xmlns:a16="http://schemas.microsoft.com/office/drawing/2014/main" id="{B0E80F21-7BAF-40CD-A521-7BFDCEB11C9F}"/>
+                </a:ext>
+              </a:extLst>
+            </p:cNvPr>
+            <p:cNvSpPr>
+              <a:spLocks noChangeAspect="1"/>
+            </p:cNvSpPr>
+            <p:nvPr/>
+          </p:nvSpPr>
+          <p:spPr>
+            <a:xfrm>
+              <a:off x="333739" y="3721181"/>
+              <a:ext cx="108000" cy="108000"/>
+            </a:xfrm>
+            <a:prstGeom prst="ellipse">
+              <a:avLst/>
+            </a:prstGeom>
+            <a:solidFill>
+              <a:srgbClr val="92D050"/>
+            </a:solidFill>
+            <a:ln>
+              <a:solidFill>
+                <a:srgbClr val="00B050"/>
+              </a:solidFill>
+            </a:ln>
+          </p:spPr>
+          <p:style>
+            <a:lnRef idx="2">
+              <a:schemeClr val="accent1">
+                <a:shade val="50000"/>
+              </a:schemeClr>
+            </a:lnRef>
+            <a:fillRef idx="1">
+              <a:schemeClr val="accent1"/>
+            </a:fillRef>
+            <a:effectRef idx="0">
+              <a:schemeClr val="accent1"/>
+            </a:effectRef>
+            <a:fontRef idx="minor">
+              <a:schemeClr val="lt1"/>
+            </a:fontRef>
+          </p:style>
+          <p:txBody>
+            <a:bodyPr rtlCol="0" anchor="ctr"/>
+            <a:lstStyle/>
+            <a:p>
+              <a:pPr algn="ctr"/>
+              <a:endParaRPr lang="en-US" dirty="0"/>
+            </a:p>
+          </p:txBody>
+        </p:sp>
+        <p:sp>
+          <p:nvSpPr>
+            <p:cNvPr id="12" name="Ellipse 51">
+              <a:extLst>
+                <a:ext uri="{FF2B5EF4-FFF2-40B4-BE49-F238E27FC236}">
+                  <a16:creationId xmlns:a16="http://schemas.microsoft.com/office/drawing/2014/main" id="{BFC2629A-E5A4-46A7-BA57-DDCE43C948AF}"/>
+                </a:ext>
+              </a:extLst>
+            </p:cNvPr>
+            <p:cNvSpPr>
+              <a:spLocks noChangeAspect="1"/>
+            </p:cNvSpPr>
+            <p:nvPr/>
+          </p:nvSpPr>
+          <p:spPr>
+            <a:xfrm>
+              <a:off x="333739" y="3868728"/>
+              <a:ext cx="108000" cy="108000"/>
+            </a:xfrm>
+            <a:prstGeom prst="ellipse">
+              <a:avLst/>
+            </a:prstGeom>
+            <a:solidFill>
+              <a:srgbClr val="92D050"/>
+            </a:solidFill>
+            <a:ln>
+              <a:solidFill>
+                <a:srgbClr val="00B050"/>
+              </a:solidFill>
+            </a:ln>
+          </p:spPr>
+          <p:style>
+            <a:lnRef idx="2">
+              <a:schemeClr val="accent1">
+                <a:shade val="50000"/>
+              </a:schemeClr>
+            </a:lnRef>
+            <a:fillRef idx="1">
+              <a:schemeClr val="accent1"/>
+            </a:fillRef>
+            <a:effectRef idx="0">
+              <a:schemeClr val="accent1"/>
+            </a:effectRef>
+            <a:fontRef idx="minor">
+              <a:schemeClr val="lt1"/>
+            </a:fontRef>
+          </p:style>
+          <p:txBody>
+            <a:bodyPr rtlCol="0" anchor="ctr"/>
+            <a:lstStyle/>
+            <a:p>
+              <a:pPr algn="ctr"/>
+              <a:endParaRPr lang="en-US" dirty="0"/>
+            </a:p>
+          </p:txBody>
+        </p:sp>
+        <p:sp>
+          <p:nvSpPr>
+            <p:cNvPr id="13" name="Ellipse 52">
+              <a:extLst>
+                <a:ext uri="{FF2B5EF4-FFF2-40B4-BE49-F238E27FC236}">
+                  <a16:creationId xmlns:a16="http://schemas.microsoft.com/office/drawing/2014/main" id="{7D861653-0FCB-42EF-9D30-AF2AEADD6D4F}"/>
+                </a:ext>
+              </a:extLst>
+            </p:cNvPr>
+            <p:cNvSpPr>
+              <a:spLocks noChangeAspect="1"/>
+            </p:cNvSpPr>
+            <p:nvPr/>
+          </p:nvSpPr>
+          <p:spPr>
+            <a:xfrm>
+              <a:off x="333739" y="3568216"/>
+              <a:ext cx="108000" cy="108000"/>
+            </a:xfrm>
+            <a:prstGeom prst="ellipse">
+              <a:avLst/>
+            </a:prstGeom>
+            <a:solidFill>
+              <a:srgbClr val="92D050"/>
+            </a:solidFill>
+            <a:ln>
+              <a:solidFill>
+                <a:srgbClr val="00B050"/>
+              </a:solidFill>
+            </a:ln>
+          </p:spPr>
+          <p:style>
+            <a:lnRef idx="2">
+              <a:schemeClr val="accent1">
+                <a:shade val="50000"/>
+              </a:schemeClr>
+            </a:lnRef>
+            <a:fillRef idx="1">
+              <a:schemeClr val="accent1"/>
+            </a:fillRef>
+            <a:effectRef idx="0">
+              <a:schemeClr val="accent1"/>
+            </a:effectRef>
+            <a:fontRef idx="minor">
+              <a:schemeClr val="lt1"/>
+            </a:fontRef>
+          </p:style>
+          <p:txBody>
+            <a:bodyPr rtlCol="0" anchor="ctr"/>
+            <a:lstStyle/>
+            <a:p>
+              <a:pPr algn="ctr"/>
+              <a:endParaRPr lang="en-US" dirty="0"/>
+            </a:p>
+          </p:txBody>
+        </p:sp>
+        <p:sp>
+          <p:nvSpPr>
+            <p:cNvPr id="14" name="Ellipse 53">
+              <a:extLst>
+                <a:ext uri="{FF2B5EF4-FFF2-40B4-BE49-F238E27FC236}">
+                  <a16:creationId xmlns:a16="http://schemas.microsoft.com/office/drawing/2014/main" id="{BF93591B-3C48-4C37-89A1-85557F44CF15}"/>
+                </a:ext>
+              </a:extLst>
+            </p:cNvPr>
+            <p:cNvSpPr>
+              <a:spLocks noChangeAspect="1"/>
+            </p:cNvSpPr>
+            <p:nvPr/>
+          </p:nvSpPr>
+          <p:spPr>
+            <a:xfrm>
+              <a:off x="321253" y="2687811"/>
+              <a:ext cx="108000" cy="108000"/>
+            </a:xfrm>
+            <a:prstGeom prst="ellipse">
+              <a:avLst/>
+            </a:prstGeom>
+            <a:solidFill>
+              <a:schemeClr val="bg1">
+                <a:lumMod val="75000"/>
+              </a:schemeClr>
+            </a:solidFill>
+            <a:ln>
+              <a:solidFill>
+                <a:srgbClr val="00B050"/>
+              </a:solidFill>
+            </a:ln>
+          </p:spPr>
+          <p:style>
+            <a:lnRef idx="2">
+              <a:schemeClr val="accent1">
+                <a:shade val="50000"/>
+              </a:schemeClr>
+            </a:lnRef>
+            <a:fillRef idx="1">
+              <a:schemeClr val="accent1"/>
+            </a:fillRef>
+            <a:effectRef idx="0">
+              <a:schemeClr val="accent1"/>
+            </a:effectRef>
+            <a:fontRef idx="minor">
+              <a:schemeClr val="lt1"/>
+            </a:fontRef>
+          </p:style>
+          <p:txBody>
+            <a:bodyPr rtlCol="0" anchor="ctr"/>
+            <a:lstStyle/>
+            <a:p>
+              <a:pPr algn="ctr"/>
+              <a:endParaRPr lang="en-US" dirty="0"/>
+            </a:p>
+          </p:txBody>
+        </p:sp>
+        <p:sp>
+          <p:nvSpPr>
+            <p:cNvPr id="15" name="Ellipse 54">
+              <a:extLst>
+                <a:ext uri="{FF2B5EF4-FFF2-40B4-BE49-F238E27FC236}">
+                  <a16:creationId xmlns:a16="http://schemas.microsoft.com/office/drawing/2014/main" id="{A92E0D90-80C9-495F-AC5D-048E51A42DE6}"/>
+                </a:ext>
+              </a:extLst>
+            </p:cNvPr>
+            <p:cNvSpPr>
+              <a:spLocks noChangeAspect="1"/>
+            </p:cNvSpPr>
+            <p:nvPr/>
+          </p:nvSpPr>
+          <p:spPr>
+            <a:xfrm>
+              <a:off x="321253" y="2830561"/>
+              <a:ext cx="108000" cy="108000"/>
+            </a:xfrm>
+            <a:prstGeom prst="ellipse">
+              <a:avLst/>
+            </a:prstGeom>
+            <a:solidFill>
+              <a:schemeClr val="bg1">
+                <a:lumMod val="75000"/>
+              </a:schemeClr>
+            </a:solidFill>
+            <a:ln>
+              <a:solidFill>
+                <a:srgbClr val="00B050"/>
+              </a:solidFill>
+            </a:ln>
+          </p:spPr>
+          <p:style>
+            <a:lnRef idx="2">
+              <a:schemeClr val="accent1">
+                <a:shade val="50000"/>
+              </a:schemeClr>
+            </a:lnRef>
+            <a:fillRef idx="1">
+              <a:schemeClr val="accent1"/>
+            </a:fillRef>
+            <a:effectRef idx="0">
+              <a:schemeClr val="accent1"/>
+            </a:effectRef>
+            <a:fontRef idx="minor">
+              <a:schemeClr val="lt1"/>
+            </a:fontRef>
+          </p:style>
+          <p:txBody>
+            <a:bodyPr rtlCol="0" anchor="ctr"/>
+            <a:lstStyle/>
+            <a:p>
+              <a:pPr algn="ctr"/>
+              <a:endParaRPr lang="en-US" dirty="0"/>
+            </a:p>
+          </p:txBody>
+        </p:sp>
+        <p:sp>
+          <p:nvSpPr>
+            <p:cNvPr id="16" name="Ellipse 55">
+              <a:extLst>
+                <a:ext uri="{FF2B5EF4-FFF2-40B4-BE49-F238E27FC236}">
+                  <a16:creationId xmlns:a16="http://schemas.microsoft.com/office/drawing/2014/main" id="{00D82943-4398-48C9-8482-B7F59D29F41F}"/>
+                </a:ext>
+              </a:extLst>
+            </p:cNvPr>
+            <p:cNvSpPr>
+              <a:spLocks noChangeAspect="1"/>
+            </p:cNvSpPr>
+            <p:nvPr/>
+          </p:nvSpPr>
+          <p:spPr>
+            <a:xfrm>
+              <a:off x="321601" y="2984555"/>
+              <a:ext cx="108000" cy="108000"/>
+            </a:xfrm>
+            <a:prstGeom prst="ellipse">
+              <a:avLst/>
+            </a:prstGeom>
+            <a:solidFill>
+              <a:schemeClr val="bg1">
+                <a:lumMod val="75000"/>
+              </a:schemeClr>
+            </a:solidFill>
+            <a:ln>
+              <a:solidFill>
+                <a:srgbClr val="00B050"/>
+              </a:solidFill>
+            </a:ln>
+          </p:spPr>
+          <p:style>
+            <a:lnRef idx="2">
+              <a:schemeClr val="accent1">
+                <a:shade val="50000"/>
+              </a:schemeClr>
+            </a:lnRef>
+            <a:fillRef idx="1">
+              <a:schemeClr val="accent1"/>
+            </a:fillRef>
+            <a:effectRef idx="0">
+              <a:schemeClr val="accent1"/>
+            </a:effectRef>
+            <a:fontRef idx="minor">
+              <a:schemeClr val="lt1"/>
+            </a:fontRef>
+          </p:style>
+          <p:txBody>
+            <a:bodyPr rtlCol="0" anchor="ctr"/>
+            <a:lstStyle/>
+            <a:p>
+              <a:pPr algn="ctr"/>
+              <a:endParaRPr lang="en-US" dirty="0"/>
+            </a:p>
+          </p:txBody>
+        </p:sp>
+      </p:grpSp>
+      <p:grpSp>
+        <p:nvGrpSpPr>
+          <p:cNvPr id="17" name="Groupe 88">
+            <a:extLst>
+              <a:ext uri="{FF2B5EF4-FFF2-40B4-BE49-F238E27FC236}">
+                <a16:creationId xmlns:a16="http://schemas.microsoft.com/office/drawing/2014/main" id="{AE40CB24-B123-48DF-9F9A-523DB1FFC892}"/>
+              </a:ext>
+            </a:extLst>
+          </p:cNvPr>
+          <p:cNvGrpSpPr/>
+          <p:nvPr/>
+        </p:nvGrpSpPr>
+        <p:grpSpPr>
+          <a:xfrm>
+            <a:off x="5870975" y="3471973"/>
+            <a:ext cx="3849754" cy="2735324"/>
+            <a:chOff x="4195485" y="1975109"/>
+            <a:chExt cx="3911707" cy="2735324"/>
+          </a:xfrm>
+        </p:grpSpPr>
+        <p:sp>
+          <p:nvSpPr>
+            <p:cNvPr id="18" name="Rectangle 17">
+              <a:extLst>
+                <a:ext uri="{FF2B5EF4-FFF2-40B4-BE49-F238E27FC236}">
+                  <a16:creationId xmlns:a16="http://schemas.microsoft.com/office/drawing/2014/main" id="{3359DB63-4FF6-48DA-8CC1-7B8357E0DF2F}"/>
+                </a:ext>
+              </a:extLst>
+            </p:cNvPr>
+            <p:cNvSpPr/>
+            <p:nvPr/>
+          </p:nvSpPr>
+          <p:spPr>
+            <a:xfrm>
+              <a:off x="4195485" y="1975109"/>
+              <a:ext cx="3911707" cy="344204"/>
+            </a:xfrm>
+            <a:prstGeom prst="rect">
+              <a:avLst/>
+            </a:prstGeom>
+            <a:solidFill>
+              <a:schemeClr val="bg1">
+                <a:lumMod val="85000"/>
+              </a:schemeClr>
+            </a:solidFill>
+            <a:ln w="28575">
+              <a:solidFill>
+                <a:schemeClr val="accent2"/>
+              </a:solidFill>
+            </a:ln>
+          </p:spPr>
+          <p:style>
+            <a:lnRef idx="2">
+              <a:schemeClr val="accent1">
+                <a:shade val="50000"/>
+              </a:schemeClr>
+            </a:lnRef>
+            <a:fillRef idx="1">
+              <a:schemeClr val="accent1"/>
+            </a:fillRef>
+            <a:effectRef idx="0">
+              <a:schemeClr val="accent1"/>
+            </a:effectRef>
+            <a:fontRef idx="minor">
+              <a:schemeClr val="lt1"/>
+            </a:fontRef>
+          </p:style>
+          <p:txBody>
+            <a:bodyPr rtlCol="0" anchor="ctr"/>
+            <a:lstStyle/>
+            <a:p>
+              <a:pPr algn="ctr"/>
+              <a:r>
+                <a:rPr lang="en-US" sz="1400" dirty="0">
+                  <a:solidFill>
+                    <a:schemeClr val="tx1"/>
+                  </a:solidFill>
+                </a:rPr>
+                <a:t>GraspMap</a:t>
+              </a:r>
+            </a:p>
+          </p:txBody>
+        </p:sp>
+        <p:sp>
+          <p:nvSpPr>
+            <p:cNvPr id="19" name="Rectangle 18">
+              <a:extLst>
+                <a:ext uri="{FF2B5EF4-FFF2-40B4-BE49-F238E27FC236}">
+                  <a16:creationId xmlns:a16="http://schemas.microsoft.com/office/drawing/2014/main" id="{CD849343-0954-4DAD-B028-B728524DB400}"/>
+                </a:ext>
+              </a:extLst>
+            </p:cNvPr>
+            <p:cNvSpPr/>
+            <p:nvPr/>
+          </p:nvSpPr>
+          <p:spPr>
+            <a:xfrm>
+              <a:off x="4195485" y="2319314"/>
+              <a:ext cx="3911707" cy="766811"/>
+            </a:xfrm>
+            <a:prstGeom prst="rect">
+              <a:avLst/>
+            </a:prstGeom>
+            <a:solidFill>
+              <a:schemeClr val="bg1">
+                <a:lumMod val="85000"/>
+              </a:schemeClr>
+            </a:solidFill>
+            <a:ln w="28575">
+              <a:solidFill>
+                <a:schemeClr val="accent2"/>
+              </a:solidFill>
+            </a:ln>
+          </p:spPr>
+          <p:style>
+            <a:lnRef idx="2">
+              <a:schemeClr val="accent1">
+                <a:shade val="50000"/>
+              </a:schemeClr>
+            </a:lnRef>
+            <a:fillRef idx="1">
+              <a:schemeClr val="accent1"/>
+            </a:fillRef>
+            <a:effectRef idx="0">
+              <a:schemeClr val="accent1"/>
+            </a:effectRef>
+            <a:fontRef idx="minor">
+              <a:schemeClr val="lt1"/>
+            </a:fontRef>
+          </p:style>
+          <p:txBody>
+            <a:bodyPr rtlCol="0" anchor="t"/>
+            <a:lstStyle/>
+            <a:p>
+              <a:pPr marL="285750" indent="-285750">
+                <a:buFont typeface="Arial" panose="020B0604020202020204" pitchFamily="34" charset="0"/>
+                <a:buChar char="•"/>
+              </a:pPr>
+              <a:r>
+                <a:rPr lang="en-US" sz="1000" dirty="0">
+                  <a:solidFill>
+                    <a:schemeClr val="tx1"/>
+                  </a:solidFill>
+                </a:rPr>
+                <a:t>p : [3,]</a:t>
+              </a:r>
+            </a:p>
+            <a:p>
+              <a:pPr marL="285750" indent="-285750">
+                <a:buFont typeface="Arial" panose="020B0604020202020204" pitchFamily="34" charset="0"/>
+                <a:buChar char="•"/>
+              </a:pPr>
+              <a:r>
+                <a:rPr lang="en-US" sz="1000" dirty="0">
+                  <a:solidFill>
+                    <a:schemeClr val="tx1"/>
+                  </a:solidFill>
+                </a:rPr>
+                <a:t>C : [#,3]</a:t>
+              </a:r>
+            </a:p>
+            <a:p>
+              <a:pPr marL="285750" indent="-285750">
+                <a:buFont typeface="Arial" panose="020B0604020202020204" pitchFamily="34" charset="0"/>
+                <a:buChar char="•"/>
+              </a:pPr>
+              <a:r>
+                <a:rPr lang="en-US" sz="1000" dirty="0">
+                  <a:solidFill>
+                    <a:schemeClr val="tx1"/>
+                  </a:solidFill>
+                </a:rPr>
+                <a:t>R : [#,3,3]</a:t>
+              </a:r>
+            </a:p>
+            <a:p>
+              <a:pPr marL="285750" indent="-285750">
+                <a:buFont typeface="Arial" panose="020B0604020202020204" pitchFamily="34" charset="0"/>
+                <a:buChar char="•"/>
+              </a:pPr>
+              <a:r>
+                <a:rPr lang="en-US" sz="1000" dirty="0">
+                  <a:solidFill>
+                    <a:schemeClr val="tx1"/>
+                  </a:solidFill>
+                </a:rPr>
+                <a:t>h: [#,](string)</a:t>
+              </a:r>
+            </a:p>
+          </p:txBody>
+        </p:sp>
+        <p:sp>
+          <p:nvSpPr>
+            <p:cNvPr id="20" name="Rectangle 19">
+              <a:extLst>
+                <a:ext uri="{FF2B5EF4-FFF2-40B4-BE49-F238E27FC236}">
+                  <a16:creationId xmlns:a16="http://schemas.microsoft.com/office/drawing/2014/main" id="{F02C3CEF-7F0A-4135-866B-2E03962681B1}"/>
+                </a:ext>
+              </a:extLst>
+            </p:cNvPr>
+            <p:cNvSpPr/>
+            <p:nvPr/>
+          </p:nvSpPr>
+          <p:spPr>
+            <a:xfrm>
+              <a:off x="4195485" y="3086125"/>
+              <a:ext cx="3911707" cy="1624308"/>
+            </a:xfrm>
+            <a:prstGeom prst="rect">
+              <a:avLst/>
+            </a:prstGeom>
+            <a:solidFill>
+              <a:schemeClr val="bg1">
+                <a:lumMod val="85000"/>
+              </a:schemeClr>
+            </a:solidFill>
+            <a:ln w="28575">
+              <a:solidFill>
+                <a:schemeClr val="accent2"/>
+              </a:solidFill>
+            </a:ln>
+          </p:spPr>
+          <p:style>
+            <a:lnRef idx="2">
+              <a:schemeClr val="accent1">
+                <a:shade val="50000"/>
+              </a:schemeClr>
+            </a:lnRef>
+            <a:fillRef idx="1">
+              <a:schemeClr val="accent1"/>
+            </a:fillRef>
+            <a:effectRef idx="0">
+              <a:schemeClr val="accent1"/>
+            </a:effectRef>
+            <a:fontRef idx="minor">
+              <a:schemeClr val="lt1"/>
+            </a:fontRef>
+          </p:style>
+          <p:txBody>
+            <a:bodyPr rtlCol="0" anchor="t"/>
+            <a:lstStyle/>
+            <a:p>
+              <a:pPr marL="285750" indent="-285750">
+                <a:buFont typeface="Arial" panose="020B0604020202020204" pitchFamily="34" charset="0"/>
+                <a:buChar char="•"/>
+              </a:pPr>
+              <a:r>
+                <a:rPr lang="en-US" sz="1000" dirty="0">
+                  <a:solidFill>
+                    <a:schemeClr val="tx1"/>
+                  </a:solidFill>
+                </a:rPr>
+                <a:t>GraspMap(p : [3,] , C : [#,3] , R : [#,3,3] , h : [#,](string) = None)</a:t>
+              </a:r>
+            </a:p>
+            <a:p>
+              <a:pPr marL="285750" indent="-285750">
+                <a:buFont typeface="Arial" panose="020B0604020202020204" pitchFamily="34" charset="0"/>
+                <a:buChar char="•"/>
+              </a:pPr>
+              <a:r>
+                <a:rPr lang="en-US" sz="1000" dirty="0">
+                  <a:solidFill>
+                    <a:schemeClr val="tx1"/>
+                  </a:solidFill>
+                </a:rPr>
+                <a:t>S(r : [3,]) : [3,3]</a:t>
+              </a:r>
+            </a:p>
+            <a:p>
+              <a:pPr marL="285750" indent="-285750">
+                <a:buFont typeface="Arial" panose="020B0604020202020204" pitchFamily="34" charset="0"/>
+                <a:buChar char="•"/>
+              </a:pPr>
+              <a:r>
+                <a:rPr lang="en-US" sz="1000" dirty="0">
+                  <a:solidFill>
+                    <a:schemeClr val="tx1"/>
+                  </a:solidFill>
+                </a:rPr>
+                <a:t>Pi(ci : [3,]) : [6,6]</a:t>
+              </a:r>
+            </a:p>
+            <a:p>
+              <a:pPr marL="285750" indent="-285750">
+                <a:buFont typeface="Arial" panose="020B0604020202020204" pitchFamily="34" charset="0"/>
+                <a:buChar char="•"/>
+              </a:pPr>
+              <a:r>
+                <a:rPr lang="en-US" sz="1000" dirty="0">
+                  <a:solidFill>
+                    <a:schemeClr val="tx1"/>
+                  </a:solidFill>
+                </a:rPr>
+                <a:t>pGi_t(Ri : [3,3] , Pi : [6,6]) : [6,6]</a:t>
+              </a:r>
+            </a:p>
+            <a:p>
+              <a:pPr marL="285750" indent="-285750">
+                <a:buFont typeface="Arial" panose="020B0604020202020204" pitchFamily="34" charset="0"/>
+                <a:buChar char="•"/>
+              </a:pPr>
+              <a:r>
+                <a:rPr lang="en-US" sz="1000" dirty="0">
+                  <a:solidFill>
+                    <a:schemeClr val="tx1"/>
+                  </a:solidFill>
+                </a:rPr>
+                <a:t>Hi(h : string) : [#,6]</a:t>
+              </a:r>
+            </a:p>
+            <a:p>
+              <a:pPr marL="285750" indent="-285750">
+                <a:buFont typeface="Arial" panose="020B0604020202020204" pitchFamily="34" charset="0"/>
+                <a:buChar char="•"/>
+              </a:pPr>
+              <a:r>
+                <a:rPr lang="en-US" sz="1000" dirty="0">
+                  <a:solidFill>
+                    <a:schemeClr val="tx1"/>
+                  </a:solidFill>
+                </a:rPr>
+                <a:t>H() : [#,#]</a:t>
+              </a:r>
+            </a:p>
+            <a:p>
+              <a:pPr marL="285750" indent="-285750">
+                <a:buFont typeface="Arial" panose="020B0604020202020204" pitchFamily="34" charset="0"/>
+                <a:buChar char="•"/>
+              </a:pPr>
+              <a:r>
+                <a:rPr lang="en-US" sz="1000" dirty="0">
+                  <a:solidFill>
+                    <a:schemeClr val="tx1"/>
+                  </a:solidFill>
+                </a:rPr>
+                <a:t>getGt() : [#,6]</a:t>
+              </a:r>
+            </a:p>
+            <a:p>
+              <a:pPr marL="285750" indent="-285750">
+                <a:buFont typeface="Arial" panose="020B0604020202020204" pitchFamily="34" charset="0"/>
+                <a:buChar char="•"/>
+              </a:pPr>
+              <a:r>
+                <a:rPr lang="en-US" sz="1000" dirty="0">
+                  <a:solidFill>
+                    <a:schemeClr val="tx1"/>
+                  </a:solidFill>
+                </a:rPr>
+                <a:t>GraspClassification(printBool : bool = False) : bool , bool</a:t>
+              </a:r>
+            </a:p>
+            <a:p>
+              <a:pPr marL="285750" indent="-285750">
+                <a:buFont typeface="Arial" panose="020B0604020202020204" pitchFamily="34" charset="0"/>
+                <a:buChar char="•"/>
+              </a:pPr>
+              <a:r>
+                <a:rPr lang="en-US" sz="1000" dirty="0">
+                  <a:solidFill>
+                    <a:schemeClr val="tx1"/>
+                  </a:solidFill>
+                </a:rPr>
+                <a:t>getRank() : int</a:t>
+              </a:r>
+            </a:p>
+            <a:p>
+              <a:pPr marL="285750" indent="-285750">
+                <a:buFont typeface="Arial" panose="020B0604020202020204" pitchFamily="34" charset="0"/>
+                <a:buChar char="•"/>
+              </a:pPr>
+              <a:r>
+                <a:rPr lang="en-US" sz="1000" dirty="0">
+                  <a:solidFill>
+                    <a:schemeClr val="tx1"/>
+                  </a:solidFill>
+                </a:rPr>
+                <a:t>calcFFormClosure(ng : int = 8 , mu : double = 0.3) : double , [#,]</a:t>
+              </a:r>
+            </a:p>
+          </p:txBody>
+        </p:sp>
+        <p:sp>
+          <p:nvSpPr>
+            <p:cNvPr id="21" name="Ellipse 62">
+              <a:extLst>
+                <a:ext uri="{FF2B5EF4-FFF2-40B4-BE49-F238E27FC236}">
+                  <a16:creationId xmlns:a16="http://schemas.microsoft.com/office/drawing/2014/main" id="{219A8687-B635-4DBE-B607-5598653CFB3E}"/>
+                </a:ext>
+              </a:extLst>
+            </p:cNvPr>
+            <p:cNvSpPr>
+              <a:spLocks noChangeAspect="1"/>
+            </p:cNvSpPr>
+            <p:nvPr/>
+          </p:nvSpPr>
+          <p:spPr>
+            <a:xfrm>
+              <a:off x="4266042" y="2388757"/>
+              <a:ext cx="108000" cy="108000"/>
+            </a:xfrm>
+            <a:prstGeom prst="ellipse">
+              <a:avLst/>
+            </a:prstGeom>
+            <a:solidFill>
+              <a:schemeClr val="bg1">
+                <a:lumMod val="75000"/>
+              </a:schemeClr>
+            </a:solidFill>
+            <a:ln>
+              <a:solidFill>
+                <a:srgbClr val="00B050"/>
+              </a:solidFill>
+            </a:ln>
+          </p:spPr>
+          <p:style>
+            <a:lnRef idx="2">
+              <a:schemeClr val="accent1">
+                <a:shade val="50000"/>
+              </a:schemeClr>
+            </a:lnRef>
+            <a:fillRef idx="1">
+              <a:schemeClr val="accent1"/>
+            </a:fillRef>
+            <a:effectRef idx="0">
+              <a:schemeClr val="accent1"/>
+            </a:effectRef>
+            <a:fontRef idx="minor">
+              <a:schemeClr val="lt1"/>
+            </a:fontRef>
+          </p:style>
+          <p:txBody>
+            <a:bodyPr rtlCol="0" anchor="ctr"/>
+            <a:lstStyle/>
+            <a:p>
+              <a:pPr algn="ctr"/>
+              <a:endParaRPr lang="en-US" dirty="0"/>
+            </a:p>
+          </p:txBody>
+        </p:sp>
+        <p:sp>
+          <p:nvSpPr>
+            <p:cNvPr id="22" name="Ellipse 63">
+              <a:extLst>
+                <a:ext uri="{FF2B5EF4-FFF2-40B4-BE49-F238E27FC236}">
+                  <a16:creationId xmlns:a16="http://schemas.microsoft.com/office/drawing/2014/main" id="{63884629-0DBB-454F-90F0-B16551F4DC13}"/>
+                </a:ext>
+              </a:extLst>
+            </p:cNvPr>
+            <p:cNvSpPr>
+              <a:spLocks noChangeAspect="1"/>
+            </p:cNvSpPr>
+            <p:nvPr/>
+          </p:nvSpPr>
+          <p:spPr>
+            <a:xfrm>
+              <a:off x="4266042" y="2534299"/>
+              <a:ext cx="108000" cy="108000"/>
+            </a:xfrm>
+            <a:prstGeom prst="ellipse">
+              <a:avLst/>
+            </a:prstGeom>
+            <a:solidFill>
+              <a:schemeClr val="bg1">
+                <a:lumMod val="75000"/>
+              </a:schemeClr>
+            </a:solidFill>
+            <a:ln>
+              <a:solidFill>
+                <a:srgbClr val="00B050"/>
+              </a:solidFill>
+            </a:ln>
+          </p:spPr>
+          <p:style>
+            <a:lnRef idx="2">
+              <a:schemeClr val="accent1">
+                <a:shade val="50000"/>
+              </a:schemeClr>
+            </a:lnRef>
+            <a:fillRef idx="1">
+              <a:schemeClr val="accent1"/>
+            </a:fillRef>
+            <a:effectRef idx="0">
+              <a:schemeClr val="accent1"/>
+            </a:effectRef>
+            <a:fontRef idx="minor">
+              <a:schemeClr val="lt1"/>
+            </a:fontRef>
+          </p:style>
+          <p:txBody>
+            <a:bodyPr rtlCol="0" anchor="ctr"/>
+            <a:lstStyle/>
+            <a:p>
+              <a:pPr algn="ctr"/>
+              <a:endParaRPr lang="en-US" dirty="0"/>
+            </a:p>
+          </p:txBody>
+        </p:sp>
+        <p:sp>
+          <p:nvSpPr>
+            <p:cNvPr id="23" name="Ellipse 64">
+              <a:extLst>
+                <a:ext uri="{FF2B5EF4-FFF2-40B4-BE49-F238E27FC236}">
+                  <a16:creationId xmlns:a16="http://schemas.microsoft.com/office/drawing/2014/main" id="{1A7B3B44-E73E-406F-8D61-94975362CBCD}"/>
+                </a:ext>
+              </a:extLst>
+            </p:cNvPr>
+            <p:cNvSpPr>
+              <a:spLocks noChangeAspect="1"/>
+            </p:cNvSpPr>
+            <p:nvPr/>
+          </p:nvSpPr>
+          <p:spPr>
+            <a:xfrm>
+              <a:off x="4272181" y="2687811"/>
+              <a:ext cx="108000" cy="108000"/>
+            </a:xfrm>
+            <a:prstGeom prst="ellipse">
+              <a:avLst/>
+            </a:prstGeom>
+            <a:solidFill>
+              <a:schemeClr val="bg1">
+                <a:lumMod val="75000"/>
+              </a:schemeClr>
+            </a:solidFill>
+            <a:ln>
+              <a:solidFill>
+                <a:srgbClr val="00B050"/>
+              </a:solidFill>
+            </a:ln>
+          </p:spPr>
+          <p:style>
+            <a:lnRef idx="2">
+              <a:schemeClr val="accent1">
+                <a:shade val="50000"/>
+              </a:schemeClr>
+            </a:lnRef>
+            <a:fillRef idx="1">
+              <a:schemeClr val="accent1"/>
+            </a:fillRef>
+            <a:effectRef idx="0">
+              <a:schemeClr val="accent1"/>
+            </a:effectRef>
+            <a:fontRef idx="minor">
+              <a:schemeClr val="lt1"/>
+            </a:fontRef>
+          </p:style>
+          <p:txBody>
+            <a:bodyPr rtlCol="0" anchor="ctr"/>
+            <a:lstStyle/>
+            <a:p>
+              <a:pPr algn="ctr"/>
+              <a:endParaRPr lang="en-US" dirty="0"/>
+            </a:p>
+          </p:txBody>
+        </p:sp>
+        <p:sp>
+          <p:nvSpPr>
+            <p:cNvPr id="24" name="Ellipse 65">
+              <a:extLst>
+                <a:ext uri="{FF2B5EF4-FFF2-40B4-BE49-F238E27FC236}">
+                  <a16:creationId xmlns:a16="http://schemas.microsoft.com/office/drawing/2014/main" id="{40083F5C-75D8-4A7A-964C-E98291374184}"/>
+                </a:ext>
+              </a:extLst>
+            </p:cNvPr>
+            <p:cNvSpPr>
+              <a:spLocks noChangeAspect="1"/>
+            </p:cNvSpPr>
+            <p:nvPr/>
+          </p:nvSpPr>
+          <p:spPr>
+            <a:xfrm>
+              <a:off x="4272181" y="2842362"/>
+              <a:ext cx="108000" cy="108000"/>
+            </a:xfrm>
+            <a:prstGeom prst="ellipse">
+              <a:avLst/>
+            </a:prstGeom>
+            <a:solidFill>
+              <a:schemeClr val="bg1">
+                <a:lumMod val="75000"/>
+              </a:schemeClr>
+            </a:solidFill>
+            <a:ln>
+              <a:solidFill>
+                <a:srgbClr val="00B050"/>
+              </a:solidFill>
+            </a:ln>
+          </p:spPr>
+          <p:style>
+            <a:lnRef idx="2">
+              <a:schemeClr val="accent1">
+                <a:shade val="50000"/>
+              </a:schemeClr>
+            </a:lnRef>
+            <a:fillRef idx="1">
+              <a:schemeClr val="accent1"/>
+            </a:fillRef>
+            <a:effectRef idx="0">
+              <a:schemeClr val="accent1"/>
+            </a:effectRef>
+            <a:fontRef idx="minor">
+              <a:schemeClr val="lt1"/>
+            </a:fontRef>
+          </p:style>
+          <p:txBody>
+            <a:bodyPr rtlCol="0" anchor="ctr"/>
+            <a:lstStyle/>
+            <a:p>
+              <a:pPr algn="ctr"/>
+              <a:endParaRPr lang="en-US" dirty="0"/>
+            </a:p>
+          </p:txBody>
+        </p:sp>
+        <p:sp>
+          <p:nvSpPr>
+            <p:cNvPr id="25" name="Ellipse 71">
+              <a:extLst>
+                <a:ext uri="{FF2B5EF4-FFF2-40B4-BE49-F238E27FC236}">
+                  <a16:creationId xmlns:a16="http://schemas.microsoft.com/office/drawing/2014/main" id="{2E2566C3-876A-4959-B45F-D2B6017121ED}"/>
+                </a:ext>
+              </a:extLst>
+            </p:cNvPr>
+            <p:cNvSpPr>
+              <a:spLocks noChangeAspect="1"/>
+            </p:cNvSpPr>
+            <p:nvPr/>
+          </p:nvSpPr>
+          <p:spPr>
+            <a:xfrm>
+              <a:off x="4264807" y="3164676"/>
+              <a:ext cx="108000" cy="108000"/>
+            </a:xfrm>
+            <a:prstGeom prst="ellipse">
+              <a:avLst/>
+            </a:prstGeom>
+            <a:solidFill>
+              <a:srgbClr val="92D050"/>
+            </a:solidFill>
+            <a:ln>
+              <a:solidFill>
+                <a:srgbClr val="00B050"/>
+              </a:solidFill>
+            </a:ln>
+          </p:spPr>
+          <p:style>
+            <a:lnRef idx="2">
+              <a:schemeClr val="accent1">
+                <a:shade val="50000"/>
+              </a:schemeClr>
+            </a:lnRef>
+            <a:fillRef idx="1">
+              <a:schemeClr val="accent1"/>
+            </a:fillRef>
+            <a:effectRef idx="0">
+              <a:schemeClr val="accent1"/>
+            </a:effectRef>
+            <a:fontRef idx="minor">
+              <a:schemeClr val="lt1"/>
+            </a:fontRef>
+          </p:style>
+          <p:txBody>
+            <a:bodyPr rtlCol="0" anchor="ctr"/>
+            <a:lstStyle/>
+            <a:p>
+              <a:pPr algn="ctr"/>
+              <a:endParaRPr lang="en-US" dirty="0"/>
+            </a:p>
+          </p:txBody>
+        </p:sp>
+        <p:sp>
+          <p:nvSpPr>
+            <p:cNvPr id="26" name="Rectangle 25">
+              <a:extLst>
+                <a:ext uri="{FF2B5EF4-FFF2-40B4-BE49-F238E27FC236}">
+                  <a16:creationId xmlns:a16="http://schemas.microsoft.com/office/drawing/2014/main" id="{C665F2AE-5266-4F91-8F49-79110A8FB50D}"/>
+                </a:ext>
+              </a:extLst>
+            </p:cNvPr>
+            <p:cNvSpPr>
+              <a:spLocks noChangeAspect="1"/>
+            </p:cNvSpPr>
+            <p:nvPr/>
+          </p:nvSpPr>
+          <p:spPr>
+            <a:xfrm>
+              <a:off x="4272181" y="3312017"/>
+              <a:ext cx="108000" cy="108000"/>
+            </a:xfrm>
+            <a:prstGeom prst="rect">
+              <a:avLst/>
+            </a:prstGeom>
+          </p:spPr>
+          <p:style>
+            <a:lnRef idx="2">
+              <a:schemeClr val="accent1">
+                <a:shade val="50000"/>
+              </a:schemeClr>
+            </a:lnRef>
+            <a:fillRef idx="1">
+              <a:schemeClr val="accent1"/>
+            </a:fillRef>
+            <a:effectRef idx="0">
+              <a:schemeClr val="accent1"/>
+            </a:effectRef>
+            <a:fontRef idx="minor">
+              <a:schemeClr val="lt1"/>
+            </a:fontRef>
+          </p:style>
+          <p:txBody>
+            <a:bodyPr rtlCol="0" anchor="ctr"/>
+            <a:lstStyle/>
+            <a:p>
+              <a:pPr algn="ctr"/>
+              <a:endParaRPr lang="en-US" dirty="0"/>
+            </a:p>
+          </p:txBody>
+        </p:sp>
+        <p:sp>
+          <p:nvSpPr>
+            <p:cNvPr id="27" name="Rectangle 26">
+              <a:extLst>
+                <a:ext uri="{FF2B5EF4-FFF2-40B4-BE49-F238E27FC236}">
+                  <a16:creationId xmlns:a16="http://schemas.microsoft.com/office/drawing/2014/main" id="{B14FD1D6-6CA2-4405-8EC3-4681BD9ACC9F}"/>
+                </a:ext>
+              </a:extLst>
+            </p:cNvPr>
+            <p:cNvSpPr>
+              <a:spLocks noChangeAspect="1"/>
+            </p:cNvSpPr>
+            <p:nvPr/>
+          </p:nvSpPr>
+          <p:spPr>
+            <a:xfrm>
+              <a:off x="4272181" y="3459358"/>
+              <a:ext cx="108000" cy="108000"/>
+            </a:xfrm>
+            <a:prstGeom prst="rect">
+              <a:avLst/>
+            </a:prstGeom>
+          </p:spPr>
+          <p:style>
+            <a:lnRef idx="2">
+              <a:schemeClr val="accent1">
+                <a:shade val="50000"/>
+              </a:schemeClr>
+            </a:lnRef>
+            <a:fillRef idx="1">
+              <a:schemeClr val="accent1"/>
+            </a:fillRef>
+            <a:effectRef idx="0">
+              <a:schemeClr val="accent1"/>
+            </a:effectRef>
+            <a:fontRef idx="minor">
+              <a:schemeClr val="lt1"/>
+            </a:fontRef>
+          </p:style>
+          <p:txBody>
+            <a:bodyPr rtlCol="0" anchor="ctr"/>
+            <a:lstStyle/>
+            <a:p>
+              <a:pPr algn="ctr"/>
+              <a:endParaRPr lang="en-US" dirty="0"/>
+            </a:p>
+          </p:txBody>
+        </p:sp>
+        <p:sp>
+          <p:nvSpPr>
+            <p:cNvPr id="28" name="Rectangle 27">
+              <a:extLst>
+                <a:ext uri="{FF2B5EF4-FFF2-40B4-BE49-F238E27FC236}">
+                  <a16:creationId xmlns:a16="http://schemas.microsoft.com/office/drawing/2014/main" id="{23F7BCB7-CAC4-44AD-BFB8-A57961EC5722}"/>
+                </a:ext>
+              </a:extLst>
+            </p:cNvPr>
+            <p:cNvSpPr>
+              <a:spLocks noChangeAspect="1"/>
+            </p:cNvSpPr>
+            <p:nvPr/>
+          </p:nvSpPr>
+          <p:spPr>
+            <a:xfrm>
+              <a:off x="4272181" y="3606862"/>
+              <a:ext cx="108000" cy="108000"/>
+            </a:xfrm>
+            <a:prstGeom prst="rect">
+              <a:avLst/>
+            </a:prstGeom>
+          </p:spPr>
+          <p:style>
+            <a:lnRef idx="2">
+              <a:schemeClr val="accent1">
+                <a:shade val="50000"/>
+              </a:schemeClr>
+            </a:lnRef>
+            <a:fillRef idx="1">
+              <a:schemeClr val="accent1"/>
+            </a:fillRef>
+            <a:effectRef idx="0">
+              <a:schemeClr val="accent1"/>
+            </a:effectRef>
+            <a:fontRef idx="minor">
+              <a:schemeClr val="lt1"/>
+            </a:fontRef>
+          </p:style>
+          <p:txBody>
+            <a:bodyPr rtlCol="0" anchor="ctr"/>
+            <a:lstStyle/>
+            <a:p>
+              <a:pPr algn="ctr"/>
+              <a:endParaRPr lang="en-US" dirty="0"/>
+            </a:p>
+          </p:txBody>
+        </p:sp>
+        <p:sp>
+          <p:nvSpPr>
+            <p:cNvPr id="29" name="Rectangle 28">
+              <a:extLst>
+                <a:ext uri="{FF2B5EF4-FFF2-40B4-BE49-F238E27FC236}">
+                  <a16:creationId xmlns:a16="http://schemas.microsoft.com/office/drawing/2014/main" id="{DA971283-5FFD-4B81-A077-ED8BB08E5ECF}"/>
+                </a:ext>
+              </a:extLst>
+            </p:cNvPr>
+            <p:cNvSpPr>
+              <a:spLocks noChangeAspect="1"/>
+            </p:cNvSpPr>
+            <p:nvPr/>
+          </p:nvSpPr>
+          <p:spPr>
+            <a:xfrm>
+              <a:off x="4272181" y="3754634"/>
+              <a:ext cx="108000" cy="108000"/>
+            </a:xfrm>
+            <a:prstGeom prst="rect">
+              <a:avLst/>
+            </a:prstGeom>
+          </p:spPr>
+          <p:style>
+            <a:lnRef idx="2">
+              <a:schemeClr val="accent1">
+                <a:shade val="50000"/>
+              </a:schemeClr>
+            </a:lnRef>
+            <a:fillRef idx="1">
+              <a:schemeClr val="accent1"/>
+            </a:fillRef>
+            <a:effectRef idx="0">
+              <a:schemeClr val="accent1"/>
+            </a:effectRef>
+            <a:fontRef idx="minor">
+              <a:schemeClr val="lt1"/>
+            </a:fontRef>
+          </p:style>
+          <p:txBody>
+            <a:bodyPr rtlCol="0" anchor="ctr"/>
+            <a:lstStyle/>
+            <a:p>
+              <a:pPr algn="ctr"/>
+              <a:endParaRPr lang="en-US" dirty="0"/>
+            </a:p>
+          </p:txBody>
+        </p:sp>
+        <p:sp>
+          <p:nvSpPr>
+            <p:cNvPr id="30" name="Rectangle 29">
+              <a:extLst>
+                <a:ext uri="{FF2B5EF4-FFF2-40B4-BE49-F238E27FC236}">
+                  <a16:creationId xmlns:a16="http://schemas.microsoft.com/office/drawing/2014/main" id="{59058912-3373-46CE-B67D-FD9A30BC9EC3}"/>
+                </a:ext>
+              </a:extLst>
+            </p:cNvPr>
+            <p:cNvSpPr>
+              <a:spLocks noChangeAspect="1"/>
+            </p:cNvSpPr>
+            <p:nvPr/>
+          </p:nvSpPr>
+          <p:spPr>
+            <a:xfrm>
+              <a:off x="4272181" y="3906026"/>
+              <a:ext cx="108000" cy="108000"/>
+            </a:xfrm>
+            <a:prstGeom prst="rect">
+              <a:avLst/>
+            </a:prstGeom>
+          </p:spPr>
+          <p:style>
+            <a:lnRef idx="2">
+              <a:schemeClr val="accent1">
+                <a:shade val="50000"/>
+              </a:schemeClr>
+            </a:lnRef>
+            <a:fillRef idx="1">
+              <a:schemeClr val="accent1"/>
+            </a:fillRef>
+            <a:effectRef idx="0">
+              <a:schemeClr val="accent1"/>
+            </a:effectRef>
+            <a:fontRef idx="minor">
+              <a:schemeClr val="lt1"/>
+            </a:fontRef>
+          </p:style>
+          <p:txBody>
+            <a:bodyPr rtlCol="0" anchor="ctr"/>
+            <a:lstStyle/>
+            <a:p>
+              <a:pPr algn="ctr"/>
+              <a:endParaRPr lang="en-US" dirty="0"/>
+            </a:p>
+          </p:txBody>
+        </p:sp>
+        <p:sp>
+          <p:nvSpPr>
+            <p:cNvPr id="31" name="Ellipse 79">
+              <a:extLst>
+                <a:ext uri="{FF2B5EF4-FFF2-40B4-BE49-F238E27FC236}">
+                  <a16:creationId xmlns:a16="http://schemas.microsoft.com/office/drawing/2014/main" id="{86CF1D88-A696-40A5-96FA-C8F48B86D595}"/>
+                </a:ext>
+              </a:extLst>
+            </p:cNvPr>
+            <p:cNvSpPr>
+              <a:spLocks noChangeAspect="1"/>
+            </p:cNvSpPr>
+            <p:nvPr/>
+          </p:nvSpPr>
+          <p:spPr>
+            <a:xfrm>
+              <a:off x="4272181" y="4218824"/>
+              <a:ext cx="108000" cy="108000"/>
+            </a:xfrm>
+            <a:prstGeom prst="ellipse">
+              <a:avLst/>
+            </a:prstGeom>
+            <a:solidFill>
+              <a:srgbClr val="92D050"/>
+            </a:solidFill>
+            <a:ln>
+              <a:solidFill>
+                <a:srgbClr val="00B050"/>
+              </a:solidFill>
+            </a:ln>
+          </p:spPr>
+          <p:style>
+            <a:lnRef idx="2">
+              <a:schemeClr val="accent1">
+                <a:shade val="50000"/>
+              </a:schemeClr>
+            </a:lnRef>
+            <a:fillRef idx="1">
+              <a:schemeClr val="accent1"/>
+            </a:fillRef>
+            <a:effectRef idx="0">
+              <a:schemeClr val="accent1"/>
+            </a:effectRef>
+            <a:fontRef idx="minor">
+              <a:schemeClr val="lt1"/>
+            </a:fontRef>
+          </p:style>
+          <p:txBody>
+            <a:bodyPr rtlCol="0" anchor="ctr"/>
+            <a:lstStyle/>
+            <a:p>
+              <a:pPr algn="ctr"/>
+              <a:endParaRPr lang="en-US" dirty="0"/>
+            </a:p>
+          </p:txBody>
+        </p:sp>
+        <p:sp>
+          <p:nvSpPr>
+            <p:cNvPr id="32" name="Ellipse 80">
+              <a:extLst>
+                <a:ext uri="{FF2B5EF4-FFF2-40B4-BE49-F238E27FC236}">
+                  <a16:creationId xmlns:a16="http://schemas.microsoft.com/office/drawing/2014/main" id="{7C5A3450-85EC-4ABC-879C-1959AF049F61}"/>
+                </a:ext>
+              </a:extLst>
+            </p:cNvPr>
+            <p:cNvSpPr>
+              <a:spLocks noChangeAspect="1"/>
+            </p:cNvSpPr>
+            <p:nvPr/>
+          </p:nvSpPr>
+          <p:spPr>
+            <a:xfrm>
+              <a:off x="4272181" y="4384448"/>
+              <a:ext cx="108000" cy="108000"/>
+            </a:xfrm>
+            <a:prstGeom prst="ellipse">
+              <a:avLst/>
+            </a:prstGeom>
+            <a:solidFill>
+              <a:srgbClr val="92D050"/>
+            </a:solidFill>
+            <a:ln>
+              <a:solidFill>
+                <a:srgbClr val="00B050"/>
+              </a:solidFill>
+            </a:ln>
+          </p:spPr>
+          <p:style>
+            <a:lnRef idx="2">
+              <a:schemeClr val="accent1">
+                <a:shade val="50000"/>
+              </a:schemeClr>
+            </a:lnRef>
+            <a:fillRef idx="1">
+              <a:schemeClr val="accent1"/>
+            </a:fillRef>
+            <a:effectRef idx="0">
+              <a:schemeClr val="accent1"/>
+            </a:effectRef>
+            <a:fontRef idx="minor">
+              <a:schemeClr val="lt1"/>
+            </a:fontRef>
+          </p:style>
+          <p:txBody>
+            <a:bodyPr rtlCol="0" anchor="ctr"/>
+            <a:lstStyle/>
+            <a:p>
+              <a:pPr algn="ctr"/>
+              <a:endParaRPr lang="en-US" dirty="0"/>
+            </a:p>
+          </p:txBody>
+        </p:sp>
+        <p:sp>
+          <p:nvSpPr>
+            <p:cNvPr id="33" name="Ellipse 81">
+              <a:extLst>
+                <a:ext uri="{FF2B5EF4-FFF2-40B4-BE49-F238E27FC236}">
+                  <a16:creationId xmlns:a16="http://schemas.microsoft.com/office/drawing/2014/main" id="{0598BF2D-B6EE-4821-B918-98B1076BBFC1}"/>
+                </a:ext>
+              </a:extLst>
+            </p:cNvPr>
+            <p:cNvSpPr>
+              <a:spLocks noChangeAspect="1"/>
+            </p:cNvSpPr>
+            <p:nvPr/>
+          </p:nvSpPr>
+          <p:spPr>
+            <a:xfrm>
+              <a:off x="4272181" y="4541301"/>
+              <a:ext cx="108000" cy="108000"/>
+            </a:xfrm>
+            <a:prstGeom prst="ellipse">
+              <a:avLst/>
+            </a:prstGeom>
+            <a:solidFill>
+              <a:srgbClr val="92D050"/>
+            </a:solidFill>
+            <a:ln>
+              <a:solidFill>
+                <a:srgbClr val="00B050"/>
+              </a:solidFill>
+            </a:ln>
+          </p:spPr>
+          <p:style>
+            <a:lnRef idx="2">
+              <a:schemeClr val="accent1">
+                <a:shade val="50000"/>
+              </a:schemeClr>
+            </a:lnRef>
+            <a:fillRef idx="1">
+              <a:schemeClr val="accent1"/>
+            </a:fillRef>
+            <a:effectRef idx="0">
+              <a:schemeClr val="accent1"/>
+            </a:effectRef>
+            <a:fontRef idx="minor">
+              <a:schemeClr val="lt1"/>
+            </a:fontRef>
+          </p:style>
+          <p:txBody>
+            <a:bodyPr rtlCol="0" anchor="ctr"/>
+            <a:lstStyle/>
+            <a:p>
+              <a:pPr algn="ctr"/>
+              <a:endParaRPr lang="en-US" dirty="0"/>
+            </a:p>
+          </p:txBody>
+        </p:sp>
+        <p:sp>
+          <p:nvSpPr>
+            <p:cNvPr id="34" name="Ellipse 82">
+              <a:extLst>
+                <a:ext uri="{FF2B5EF4-FFF2-40B4-BE49-F238E27FC236}">
+                  <a16:creationId xmlns:a16="http://schemas.microsoft.com/office/drawing/2014/main" id="{342EDD7B-35F2-442C-8F65-22CA69AD8E27}"/>
+                </a:ext>
+              </a:extLst>
+            </p:cNvPr>
+            <p:cNvSpPr>
+              <a:spLocks noChangeAspect="1"/>
+            </p:cNvSpPr>
+            <p:nvPr/>
+          </p:nvSpPr>
+          <p:spPr>
+            <a:xfrm>
+              <a:off x="4264807" y="4076513"/>
+              <a:ext cx="108000" cy="108000"/>
+            </a:xfrm>
+            <a:prstGeom prst="ellipse">
+              <a:avLst/>
+            </a:prstGeom>
+            <a:solidFill>
+              <a:srgbClr val="92D050"/>
+            </a:solidFill>
+            <a:ln>
+              <a:solidFill>
+                <a:srgbClr val="00B050"/>
+              </a:solidFill>
+            </a:ln>
+          </p:spPr>
+          <p:style>
+            <a:lnRef idx="2">
+              <a:schemeClr val="accent1">
+                <a:shade val="50000"/>
+              </a:schemeClr>
+            </a:lnRef>
+            <a:fillRef idx="1">
+              <a:schemeClr val="accent1"/>
+            </a:fillRef>
+            <a:effectRef idx="0">
+              <a:schemeClr val="accent1"/>
+            </a:effectRef>
+            <a:fontRef idx="minor">
+              <a:schemeClr val="lt1"/>
+            </a:fontRef>
+          </p:style>
+          <p:txBody>
+            <a:bodyPr rtlCol="0" anchor="ctr"/>
+            <a:lstStyle/>
+            <a:p>
+              <a:pPr algn="ctr"/>
+              <a:endParaRPr lang="en-US" dirty="0"/>
+            </a:p>
+          </p:txBody>
+        </p:sp>
+      </p:grpSp>
+      <p:grpSp>
+        <p:nvGrpSpPr>
+          <p:cNvPr id="35" name="Groupe 2">
+            <a:extLst>
+              <a:ext uri="{FF2B5EF4-FFF2-40B4-BE49-F238E27FC236}">
+                <a16:creationId xmlns:a16="http://schemas.microsoft.com/office/drawing/2014/main" id="{9C01AA33-556B-4F47-BA49-09111B954E44}"/>
+              </a:ext>
+            </a:extLst>
+          </p:cNvPr>
+          <p:cNvGrpSpPr/>
+          <p:nvPr/>
+        </p:nvGrpSpPr>
+        <p:grpSpPr>
+          <a:xfrm>
+            <a:off x="6731428" y="165120"/>
+            <a:ext cx="4426973" cy="2986304"/>
+            <a:chOff x="6679177" y="1975109"/>
+            <a:chExt cx="4426973" cy="2986304"/>
+          </a:xfrm>
+        </p:grpSpPr>
+        <p:sp>
+          <p:nvSpPr>
+            <p:cNvPr id="36" name="Rectangle 35">
+              <a:extLst>
+                <a:ext uri="{FF2B5EF4-FFF2-40B4-BE49-F238E27FC236}">
+                  <a16:creationId xmlns:a16="http://schemas.microsoft.com/office/drawing/2014/main" id="{C883F04E-093E-41CB-909A-22DBD77BA069}"/>
+                </a:ext>
+              </a:extLst>
+            </p:cNvPr>
+            <p:cNvSpPr/>
+            <p:nvPr/>
+          </p:nvSpPr>
+          <p:spPr>
+            <a:xfrm>
+              <a:off x="6679177" y="1975109"/>
+              <a:ext cx="4426972" cy="344204"/>
+            </a:xfrm>
+            <a:prstGeom prst="rect">
+              <a:avLst/>
+            </a:prstGeom>
+            <a:solidFill>
+              <a:schemeClr val="bg1">
+                <a:lumMod val="85000"/>
+              </a:schemeClr>
+            </a:solidFill>
+            <a:ln w="28575">
+              <a:solidFill>
+                <a:schemeClr val="accent2"/>
+              </a:solidFill>
+            </a:ln>
+          </p:spPr>
+          <p:style>
+            <a:lnRef idx="2">
+              <a:schemeClr val="accent1">
+                <a:shade val="50000"/>
+              </a:schemeClr>
+            </a:lnRef>
+            <a:fillRef idx="1">
+              <a:schemeClr val="accent1"/>
+            </a:fillRef>
+            <a:effectRef idx="0">
+              <a:schemeClr val="accent1"/>
+            </a:effectRef>
+            <a:fontRef idx="minor">
+              <a:schemeClr val="lt1"/>
+            </a:fontRef>
+          </p:style>
+          <p:txBody>
+            <a:bodyPr rtlCol="0" anchor="ctr"/>
+            <a:lstStyle/>
+            <a:p>
+              <a:pPr algn="ctr"/>
+              <a:r>
+                <a:rPr lang="en-US" sz="1400" dirty="0">
+                  <a:solidFill>
+                    <a:schemeClr val="tx1"/>
+                  </a:solidFill>
+                </a:rPr>
+                <a:t>Jacobian</a:t>
+              </a:r>
+            </a:p>
+          </p:txBody>
+        </p:sp>
+        <p:sp>
+          <p:nvSpPr>
+            <p:cNvPr id="37" name="Rectangle 36">
+              <a:extLst>
+                <a:ext uri="{FF2B5EF4-FFF2-40B4-BE49-F238E27FC236}">
+                  <a16:creationId xmlns:a16="http://schemas.microsoft.com/office/drawing/2014/main" id="{EF34A86E-2A6C-4E03-BD1D-D4005D1A95E2}"/>
+                </a:ext>
+              </a:extLst>
+            </p:cNvPr>
+            <p:cNvSpPr/>
+            <p:nvPr/>
+          </p:nvSpPr>
+          <p:spPr>
+            <a:xfrm>
+              <a:off x="6679177" y="2319314"/>
+              <a:ext cx="4426973" cy="845362"/>
+            </a:xfrm>
+            <a:prstGeom prst="rect">
+              <a:avLst/>
+            </a:prstGeom>
+            <a:solidFill>
+              <a:schemeClr val="bg1">
+                <a:lumMod val="85000"/>
+              </a:schemeClr>
+            </a:solidFill>
+            <a:ln w="28575">
+              <a:solidFill>
+                <a:schemeClr val="accent2"/>
+              </a:solidFill>
+            </a:ln>
+          </p:spPr>
+          <p:style>
+            <a:lnRef idx="2">
+              <a:schemeClr val="accent1">
+                <a:shade val="50000"/>
+              </a:schemeClr>
+            </a:lnRef>
+            <a:fillRef idx="1">
+              <a:schemeClr val="accent1"/>
+            </a:fillRef>
+            <a:effectRef idx="0">
+              <a:schemeClr val="accent1"/>
+            </a:effectRef>
+            <a:fontRef idx="minor">
+              <a:schemeClr val="lt1"/>
+            </a:fontRef>
+          </p:style>
+          <p:txBody>
+            <a:bodyPr rtlCol="0" anchor="t"/>
+            <a:lstStyle/>
+            <a:p>
+              <a:pPr marL="285750" indent="-285750">
+                <a:buFont typeface="Arial" panose="020B0604020202020204" pitchFamily="34" charset="0"/>
+                <a:buChar char="•"/>
+              </a:pPr>
+              <a:r>
+                <a:rPr lang="en-US" sz="1000" dirty="0">
+                  <a:solidFill>
+                    <a:schemeClr val="tx1"/>
+                  </a:solidFill>
+                </a:rPr>
+                <a:t>fingers : [#,](Finger)</a:t>
+              </a:r>
+            </a:p>
+            <a:p>
+              <a:pPr marL="285750" indent="-285750">
+                <a:buFont typeface="Arial" panose="020B0604020202020204" pitchFamily="34" charset="0"/>
+                <a:buChar char="•"/>
+              </a:pPr>
+              <a:r>
+                <a:rPr lang="en-US" sz="1000" dirty="0">
+                  <a:solidFill>
+                    <a:schemeClr val="tx1"/>
+                  </a:solidFill>
+                </a:rPr>
+                <a:t>C : [#,3]</a:t>
+              </a:r>
+            </a:p>
+            <a:p>
+              <a:pPr marL="285750" indent="-285750">
+                <a:buFont typeface="Arial" panose="020B0604020202020204" pitchFamily="34" charset="0"/>
+                <a:buChar char="•"/>
+              </a:pPr>
+              <a:r>
+                <a:rPr lang="en-US" sz="1000" dirty="0">
+                  <a:solidFill>
+                    <a:schemeClr val="tx1"/>
+                  </a:solidFill>
+                </a:rPr>
+                <a:t>R : [#,3,3]</a:t>
+              </a:r>
+            </a:p>
+            <a:p>
+              <a:pPr marL="285750" indent="-285750">
+                <a:buFont typeface="Arial" panose="020B0604020202020204" pitchFamily="34" charset="0"/>
+                <a:buChar char="•"/>
+              </a:pPr>
+              <a:r>
+                <a:rPr lang="en-US" sz="1000" dirty="0">
+                  <a:solidFill>
+                    <a:schemeClr val="tx1"/>
+                  </a:solidFill>
+                </a:rPr>
+                <a:t>h: [#,](string)</a:t>
+              </a:r>
+            </a:p>
+            <a:p>
+              <a:pPr marL="285750" indent="-285750">
+                <a:buFont typeface="Arial" panose="020B0604020202020204" pitchFamily="34" charset="0"/>
+                <a:buChar char="•"/>
+              </a:pPr>
+              <a:r>
+                <a:rPr lang="en-US" sz="1000" dirty="0">
+                  <a:solidFill>
+                    <a:schemeClr val="tx1"/>
+                  </a:solidFill>
+                </a:rPr>
+                <a:t>nq : int</a:t>
+              </a:r>
+            </a:p>
+          </p:txBody>
+        </p:sp>
+        <p:sp>
+          <p:nvSpPr>
+            <p:cNvPr id="38" name="Rectangle 37">
+              <a:extLst>
+                <a:ext uri="{FF2B5EF4-FFF2-40B4-BE49-F238E27FC236}">
+                  <a16:creationId xmlns:a16="http://schemas.microsoft.com/office/drawing/2014/main" id="{0A995FDA-5A9B-4EA4-A0B3-5237472E1F09}"/>
+                </a:ext>
+              </a:extLst>
+            </p:cNvPr>
+            <p:cNvSpPr/>
+            <p:nvPr/>
+          </p:nvSpPr>
+          <p:spPr>
+            <a:xfrm>
+              <a:off x="6679177" y="3164676"/>
+              <a:ext cx="4426973" cy="1796737"/>
+            </a:xfrm>
+            <a:prstGeom prst="rect">
+              <a:avLst/>
+            </a:prstGeom>
+            <a:solidFill>
+              <a:schemeClr val="bg1">
+                <a:lumMod val="85000"/>
+              </a:schemeClr>
+            </a:solidFill>
+            <a:ln w="28575">
+              <a:solidFill>
+                <a:schemeClr val="accent2"/>
+              </a:solidFill>
+            </a:ln>
+          </p:spPr>
+          <p:style>
+            <a:lnRef idx="2">
+              <a:schemeClr val="accent1">
+                <a:shade val="50000"/>
+              </a:schemeClr>
+            </a:lnRef>
+            <a:fillRef idx="1">
+              <a:schemeClr val="accent1"/>
+            </a:fillRef>
+            <a:effectRef idx="0">
+              <a:schemeClr val="accent1"/>
+            </a:effectRef>
+            <a:fontRef idx="minor">
+              <a:schemeClr val="lt1"/>
+            </a:fontRef>
+          </p:style>
+          <p:txBody>
+            <a:bodyPr rtlCol="0" anchor="t"/>
+            <a:lstStyle/>
+            <a:p>
+              <a:pPr marL="285750" indent="-285750">
+                <a:buFont typeface="Arial" panose="020B0604020202020204" pitchFamily="34" charset="0"/>
+                <a:buChar char="•"/>
+              </a:pPr>
+              <a:r>
+                <a:rPr lang="en-US" sz="1000" dirty="0">
+                  <a:solidFill>
+                    <a:schemeClr val="tx1"/>
+                  </a:solidFill>
+                </a:rPr>
+                <a:t>Jacobian(fingers : [#,](Finger) , C : [#,3] , R : [#,3,3] , h : [#,](string) = None)</a:t>
+              </a:r>
+            </a:p>
+            <a:p>
+              <a:pPr marL="285750" indent="-285750">
+                <a:buFont typeface="Arial" panose="020B0604020202020204" pitchFamily="34" charset="0"/>
+                <a:buChar char="•"/>
+              </a:pPr>
+              <a:r>
+                <a:rPr lang="en-US" sz="1000" dirty="0">
+                  <a:solidFill>
+                    <a:schemeClr val="tx1"/>
+                  </a:solidFill>
+                </a:rPr>
+                <a:t>S(r : [3,]) : [3,3]</a:t>
+              </a:r>
+            </a:p>
+            <a:p>
+              <a:pPr marL="285750" indent="-285750">
+                <a:buFont typeface="Arial" panose="020B0604020202020204" pitchFamily="34" charset="0"/>
+                <a:buChar char="•"/>
+              </a:pPr>
+              <a:r>
+                <a:rPr lang="en-US" sz="1000" dirty="0">
+                  <a:solidFill>
+                    <a:schemeClr val="tx1"/>
+                  </a:solidFill>
+                </a:rPr>
+                <a:t>Hi(h : string) : [#,6]</a:t>
+              </a:r>
+            </a:p>
+            <a:p>
+              <a:pPr marL="285750" indent="-285750">
+                <a:buFont typeface="Arial" panose="020B0604020202020204" pitchFamily="34" charset="0"/>
+                <a:buChar char="•"/>
+              </a:pPr>
+              <a:r>
+                <a:rPr lang="en-US" sz="1000" dirty="0">
+                  <a:solidFill>
+                    <a:schemeClr val="tx1"/>
+                  </a:solidFill>
+                </a:rPr>
+                <a:t>H() : [#,#]</a:t>
+              </a:r>
+            </a:p>
+            <a:p>
+              <a:pPr marL="285750" indent="-285750">
+                <a:buFont typeface="Arial" panose="020B0604020202020204" pitchFamily="34" charset="0"/>
+                <a:buChar char="•"/>
+              </a:pPr>
+              <a:r>
+                <a:rPr lang="en-US" sz="1000" dirty="0" err="1">
+                  <a:solidFill>
+                    <a:schemeClr val="tx1"/>
+                  </a:solidFill>
+                </a:rPr>
+                <a:t>Zi</a:t>
+              </a:r>
+              <a:r>
+                <a:rPr lang="en-US" sz="1000" dirty="0">
+                  <a:solidFill>
+                    <a:schemeClr val="tx1"/>
+                  </a:solidFill>
+                </a:rPr>
+                <a:t>(Ci : [3,] , </a:t>
+              </a:r>
+              <a:r>
+                <a:rPr lang="en-US" sz="1000" dirty="0" err="1">
+                  <a:solidFill>
+                    <a:schemeClr val="tx1"/>
+                  </a:solidFill>
+                </a:rPr>
+                <a:t>cid</a:t>
+              </a:r>
+              <a:r>
+                <a:rPr lang="en-US" sz="1000" dirty="0">
+                  <a:solidFill>
+                    <a:schemeClr val="tx1"/>
+                  </a:solidFill>
+                </a:rPr>
+                <a:t> : int) : [6,nq]</a:t>
+              </a:r>
+            </a:p>
+            <a:p>
+              <a:pPr marL="285750" indent="-285750">
+                <a:buFont typeface="Arial" panose="020B0604020202020204" pitchFamily="34" charset="0"/>
+                <a:buChar char="•"/>
+              </a:pPr>
+              <a:r>
+                <a:rPr lang="en-US" sz="1000" dirty="0" err="1">
+                  <a:solidFill>
+                    <a:schemeClr val="tx1"/>
+                  </a:solidFill>
+                </a:rPr>
+                <a:t>pJi</a:t>
+              </a:r>
+              <a:r>
+                <a:rPr lang="en-US" sz="1000" dirty="0">
+                  <a:solidFill>
+                    <a:schemeClr val="tx1"/>
+                  </a:solidFill>
+                </a:rPr>
+                <a:t>(Ri : [3,3] , </a:t>
+              </a:r>
+              <a:r>
+                <a:rPr lang="en-US" sz="1000" dirty="0" err="1">
+                  <a:solidFill>
+                    <a:schemeClr val="tx1"/>
+                  </a:solidFill>
+                </a:rPr>
+                <a:t>Zi</a:t>
+              </a:r>
+              <a:r>
+                <a:rPr lang="en-US" sz="1000" dirty="0">
+                  <a:solidFill>
+                    <a:schemeClr val="tx1"/>
+                  </a:solidFill>
+                </a:rPr>
+                <a:t> : [6,nq]) : [6,nq]</a:t>
+              </a:r>
+            </a:p>
+            <a:p>
+              <a:pPr marL="285750" indent="-285750">
+                <a:buFont typeface="Arial" panose="020B0604020202020204" pitchFamily="34" charset="0"/>
+                <a:buChar char="•"/>
+              </a:pPr>
+              <a:r>
+                <a:rPr lang="en-US" sz="1000" dirty="0" err="1">
+                  <a:solidFill>
+                    <a:schemeClr val="tx1"/>
+                  </a:solidFill>
+                </a:rPr>
+                <a:t>getJ</a:t>
+              </a:r>
+              <a:r>
+                <a:rPr lang="en-US" sz="1000" dirty="0">
+                  <a:solidFill>
+                    <a:schemeClr val="tx1"/>
+                  </a:solidFill>
+                </a:rPr>
+                <a:t>() : [#,nq]</a:t>
+              </a:r>
+            </a:p>
+            <a:p>
+              <a:pPr marL="285750" indent="-285750">
+                <a:buFont typeface="Arial" panose="020B0604020202020204" pitchFamily="34" charset="0"/>
+                <a:buChar char="•"/>
+              </a:pPr>
+              <a:r>
+                <a:rPr lang="en-US" sz="1000" dirty="0" err="1">
+                  <a:solidFill>
+                    <a:schemeClr val="tx1"/>
+                  </a:solidFill>
+                </a:rPr>
+                <a:t>JacobianClassification</a:t>
+              </a:r>
+              <a:r>
+                <a:rPr lang="en-US" sz="1000" dirty="0">
+                  <a:solidFill>
+                    <a:schemeClr val="tx1"/>
+                  </a:solidFill>
+                </a:rPr>
+                <a:t>(printBool : bool = False) : bool , bool</a:t>
+              </a:r>
+            </a:p>
+            <a:p>
+              <a:pPr marL="285750" indent="-285750">
+                <a:buFont typeface="Arial" panose="020B0604020202020204" pitchFamily="34" charset="0"/>
+                <a:buChar char="•"/>
+              </a:pPr>
+              <a:r>
+                <a:rPr lang="en-US" sz="1000" dirty="0">
+                  <a:solidFill>
+                    <a:schemeClr val="tx1"/>
+                  </a:solidFill>
+                </a:rPr>
+                <a:t>getRank() : int</a:t>
+              </a:r>
+            </a:p>
+            <a:p>
+              <a:pPr marL="285750" indent="-285750">
+                <a:buFont typeface="Arial" panose="020B0604020202020204" pitchFamily="34" charset="0"/>
+                <a:buChar char="•"/>
+              </a:pPr>
+              <a:r>
+                <a:rPr lang="en-US" sz="1000" dirty="0" err="1">
+                  <a:solidFill>
+                    <a:schemeClr val="tx1"/>
+                  </a:solidFill>
+                </a:rPr>
+                <a:t>printHandSpecifications</a:t>
+              </a:r>
+              <a:r>
+                <a:rPr lang="en-US" sz="1000" dirty="0">
+                  <a:solidFill>
+                    <a:schemeClr val="tx1"/>
+                  </a:solidFill>
+                </a:rPr>
+                <a:t>()</a:t>
+              </a:r>
+            </a:p>
+            <a:p>
+              <a:pPr marL="285750" indent="-285750">
+                <a:buFont typeface="Arial" panose="020B0604020202020204" pitchFamily="34" charset="0"/>
+                <a:buChar char="•"/>
+              </a:pPr>
+              <a:r>
+                <a:rPr lang="en-US" sz="1000" dirty="0" err="1">
+                  <a:solidFill>
+                    <a:schemeClr val="tx1"/>
+                  </a:solidFill>
+                </a:rPr>
+                <a:t>testForceClosure</a:t>
+              </a:r>
+              <a:r>
+                <a:rPr lang="en-US" sz="1000" dirty="0">
+                  <a:solidFill>
+                    <a:schemeClr val="tx1"/>
+                  </a:solidFill>
+                </a:rPr>
+                <a:t>(grasp : GraspMap) : [#,]</a:t>
+              </a:r>
+            </a:p>
+          </p:txBody>
+        </p:sp>
+        <p:sp>
+          <p:nvSpPr>
+            <p:cNvPr id="39" name="Ellipse 49">
+              <a:extLst>
+                <a:ext uri="{FF2B5EF4-FFF2-40B4-BE49-F238E27FC236}">
+                  <a16:creationId xmlns:a16="http://schemas.microsoft.com/office/drawing/2014/main" id="{CFB25E5C-12F2-40EE-8D76-79A79915F92D}"/>
+                </a:ext>
+              </a:extLst>
+            </p:cNvPr>
+            <p:cNvSpPr>
+              <a:spLocks noChangeAspect="1"/>
+            </p:cNvSpPr>
+            <p:nvPr/>
+          </p:nvSpPr>
+          <p:spPr>
+            <a:xfrm>
+              <a:off x="6755140" y="2390587"/>
+              <a:ext cx="108000" cy="108000"/>
+            </a:xfrm>
+            <a:prstGeom prst="ellipse">
+              <a:avLst/>
+            </a:prstGeom>
+            <a:solidFill>
+              <a:schemeClr val="bg1">
+                <a:lumMod val="75000"/>
+              </a:schemeClr>
+            </a:solidFill>
+            <a:ln>
+              <a:solidFill>
+                <a:srgbClr val="00B050"/>
+              </a:solidFill>
+            </a:ln>
+          </p:spPr>
+          <p:style>
+            <a:lnRef idx="2">
+              <a:schemeClr val="accent1">
+                <a:shade val="50000"/>
+              </a:schemeClr>
+            </a:lnRef>
+            <a:fillRef idx="1">
+              <a:schemeClr val="accent1"/>
+            </a:fillRef>
+            <a:effectRef idx="0">
+              <a:schemeClr val="accent1"/>
+            </a:effectRef>
+            <a:fontRef idx="minor">
+              <a:schemeClr val="lt1"/>
+            </a:fontRef>
+          </p:style>
+          <p:txBody>
+            <a:bodyPr rtlCol="0" anchor="ctr"/>
+            <a:lstStyle/>
+            <a:p>
+              <a:pPr algn="ctr"/>
+              <a:endParaRPr lang="en-US" dirty="0"/>
+            </a:p>
+          </p:txBody>
+        </p:sp>
+        <p:sp>
+          <p:nvSpPr>
+            <p:cNvPr id="40" name="Ellipse 56">
+              <a:extLst>
+                <a:ext uri="{FF2B5EF4-FFF2-40B4-BE49-F238E27FC236}">
+                  <a16:creationId xmlns:a16="http://schemas.microsoft.com/office/drawing/2014/main" id="{2E43601F-FA97-454F-BEF3-E897432682BD}"/>
+                </a:ext>
+              </a:extLst>
+            </p:cNvPr>
+            <p:cNvSpPr>
+              <a:spLocks noChangeAspect="1"/>
+            </p:cNvSpPr>
+            <p:nvPr/>
+          </p:nvSpPr>
+          <p:spPr>
+            <a:xfrm>
+              <a:off x="6755140" y="2544099"/>
+              <a:ext cx="108000" cy="108000"/>
+            </a:xfrm>
+            <a:prstGeom prst="ellipse">
+              <a:avLst/>
+            </a:prstGeom>
+            <a:solidFill>
+              <a:schemeClr val="bg1">
+                <a:lumMod val="75000"/>
+              </a:schemeClr>
+            </a:solidFill>
+            <a:ln>
+              <a:solidFill>
+                <a:srgbClr val="00B050"/>
+              </a:solidFill>
+            </a:ln>
+          </p:spPr>
+          <p:style>
+            <a:lnRef idx="2">
+              <a:schemeClr val="accent1">
+                <a:shade val="50000"/>
+              </a:schemeClr>
+            </a:lnRef>
+            <a:fillRef idx="1">
+              <a:schemeClr val="accent1"/>
+            </a:fillRef>
+            <a:effectRef idx="0">
+              <a:schemeClr val="accent1"/>
+            </a:effectRef>
+            <a:fontRef idx="minor">
+              <a:schemeClr val="lt1"/>
+            </a:fontRef>
+          </p:style>
+          <p:txBody>
+            <a:bodyPr rtlCol="0" anchor="ctr"/>
+            <a:lstStyle/>
+            <a:p>
+              <a:pPr algn="ctr"/>
+              <a:endParaRPr lang="en-US" dirty="0"/>
+            </a:p>
+          </p:txBody>
+        </p:sp>
+        <p:sp>
+          <p:nvSpPr>
+            <p:cNvPr id="41" name="Ellipse 57">
+              <a:extLst>
+                <a:ext uri="{FF2B5EF4-FFF2-40B4-BE49-F238E27FC236}">
+                  <a16:creationId xmlns:a16="http://schemas.microsoft.com/office/drawing/2014/main" id="{3695B813-05BA-4C39-AD2B-97083B667AD9}"/>
+                </a:ext>
+              </a:extLst>
+            </p:cNvPr>
+            <p:cNvSpPr>
+              <a:spLocks noChangeAspect="1"/>
+            </p:cNvSpPr>
+            <p:nvPr/>
+          </p:nvSpPr>
+          <p:spPr>
+            <a:xfrm>
+              <a:off x="6755140" y="2706765"/>
+              <a:ext cx="108000" cy="108000"/>
+            </a:xfrm>
+            <a:prstGeom prst="ellipse">
+              <a:avLst/>
+            </a:prstGeom>
+            <a:solidFill>
+              <a:schemeClr val="bg1">
+                <a:lumMod val="75000"/>
+              </a:schemeClr>
+            </a:solidFill>
+            <a:ln>
+              <a:solidFill>
+                <a:srgbClr val="00B050"/>
+              </a:solidFill>
+            </a:ln>
+          </p:spPr>
+          <p:style>
+            <a:lnRef idx="2">
+              <a:schemeClr val="accent1">
+                <a:shade val="50000"/>
+              </a:schemeClr>
+            </a:lnRef>
+            <a:fillRef idx="1">
+              <a:schemeClr val="accent1"/>
+            </a:fillRef>
+            <a:effectRef idx="0">
+              <a:schemeClr val="accent1"/>
+            </a:effectRef>
+            <a:fontRef idx="minor">
+              <a:schemeClr val="lt1"/>
+            </a:fontRef>
+          </p:style>
+          <p:txBody>
+            <a:bodyPr rtlCol="0" anchor="ctr"/>
+            <a:lstStyle/>
+            <a:p>
+              <a:pPr algn="ctr"/>
+              <a:endParaRPr lang="en-US" dirty="0"/>
+            </a:p>
+          </p:txBody>
+        </p:sp>
+        <p:sp>
+          <p:nvSpPr>
+            <p:cNvPr id="42" name="Ellipse 58">
+              <a:extLst>
+                <a:ext uri="{FF2B5EF4-FFF2-40B4-BE49-F238E27FC236}">
+                  <a16:creationId xmlns:a16="http://schemas.microsoft.com/office/drawing/2014/main" id="{3621C44D-9532-4EA3-9DB0-2F551AC35812}"/>
+                </a:ext>
+              </a:extLst>
+            </p:cNvPr>
+            <p:cNvSpPr>
+              <a:spLocks noChangeAspect="1"/>
+            </p:cNvSpPr>
+            <p:nvPr/>
+          </p:nvSpPr>
+          <p:spPr>
+            <a:xfrm>
+              <a:off x="6755140" y="2861015"/>
+              <a:ext cx="108000" cy="108000"/>
+            </a:xfrm>
+            <a:prstGeom prst="ellipse">
+              <a:avLst/>
+            </a:prstGeom>
+            <a:solidFill>
+              <a:schemeClr val="bg1">
+                <a:lumMod val="75000"/>
+              </a:schemeClr>
+            </a:solidFill>
+            <a:ln>
+              <a:solidFill>
+                <a:srgbClr val="00B050"/>
+              </a:solidFill>
+            </a:ln>
+          </p:spPr>
+          <p:style>
+            <a:lnRef idx="2">
+              <a:schemeClr val="accent1">
+                <a:shade val="50000"/>
+              </a:schemeClr>
+            </a:lnRef>
+            <a:fillRef idx="1">
+              <a:schemeClr val="accent1"/>
+            </a:fillRef>
+            <a:effectRef idx="0">
+              <a:schemeClr val="accent1"/>
+            </a:effectRef>
+            <a:fontRef idx="minor">
+              <a:schemeClr val="lt1"/>
+            </a:fontRef>
+          </p:style>
+          <p:txBody>
+            <a:bodyPr rtlCol="0" anchor="ctr"/>
+            <a:lstStyle/>
+            <a:p>
+              <a:pPr algn="ctr"/>
+              <a:endParaRPr lang="en-US" dirty="0"/>
+            </a:p>
+          </p:txBody>
+        </p:sp>
+        <p:sp>
+          <p:nvSpPr>
+            <p:cNvPr id="43" name="Ellipse 69">
+              <a:extLst>
+                <a:ext uri="{FF2B5EF4-FFF2-40B4-BE49-F238E27FC236}">
+                  <a16:creationId xmlns:a16="http://schemas.microsoft.com/office/drawing/2014/main" id="{3C658CF3-452F-4D3E-9DE5-BC88044E559C}"/>
+                </a:ext>
+              </a:extLst>
+            </p:cNvPr>
+            <p:cNvSpPr>
+              <a:spLocks noChangeAspect="1"/>
+            </p:cNvSpPr>
+            <p:nvPr/>
+          </p:nvSpPr>
+          <p:spPr>
+            <a:xfrm>
+              <a:off x="6755140" y="3015160"/>
+              <a:ext cx="108000" cy="108000"/>
+            </a:xfrm>
+            <a:prstGeom prst="ellipse">
+              <a:avLst/>
+            </a:prstGeom>
+            <a:solidFill>
+              <a:schemeClr val="bg1">
+                <a:lumMod val="75000"/>
+              </a:schemeClr>
+            </a:solidFill>
+            <a:ln>
+              <a:solidFill>
+                <a:srgbClr val="00B050"/>
+              </a:solidFill>
+            </a:ln>
+          </p:spPr>
+          <p:style>
+            <a:lnRef idx="2">
+              <a:schemeClr val="accent1">
+                <a:shade val="50000"/>
+              </a:schemeClr>
+            </a:lnRef>
+            <a:fillRef idx="1">
+              <a:schemeClr val="accent1"/>
+            </a:fillRef>
+            <a:effectRef idx="0">
+              <a:schemeClr val="accent1"/>
+            </a:effectRef>
+            <a:fontRef idx="minor">
+              <a:schemeClr val="lt1"/>
+            </a:fontRef>
+          </p:style>
+          <p:txBody>
+            <a:bodyPr rtlCol="0" anchor="ctr"/>
+            <a:lstStyle/>
+            <a:p>
+              <a:pPr algn="ctr"/>
+              <a:endParaRPr lang="en-US" dirty="0"/>
+            </a:p>
+          </p:txBody>
+        </p:sp>
+        <p:sp>
+          <p:nvSpPr>
+            <p:cNvPr id="44" name="Ellipse 77">
+              <a:extLst>
+                <a:ext uri="{FF2B5EF4-FFF2-40B4-BE49-F238E27FC236}">
+                  <a16:creationId xmlns:a16="http://schemas.microsoft.com/office/drawing/2014/main" id="{B2152E40-F643-422B-9332-99D4F840E567}"/>
+                </a:ext>
+              </a:extLst>
+            </p:cNvPr>
+            <p:cNvSpPr>
+              <a:spLocks noChangeAspect="1"/>
+            </p:cNvSpPr>
+            <p:nvPr/>
+          </p:nvSpPr>
+          <p:spPr>
+            <a:xfrm>
+              <a:off x="6755140" y="3231826"/>
+              <a:ext cx="108000" cy="108000"/>
+            </a:xfrm>
+            <a:prstGeom prst="ellipse">
+              <a:avLst/>
+            </a:prstGeom>
+            <a:solidFill>
+              <a:srgbClr val="92D050"/>
+            </a:solidFill>
+            <a:ln>
+              <a:solidFill>
+                <a:srgbClr val="00B050"/>
+              </a:solidFill>
+            </a:ln>
+          </p:spPr>
+          <p:style>
+            <a:lnRef idx="2">
+              <a:schemeClr val="accent1">
+                <a:shade val="50000"/>
+              </a:schemeClr>
+            </a:lnRef>
+            <a:fillRef idx="1">
+              <a:schemeClr val="accent1"/>
+            </a:fillRef>
+            <a:effectRef idx="0">
+              <a:schemeClr val="accent1"/>
+            </a:effectRef>
+            <a:fontRef idx="minor">
+              <a:schemeClr val="lt1"/>
+            </a:fontRef>
+          </p:style>
+          <p:txBody>
+            <a:bodyPr rtlCol="0" anchor="ctr"/>
+            <a:lstStyle/>
+            <a:p>
+              <a:pPr algn="ctr"/>
+              <a:endParaRPr lang="en-US" dirty="0"/>
+            </a:p>
+          </p:txBody>
+        </p:sp>
+        <p:sp>
+          <p:nvSpPr>
+            <p:cNvPr id="45" name="Rectangle 44">
+              <a:extLst>
+                <a:ext uri="{FF2B5EF4-FFF2-40B4-BE49-F238E27FC236}">
+                  <a16:creationId xmlns:a16="http://schemas.microsoft.com/office/drawing/2014/main" id="{BC0B1002-5BDB-4A0D-9F96-0C1CAC0CFAD7}"/>
+                </a:ext>
+              </a:extLst>
+            </p:cNvPr>
+            <p:cNvSpPr>
+              <a:spLocks noChangeAspect="1"/>
+            </p:cNvSpPr>
+            <p:nvPr/>
+          </p:nvSpPr>
+          <p:spPr>
+            <a:xfrm>
+              <a:off x="6755140" y="3381342"/>
+              <a:ext cx="108000" cy="108000"/>
+            </a:xfrm>
+            <a:prstGeom prst="rect">
+              <a:avLst/>
+            </a:prstGeom>
+          </p:spPr>
+          <p:style>
+            <a:lnRef idx="2">
+              <a:schemeClr val="accent1">
+                <a:shade val="50000"/>
+              </a:schemeClr>
+            </a:lnRef>
+            <a:fillRef idx="1">
+              <a:schemeClr val="accent1"/>
+            </a:fillRef>
+            <a:effectRef idx="0">
+              <a:schemeClr val="accent1"/>
+            </a:effectRef>
+            <a:fontRef idx="minor">
+              <a:schemeClr val="lt1"/>
+            </a:fontRef>
+          </p:style>
+          <p:txBody>
+            <a:bodyPr rtlCol="0" anchor="ctr"/>
+            <a:lstStyle/>
+            <a:p>
+              <a:pPr algn="ctr"/>
+              <a:endParaRPr lang="en-US" dirty="0"/>
+            </a:p>
+          </p:txBody>
+        </p:sp>
+        <p:sp>
+          <p:nvSpPr>
+            <p:cNvPr id="46" name="Rectangle 45">
+              <a:extLst>
+                <a:ext uri="{FF2B5EF4-FFF2-40B4-BE49-F238E27FC236}">
+                  <a16:creationId xmlns:a16="http://schemas.microsoft.com/office/drawing/2014/main" id="{267127B3-5575-43AB-98C7-BB3D5666737D}"/>
+                </a:ext>
+              </a:extLst>
+            </p:cNvPr>
+            <p:cNvSpPr>
+              <a:spLocks noChangeAspect="1"/>
+            </p:cNvSpPr>
+            <p:nvPr/>
+          </p:nvSpPr>
+          <p:spPr>
+            <a:xfrm>
+              <a:off x="6755140" y="3527104"/>
+              <a:ext cx="108000" cy="108000"/>
+            </a:xfrm>
+            <a:prstGeom prst="rect">
+              <a:avLst/>
+            </a:prstGeom>
+          </p:spPr>
+          <p:style>
+            <a:lnRef idx="2">
+              <a:schemeClr val="accent1">
+                <a:shade val="50000"/>
+              </a:schemeClr>
+            </a:lnRef>
+            <a:fillRef idx="1">
+              <a:schemeClr val="accent1"/>
+            </a:fillRef>
+            <a:effectRef idx="0">
+              <a:schemeClr val="accent1"/>
+            </a:effectRef>
+            <a:fontRef idx="minor">
+              <a:schemeClr val="lt1"/>
+            </a:fontRef>
+          </p:style>
+          <p:txBody>
+            <a:bodyPr rtlCol="0" anchor="ctr"/>
+            <a:lstStyle/>
+            <a:p>
+              <a:pPr algn="ctr"/>
+              <a:endParaRPr lang="en-US" dirty="0"/>
+            </a:p>
+          </p:txBody>
+        </p:sp>
+        <p:sp>
+          <p:nvSpPr>
+            <p:cNvPr id="47" name="Rectangle 46">
+              <a:extLst>
+                <a:ext uri="{FF2B5EF4-FFF2-40B4-BE49-F238E27FC236}">
+                  <a16:creationId xmlns:a16="http://schemas.microsoft.com/office/drawing/2014/main" id="{F95D93FC-8564-4228-BF98-A774AC958824}"/>
+                </a:ext>
+              </a:extLst>
+            </p:cNvPr>
+            <p:cNvSpPr>
+              <a:spLocks noChangeAspect="1"/>
+            </p:cNvSpPr>
+            <p:nvPr/>
+          </p:nvSpPr>
+          <p:spPr>
+            <a:xfrm>
+              <a:off x="6755140" y="3689737"/>
+              <a:ext cx="108000" cy="108000"/>
+            </a:xfrm>
+            <a:prstGeom prst="rect">
+              <a:avLst/>
+            </a:prstGeom>
+          </p:spPr>
+          <p:style>
+            <a:lnRef idx="2">
+              <a:schemeClr val="accent1">
+                <a:shade val="50000"/>
+              </a:schemeClr>
+            </a:lnRef>
+            <a:fillRef idx="1">
+              <a:schemeClr val="accent1"/>
+            </a:fillRef>
+            <a:effectRef idx="0">
+              <a:schemeClr val="accent1"/>
+            </a:effectRef>
+            <a:fontRef idx="minor">
+              <a:schemeClr val="lt1"/>
+            </a:fontRef>
+          </p:style>
+          <p:txBody>
+            <a:bodyPr rtlCol="0" anchor="ctr"/>
+            <a:lstStyle/>
+            <a:p>
+              <a:pPr algn="ctr"/>
+              <a:endParaRPr lang="en-US" dirty="0"/>
+            </a:p>
+          </p:txBody>
+        </p:sp>
+        <p:sp>
+          <p:nvSpPr>
+            <p:cNvPr id="48" name="Rectangle 47">
+              <a:extLst>
+                <a:ext uri="{FF2B5EF4-FFF2-40B4-BE49-F238E27FC236}">
+                  <a16:creationId xmlns:a16="http://schemas.microsoft.com/office/drawing/2014/main" id="{2BDE807D-B106-4E6C-8225-28FBBD6AB6CC}"/>
+                </a:ext>
+              </a:extLst>
+            </p:cNvPr>
+            <p:cNvSpPr>
+              <a:spLocks noChangeAspect="1"/>
+            </p:cNvSpPr>
+            <p:nvPr/>
+          </p:nvSpPr>
+          <p:spPr>
+            <a:xfrm>
+              <a:off x="6755140" y="3839253"/>
+              <a:ext cx="108000" cy="108000"/>
+            </a:xfrm>
+            <a:prstGeom prst="rect">
+              <a:avLst/>
+            </a:prstGeom>
+          </p:spPr>
+          <p:style>
+            <a:lnRef idx="2">
+              <a:schemeClr val="accent1">
+                <a:shade val="50000"/>
+              </a:schemeClr>
+            </a:lnRef>
+            <a:fillRef idx="1">
+              <a:schemeClr val="accent1"/>
+            </a:fillRef>
+            <a:effectRef idx="0">
+              <a:schemeClr val="accent1"/>
+            </a:effectRef>
+            <a:fontRef idx="minor">
+              <a:schemeClr val="lt1"/>
+            </a:fontRef>
+          </p:style>
+          <p:txBody>
+            <a:bodyPr rtlCol="0" anchor="ctr"/>
+            <a:lstStyle/>
+            <a:p>
+              <a:pPr algn="ctr"/>
+              <a:endParaRPr lang="en-US" dirty="0"/>
+            </a:p>
+          </p:txBody>
+        </p:sp>
+        <p:sp>
+          <p:nvSpPr>
+            <p:cNvPr id="49" name="Rectangle 48">
+              <a:extLst>
+                <a:ext uri="{FF2B5EF4-FFF2-40B4-BE49-F238E27FC236}">
+                  <a16:creationId xmlns:a16="http://schemas.microsoft.com/office/drawing/2014/main" id="{DDC24C85-35E5-4E13-804E-F319B2E6704C}"/>
+                </a:ext>
+              </a:extLst>
+            </p:cNvPr>
+            <p:cNvSpPr>
+              <a:spLocks noChangeAspect="1"/>
+            </p:cNvSpPr>
+            <p:nvPr/>
+          </p:nvSpPr>
+          <p:spPr>
+            <a:xfrm>
+              <a:off x="6755140" y="4014531"/>
+              <a:ext cx="108000" cy="108000"/>
+            </a:xfrm>
+            <a:prstGeom prst="rect">
+              <a:avLst/>
+            </a:prstGeom>
+          </p:spPr>
+          <p:style>
+            <a:lnRef idx="2">
+              <a:schemeClr val="accent1">
+                <a:shade val="50000"/>
+              </a:schemeClr>
+            </a:lnRef>
+            <a:fillRef idx="1">
+              <a:schemeClr val="accent1"/>
+            </a:fillRef>
+            <a:effectRef idx="0">
+              <a:schemeClr val="accent1"/>
+            </a:effectRef>
+            <a:fontRef idx="minor">
+              <a:schemeClr val="lt1"/>
+            </a:fontRef>
+          </p:style>
+          <p:txBody>
+            <a:bodyPr rtlCol="0" anchor="ctr"/>
+            <a:lstStyle/>
+            <a:p>
+              <a:pPr algn="ctr"/>
+              <a:endParaRPr lang="en-US" dirty="0"/>
+            </a:p>
+          </p:txBody>
+        </p:sp>
+        <p:sp>
+          <p:nvSpPr>
+            <p:cNvPr id="50" name="Ellipse 95">
+              <a:extLst>
+                <a:ext uri="{FF2B5EF4-FFF2-40B4-BE49-F238E27FC236}">
+                  <a16:creationId xmlns:a16="http://schemas.microsoft.com/office/drawing/2014/main" id="{3DA0F6E0-8361-4A1B-99D2-2A1CCB11EA81}"/>
+                </a:ext>
+              </a:extLst>
+            </p:cNvPr>
+            <p:cNvSpPr>
+              <a:spLocks noChangeAspect="1"/>
+            </p:cNvSpPr>
+            <p:nvPr/>
+          </p:nvSpPr>
+          <p:spPr>
+            <a:xfrm>
+              <a:off x="6755140" y="4177495"/>
+              <a:ext cx="108000" cy="108000"/>
+            </a:xfrm>
+            <a:prstGeom prst="ellipse">
+              <a:avLst/>
+            </a:prstGeom>
+            <a:solidFill>
+              <a:srgbClr val="92D050"/>
+            </a:solidFill>
+            <a:ln>
+              <a:solidFill>
+                <a:srgbClr val="00B050"/>
+              </a:solidFill>
+            </a:ln>
+          </p:spPr>
+          <p:style>
+            <a:lnRef idx="2">
+              <a:schemeClr val="accent1">
+                <a:shade val="50000"/>
+              </a:schemeClr>
+            </a:lnRef>
+            <a:fillRef idx="1">
+              <a:schemeClr val="accent1"/>
+            </a:fillRef>
+            <a:effectRef idx="0">
+              <a:schemeClr val="accent1"/>
+            </a:effectRef>
+            <a:fontRef idx="minor">
+              <a:schemeClr val="lt1"/>
+            </a:fontRef>
+          </p:style>
+          <p:txBody>
+            <a:bodyPr rtlCol="0" anchor="ctr"/>
+            <a:lstStyle/>
+            <a:p>
+              <a:pPr algn="ctr"/>
+              <a:endParaRPr lang="en-US" dirty="0"/>
+            </a:p>
+          </p:txBody>
+        </p:sp>
+        <p:sp>
+          <p:nvSpPr>
+            <p:cNvPr id="51" name="Ellipse 98">
+              <a:extLst>
+                <a:ext uri="{FF2B5EF4-FFF2-40B4-BE49-F238E27FC236}">
+                  <a16:creationId xmlns:a16="http://schemas.microsoft.com/office/drawing/2014/main" id="{AFCBF81E-F4AA-4BF5-B660-46BBDE43BB77}"/>
+                </a:ext>
+              </a:extLst>
+            </p:cNvPr>
+            <p:cNvSpPr>
+              <a:spLocks noChangeAspect="1"/>
+            </p:cNvSpPr>
+            <p:nvPr/>
+          </p:nvSpPr>
+          <p:spPr>
+            <a:xfrm>
+              <a:off x="6755140" y="4318192"/>
+              <a:ext cx="108000" cy="108000"/>
+            </a:xfrm>
+            <a:prstGeom prst="ellipse">
+              <a:avLst/>
+            </a:prstGeom>
+            <a:solidFill>
+              <a:srgbClr val="92D050"/>
+            </a:solidFill>
+            <a:ln>
+              <a:solidFill>
+                <a:srgbClr val="00B050"/>
+              </a:solidFill>
+            </a:ln>
+          </p:spPr>
+          <p:style>
+            <a:lnRef idx="2">
+              <a:schemeClr val="accent1">
+                <a:shade val="50000"/>
+              </a:schemeClr>
+            </a:lnRef>
+            <a:fillRef idx="1">
+              <a:schemeClr val="accent1"/>
+            </a:fillRef>
+            <a:effectRef idx="0">
+              <a:schemeClr val="accent1"/>
+            </a:effectRef>
+            <a:fontRef idx="minor">
+              <a:schemeClr val="lt1"/>
+            </a:fontRef>
+          </p:style>
+          <p:txBody>
+            <a:bodyPr rtlCol="0" anchor="ctr"/>
+            <a:lstStyle/>
+            <a:p>
+              <a:pPr algn="ctr"/>
+              <a:endParaRPr lang="en-US" dirty="0"/>
+            </a:p>
+          </p:txBody>
+        </p:sp>
+        <p:sp>
+          <p:nvSpPr>
+            <p:cNvPr id="52" name="Ellipse 99">
+              <a:extLst>
+                <a:ext uri="{FF2B5EF4-FFF2-40B4-BE49-F238E27FC236}">
+                  <a16:creationId xmlns:a16="http://schemas.microsoft.com/office/drawing/2014/main" id="{925CA011-477D-42E2-AC35-0A12599D3168}"/>
+                </a:ext>
+              </a:extLst>
+            </p:cNvPr>
+            <p:cNvSpPr>
+              <a:spLocks noChangeAspect="1"/>
+            </p:cNvSpPr>
+            <p:nvPr/>
+          </p:nvSpPr>
+          <p:spPr>
+            <a:xfrm>
+              <a:off x="6755140" y="4462281"/>
+              <a:ext cx="108000" cy="108000"/>
+            </a:xfrm>
+            <a:prstGeom prst="ellipse">
+              <a:avLst/>
+            </a:prstGeom>
+            <a:solidFill>
+              <a:srgbClr val="92D050"/>
+            </a:solidFill>
+            <a:ln>
+              <a:solidFill>
+                <a:srgbClr val="00B050"/>
+              </a:solidFill>
+            </a:ln>
+          </p:spPr>
+          <p:style>
+            <a:lnRef idx="2">
+              <a:schemeClr val="accent1">
+                <a:shade val="50000"/>
+              </a:schemeClr>
+            </a:lnRef>
+            <a:fillRef idx="1">
+              <a:schemeClr val="accent1"/>
+            </a:fillRef>
+            <a:effectRef idx="0">
+              <a:schemeClr val="accent1"/>
+            </a:effectRef>
+            <a:fontRef idx="minor">
+              <a:schemeClr val="lt1"/>
+            </a:fontRef>
+          </p:style>
+          <p:txBody>
+            <a:bodyPr rtlCol="0" anchor="ctr"/>
+            <a:lstStyle/>
+            <a:p>
+              <a:pPr algn="ctr"/>
+              <a:endParaRPr lang="en-US" dirty="0"/>
+            </a:p>
+          </p:txBody>
+        </p:sp>
+        <p:sp>
+          <p:nvSpPr>
+            <p:cNvPr id="53" name="Ellipse 100">
+              <a:extLst>
+                <a:ext uri="{FF2B5EF4-FFF2-40B4-BE49-F238E27FC236}">
+                  <a16:creationId xmlns:a16="http://schemas.microsoft.com/office/drawing/2014/main" id="{42EE183D-E478-4EEF-9B78-72F869383467}"/>
+                </a:ext>
+              </a:extLst>
+            </p:cNvPr>
+            <p:cNvSpPr>
+              <a:spLocks noChangeAspect="1"/>
+            </p:cNvSpPr>
+            <p:nvPr/>
+          </p:nvSpPr>
+          <p:spPr>
+            <a:xfrm>
+              <a:off x="6755140" y="4611797"/>
+              <a:ext cx="108000" cy="108000"/>
+            </a:xfrm>
+            <a:prstGeom prst="ellipse">
+              <a:avLst/>
+            </a:prstGeom>
+            <a:solidFill>
+              <a:srgbClr val="92D050"/>
+            </a:solidFill>
+            <a:ln>
+              <a:solidFill>
+                <a:srgbClr val="00B050"/>
+              </a:solidFill>
+            </a:ln>
+          </p:spPr>
+          <p:style>
+            <a:lnRef idx="2">
+              <a:schemeClr val="accent1">
+                <a:shade val="50000"/>
+              </a:schemeClr>
+            </a:lnRef>
+            <a:fillRef idx="1">
+              <a:schemeClr val="accent1"/>
+            </a:fillRef>
+            <a:effectRef idx="0">
+              <a:schemeClr val="accent1"/>
+            </a:effectRef>
+            <a:fontRef idx="minor">
+              <a:schemeClr val="lt1"/>
+            </a:fontRef>
+          </p:style>
+          <p:txBody>
+            <a:bodyPr rtlCol="0" anchor="ctr"/>
+            <a:lstStyle/>
+            <a:p>
+              <a:pPr algn="ctr"/>
+              <a:endParaRPr lang="en-US" dirty="0"/>
+            </a:p>
+          </p:txBody>
+        </p:sp>
+        <p:sp>
+          <p:nvSpPr>
+            <p:cNvPr id="54" name="Ellipse 101">
+              <a:extLst>
+                <a:ext uri="{FF2B5EF4-FFF2-40B4-BE49-F238E27FC236}">
+                  <a16:creationId xmlns:a16="http://schemas.microsoft.com/office/drawing/2014/main" id="{0DA63CFF-75EE-4538-9E7D-3539937D1E8A}"/>
+                </a:ext>
+              </a:extLst>
+            </p:cNvPr>
+            <p:cNvSpPr>
+              <a:spLocks noChangeAspect="1"/>
+            </p:cNvSpPr>
+            <p:nvPr/>
+          </p:nvSpPr>
+          <p:spPr>
+            <a:xfrm>
+              <a:off x="6755140" y="4761313"/>
+              <a:ext cx="108000" cy="108000"/>
+            </a:xfrm>
+            <a:prstGeom prst="ellipse">
+              <a:avLst/>
+            </a:prstGeom>
+            <a:solidFill>
+              <a:srgbClr val="92D050"/>
+            </a:solidFill>
+            <a:ln>
+              <a:solidFill>
+                <a:srgbClr val="00B050"/>
+              </a:solidFill>
+            </a:ln>
+          </p:spPr>
+          <p:style>
+            <a:lnRef idx="2">
+              <a:schemeClr val="accent1">
+                <a:shade val="50000"/>
+              </a:schemeClr>
+            </a:lnRef>
+            <a:fillRef idx="1">
+              <a:schemeClr val="accent1"/>
+            </a:fillRef>
+            <a:effectRef idx="0">
+              <a:schemeClr val="accent1"/>
+            </a:effectRef>
+            <a:fontRef idx="minor">
+              <a:schemeClr val="lt1"/>
+            </a:fontRef>
+          </p:style>
+          <p:txBody>
+            <a:bodyPr rtlCol="0" anchor="ctr"/>
+            <a:lstStyle/>
+            <a:p>
+              <a:pPr algn="ctr"/>
+              <a:endParaRPr lang="en-US" dirty="0"/>
+            </a:p>
+          </p:txBody>
+        </p:sp>
+      </p:grpSp>
+      <p:grpSp>
+        <p:nvGrpSpPr>
+          <p:cNvPr id="55" name="Groupe 5">
+            <a:extLst>
+              <a:ext uri="{FF2B5EF4-FFF2-40B4-BE49-F238E27FC236}">
+                <a16:creationId xmlns:a16="http://schemas.microsoft.com/office/drawing/2014/main" id="{7CE6363C-EB95-4D00-91A4-F94628CE0645}"/>
+              </a:ext>
+            </a:extLst>
+          </p:cNvPr>
+          <p:cNvGrpSpPr/>
+          <p:nvPr/>
+        </p:nvGrpSpPr>
+        <p:grpSpPr>
+          <a:xfrm>
+            <a:off x="333616" y="165120"/>
+            <a:ext cx="6062286" cy="1469589"/>
+            <a:chOff x="281364" y="2079643"/>
+            <a:chExt cx="6062286" cy="1469589"/>
+          </a:xfrm>
+        </p:grpSpPr>
+        <p:sp>
+          <p:nvSpPr>
+            <p:cNvPr id="56" name="Rectangle 55">
+              <a:extLst>
+                <a:ext uri="{FF2B5EF4-FFF2-40B4-BE49-F238E27FC236}">
+                  <a16:creationId xmlns:a16="http://schemas.microsoft.com/office/drawing/2014/main" id="{E414136E-B60F-4036-AB8A-0744F39B085F}"/>
+                </a:ext>
+              </a:extLst>
+            </p:cNvPr>
+            <p:cNvSpPr/>
+            <p:nvPr/>
+          </p:nvSpPr>
+          <p:spPr>
+            <a:xfrm>
+              <a:off x="281364" y="2079643"/>
+              <a:ext cx="6062286" cy="339688"/>
+            </a:xfrm>
+            <a:prstGeom prst="rect">
+              <a:avLst/>
+            </a:prstGeom>
+            <a:solidFill>
+              <a:schemeClr val="bg1">
+                <a:lumMod val="85000"/>
+              </a:schemeClr>
+            </a:solidFill>
+            <a:ln w="28575">
+              <a:solidFill>
+                <a:schemeClr val="accent2"/>
+              </a:solidFill>
+            </a:ln>
+          </p:spPr>
+          <p:style>
+            <a:lnRef idx="2">
+              <a:schemeClr val="accent1">
+                <a:shade val="50000"/>
+              </a:schemeClr>
+            </a:lnRef>
+            <a:fillRef idx="1">
+              <a:schemeClr val="accent1"/>
+            </a:fillRef>
+            <a:effectRef idx="0">
+              <a:schemeClr val="accent1"/>
+            </a:effectRef>
+            <a:fontRef idx="minor">
+              <a:schemeClr val="lt1"/>
+            </a:fontRef>
+          </p:style>
+          <p:txBody>
+            <a:bodyPr rtlCol="0" anchor="ctr">
+              <a:noAutofit/>
+            </a:bodyPr>
+            <a:lstStyle/>
+            <a:p>
+              <a:pPr algn="ctr"/>
+              <a:r>
+                <a:rPr lang="en-US" sz="1400" dirty="0">
+                  <a:solidFill>
+                    <a:schemeClr val="tx1"/>
+                  </a:solidFill>
+                </a:rPr>
+                <a:t>Joint</a:t>
+              </a:r>
+            </a:p>
+          </p:txBody>
+        </p:sp>
+        <p:sp>
+          <p:nvSpPr>
+            <p:cNvPr id="57" name="Rectangle 56">
+              <a:extLst>
+                <a:ext uri="{FF2B5EF4-FFF2-40B4-BE49-F238E27FC236}">
+                  <a16:creationId xmlns:a16="http://schemas.microsoft.com/office/drawing/2014/main" id="{5CEAA689-66AE-4323-B487-37383A5B2AA6}"/>
+                </a:ext>
+              </a:extLst>
+            </p:cNvPr>
+            <p:cNvSpPr/>
+            <p:nvPr/>
+          </p:nvSpPr>
+          <p:spPr>
+            <a:xfrm>
+              <a:off x="281364" y="2419332"/>
+              <a:ext cx="6062286" cy="884736"/>
+            </a:xfrm>
+            <a:prstGeom prst="rect">
+              <a:avLst/>
+            </a:prstGeom>
+            <a:solidFill>
+              <a:schemeClr val="bg1">
+                <a:lumMod val="85000"/>
+              </a:schemeClr>
+            </a:solidFill>
+            <a:ln w="28575">
+              <a:solidFill>
+                <a:schemeClr val="accent2"/>
+              </a:solidFill>
+            </a:ln>
+          </p:spPr>
+          <p:style>
+            <a:lnRef idx="2">
+              <a:schemeClr val="accent1">
+                <a:shade val="50000"/>
+              </a:schemeClr>
+            </a:lnRef>
+            <a:fillRef idx="1">
+              <a:schemeClr val="accent1"/>
+            </a:fillRef>
+            <a:effectRef idx="0">
+              <a:schemeClr val="accent1"/>
+            </a:effectRef>
+            <a:fontRef idx="minor">
+              <a:schemeClr val="lt1"/>
+            </a:fontRef>
+          </p:style>
+          <p:txBody>
+            <a:bodyPr rtlCol="0" anchor="t">
+              <a:noAutofit/>
+            </a:bodyPr>
+            <a:lstStyle/>
+            <a:p>
+              <a:pPr marL="285750" indent="-285750">
+                <a:buSzPct val="50000"/>
+                <a:buFont typeface="Arial" panose="020B0604020202020204" pitchFamily="34" charset="0"/>
+                <a:buChar char="•"/>
+              </a:pPr>
+              <a:r>
+                <a:rPr lang="en-US" sz="1000" dirty="0" err="1">
+                  <a:solidFill>
+                    <a:schemeClr val="tx1"/>
+                  </a:solidFill>
+                </a:rPr>
+                <a:t>joint_id</a:t>
+              </a:r>
+              <a:r>
+                <a:rPr lang="en-US" sz="1000" dirty="0">
+                  <a:solidFill>
+                    <a:schemeClr val="tx1"/>
+                  </a:solidFill>
+                </a:rPr>
+                <a:t> : int</a:t>
+              </a:r>
+            </a:p>
+            <a:p>
+              <a:pPr marL="285750" indent="-285750">
+                <a:buSzPct val="50000"/>
+                <a:buFont typeface="Arial" panose="020B0604020202020204" pitchFamily="34" charset="0"/>
+                <a:buChar char="•"/>
+              </a:pPr>
+              <a:r>
+                <a:rPr lang="en-US" sz="1000" dirty="0" err="1">
+                  <a:solidFill>
+                    <a:schemeClr val="tx1"/>
+                  </a:solidFill>
+                </a:rPr>
+                <a:t>joint_origin</a:t>
+              </a:r>
+              <a:r>
+                <a:rPr lang="en-US" sz="1000" dirty="0">
+                  <a:solidFill>
+                    <a:schemeClr val="tx1"/>
+                  </a:solidFill>
+                </a:rPr>
+                <a:t> : [3,]</a:t>
+              </a:r>
+            </a:p>
+            <a:p>
+              <a:pPr marL="285750" indent="-285750">
+                <a:buSzPct val="50000"/>
+                <a:buFont typeface="Arial" panose="020B0604020202020204" pitchFamily="34" charset="0"/>
+                <a:buChar char="•"/>
+              </a:pPr>
+              <a:r>
+                <a:rPr lang="en-US" sz="1000" dirty="0" err="1">
+                  <a:solidFill>
+                    <a:schemeClr val="tx1"/>
+                  </a:solidFill>
+                </a:rPr>
+                <a:t>joint_z</a:t>
+              </a:r>
+              <a:r>
+                <a:rPr lang="en-US" sz="1000" dirty="0">
+                  <a:solidFill>
+                    <a:schemeClr val="tx1"/>
+                  </a:solidFill>
+                </a:rPr>
+                <a:t> : [3,]</a:t>
+              </a:r>
+            </a:p>
+            <a:p>
+              <a:pPr marL="285750" indent="-285750">
+                <a:buSzPct val="50000"/>
+                <a:buFont typeface="Arial" panose="020B0604020202020204" pitchFamily="34" charset="0"/>
+                <a:buChar char="•"/>
+              </a:pPr>
+              <a:r>
+                <a:rPr lang="en-US" sz="1000" dirty="0" err="1">
+                  <a:solidFill>
+                    <a:schemeClr val="tx1"/>
+                  </a:solidFill>
+                </a:rPr>
+                <a:t>joint_contact_id</a:t>
+              </a:r>
+              <a:r>
+                <a:rPr lang="en-US" sz="1000" dirty="0">
+                  <a:solidFill>
+                    <a:schemeClr val="tx1"/>
+                  </a:solidFill>
+                </a:rPr>
+                <a:t> : int</a:t>
+              </a:r>
+            </a:p>
+            <a:p>
+              <a:pPr marL="285750" indent="-285750">
+                <a:buSzPct val="50000"/>
+                <a:buFont typeface="Arial" panose="020B0604020202020204" pitchFamily="34" charset="0"/>
+                <a:buChar char="•"/>
+              </a:pPr>
+              <a:r>
+                <a:rPr lang="en-US" sz="1000" dirty="0" err="1">
+                  <a:solidFill>
+                    <a:schemeClr val="tx1"/>
+                  </a:solidFill>
+                </a:rPr>
+                <a:t>joint_revolute</a:t>
+              </a:r>
+              <a:r>
+                <a:rPr lang="en-US" sz="1000" dirty="0">
+                  <a:solidFill>
+                    <a:schemeClr val="tx1"/>
+                  </a:solidFill>
+                </a:rPr>
+                <a:t> : bool</a:t>
+              </a:r>
+            </a:p>
+          </p:txBody>
+        </p:sp>
+        <p:sp>
+          <p:nvSpPr>
+            <p:cNvPr id="58" name="Rectangle 57">
+              <a:extLst>
+                <a:ext uri="{FF2B5EF4-FFF2-40B4-BE49-F238E27FC236}">
+                  <a16:creationId xmlns:a16="http://schemas.microsoft.com/office/drawing/2014/main" id="{71588ACF-AFAC-4C59-A2D7-D4159FD5B9BA}"/>
+                </a:ext>
+              </a:extLst>
+            </p:cNvPr>
+            <p:cNvSpPr/>
+            <p:nvPr/>
+          </p:nvSpPr>
+          <p:spPr>
+            <a:xfrm>
+              <a:off x="281365" y="3295875"/>
+              <a:ext cx="6062285" cy="253357"/>
+            </a:xfrm>
+            <a:prstGeom prst="rect">
+              <a:avLst/>
+            </a:prstGeom>
+            <a:solidFill>
+              <a:schemeClr val="bg1">
+                <a:lumMod val="85000"/>
+              </a:schemeClr>
+            </a:solidFill>
+            <a:ln w="28575">
+              <a:solidFill>
+                <a:schemeClr val="accent2"/>
+              </a:solidFill>
+            </a:ln>
+          </p:spPr>
+          <p:style>
+            <a:lnRef idx="2">
+              <a:schemeClr val="accent1">
+                <a:shade val="50000"/>
+              </a:schemeClr>
+            </a:lnRef>
+            <a:fillRef idx="1">
+              <a:schemeClr val="accent1"/>
+            </a:fillRef>
+            <a:effectRef idx="0">
+              <a:schemeClr val="accent1"/>
+            </a:effectRef>
+            <a:fontRef idx="minor">
+              <a:schemeClr val="lt1"/>
+            </a:fontRef>
+          </p:style>
+          <p:txBody>
+            <a:bodyPr rtlCol="0" anchor="t">
+              <a:noAutofit/>
+            </a:bodyPr>
+            <a:lstStyle/>
+            <a:p>
+              <a:pPr marL="285750" indent="-285750">
+                <a:buFont typeface="Arial" panose="020B0604020202020204" pitchFamily="34" charset="0"/>
+                <a:buChar char="•"/>
+              </a:pPr>
+              <a:r>
+                <a:rPr lang="en-US" sz="1000" dirty="0">
+                  <a:solidFill>
+                    <a:schemeClr val="tx1"/>
+                  </a:solidFill>
+                </a:rPr>
+                <a:t>Joint(</a:t>
+              </a:r>
+              <a:r>
+                <a:rPr lang="en-US" sz="1000" dirty="0" err="1">
+                  <a:solidFill>
+                    <a:schemeClr val="tx1"/>
+                  </a:solidFill>
+                </a:rPr>
+                <a:t>jointID</a:t>
+              </a:r>
+              <a:r>
+                <a:rPr lang="en-US" sz="1000" dirty="0">
+                  <a:solidFill>
+                    <a:schemeClr val="tx1"/>
+                  </a:solidFill>
+                </a:rPr>
+                <a:t> : int , </a:t>
+              </a:r>
+              <a:r>
+                <a:rPr lang="en-US" sz="1000" dirty="0" err="1">
+                  <a:solidFill>
+                    <a:schemeClr val="tx1"/>
+                  </a:solidFill>
+                </a:rPr>
+                <a:t>frameOrigin</a:t>
+              </a:r>
+              <a:r>
+                <a:rPr lang="en-US" sz="1000" dirty="0">
+                  <a:solidFill>
+                    <a:schemeClr val="tx1"/>
+                  </a:solidFill>
+                </a:rPr>
+                <a:t> : [3,] , </a:t>
+              </a:r>
+              <a:r>
+                <a:rPr lang="en-US" sz="1000" dirty="0" err="1">
+                  <a:solidFill>
+                    <a:schemeClr val="tx1"/>
+                  </a:solidFill>
+                </a:rPr>
+                <a:t>unitVectorZ</a:t>
+              </a:r>
+              <a:r>
+                <a:rPr lang="en-US" sz="1000" dirty="0">
+                  <a:solidFill>
+                    <a:schemeClr val="tx1"/>
+                  </a:solidFill>
+                </a:rPr>
+                <a:t> : [3,] , </a:t>
+              </a:r>
+              <a:r>
+                <a:rPr lang="en-US" sz="1000" dirty="0" err="1">
+                  <a:solidFill>
+                    <a:schemeClr val="tx1"/>
+                  </a:solidFill>
+                </a:rPr>
+                <a:t>affectedContactIndex</a:t>
+              </a:r>
+              <a:r>
+                <a:rPr lang="en-US" sz="1000" dirty="0">
+                  <a:solidFill>
+                    <a:schemeClr val="tx1"/>
+                  </a:solidFill>
+                </a:rPr>
+                <a:t> : id , revolute : bool = True)</a:t>
+              </a:r>
+            </a:p>
+          </p:txBody>
+        </p:sp>
+        <p:sp>
+          <p:nvSpPr>
+            <p:cNvPr id="59" name="Ellipse 106">
+              <a:extLst>
+                <a:ext uri="{FF2B5EF4-FFF2-40B4-BE49-F238E27FC236}">
+                  <a16:creationId xmlns:a16="http://schemas.microsoft.com/office/drawing/2014/main" id="{B5EEA38B-C2EB-4682-95C9-679C039914F0}"/>
+                </a:ext>
+              </a:extLst>
+            </p:cNvPr>
+            <p:cNvSpPr>
+              <a:spLocks noChangeAspect="1"/>
+            </p:cNvSpPr>
+            <p:nvPr/>
+          </p:nvSpPr>
+          <p:spPr>
+            <a:xfrm>
+              <a:off x="360469" y="2631371"/>
+              <a:ext cx="108000" cy="108000"/>
+            </a:xfrm>
+            <a:prstGeom prst="ellipse">
+              <a:avLst/>
+            </a:prstGeom>
+            <a:solidFill>
+              <a:schemeClr val="bg1">
+                <a:lumMod val="75000"/>
+              </a:schemeClr>
+            </a:solidFill>
+            <a:ln>
+              <a:solidFill>
+                <a:srgbClr val="00B050"/>
+              </a:solidFill>
+            </a:ln>
+          </p:spPr>
+          <p:style>
+            <a:lnRef idx="2">
+              <a:schemeClr val="accent1">
+                <a:shade val="50000"/>
+              </a:schemeClr>
+            </a:lnRef>
+            <a:fillRef idx="1">
+              <a:schemeClr val="accent1"/>
+            </a:fillRef>
+            <a:effectRef idx="0">
+              <a:schemeClr val="accent1"/>
+            </a:effectRef>
+            <a:fontRef idx="minor">
+              <a:schemeClr val="lt1"/>
+            </a:fontRef>
+          </p:style>
+          <p:txBody>
+            <a:bodyPr rtlCol="0" anchor="ctr"/>
+            <a:lstStyle/>
+            <a:p>
+              <a:pPr algn="ctr"/>
+              <a:endParaRPr lang="en-US" dirty="0"/>
+            </a:p>
+          </p:txBody>
+        </p:sp>
+        <p:sp>
+          <p:nvSpPr>
+            <p:cNvPr id="60" name="Ellipse 108">
+              <a:extLst>
+                <a:ext uri="{FF2B5EF4-FFF2-40B4-BE49-F238E27FC236}">
+                  <a16:creationId xmlns:a16="http://schemas.microsoft.com/office/drawing/2014/main" id="{9E5855CF-E106-47FB-9E83-C017A815D0BD}"/>
+                </a:ext>
+              </a:extLst>
+            </p:cNvPr>
+            <p:cNvSpPr>
+              <a:spLocks noChangeAspect="1"/>
+            </p:cNvSpPr>
+            <p:nvPr/>
+          </p:nvSpPr>
+          <p:spPr>
+            <a:xfrm>
+              <a:off x="357124" y="3362259"/>
+              <a:ext cx="108000" cy="108000"/>
+            </a:xfrm>
+            <a:prstGeom prst="ellipse">
+              <a:avLst/>
+            </a:prstGeom>
+            <a:solidFill>
+              <a:srgbClr val="92D050"/>
+            </a:solidFill>
+            <a:ln>
+              <a:solidFill>
+                <a:srgbClr val="00B050"/>
+              </a:solidFill>
+            </a:ln>
+          </p:spPr>
+          <p:style>
+            <a:lnRef idx="2">
+              <a:schemeClr val="accent1">
+                <a:shade val="50000"/>
+              </a:schemeClr>
+            </a:lnRef>
+            <a:fillRef idx="1">
+              <a:schemeClr val="accent1"/>
+            </a:fillRef>
+            <a:effectRef idx="0">
+              <a:schemeClr val="accent1"/>
+            </a:effectRef>
+            <a:fontRef idx="minor">
+              <a:schemeClr val="lt1"/>
+            </a:fontRef>
+          </p:style>
+          <p:txBody>
+            <a:bodyPr rtlCol="0" anchor="ctr"/>
+            <a:lstStyle/>
+            <a:p>
+              <a:pPr algn="ctr"/>
+              <a:endParaRPr lang="en-US" dirty="0"/>
+            </a:p>
+          </p:txBody>
+        </p:sp>
+        <p:sp>
+          <p:nvSpPr>
+            <p:cNvPr id="61" name="Ellipse 113">
+              <a:extLst>
+                <a:ext uri="{FF2B5EF4-FFF2-40B4-BE49-F238E27FC236}">
+                  <a16:creationId xmlns:a16="http://schemas.microsoft.com/office/drawing/2014/main" id="{CC35E662-ECF9-4749-A2E8-956F922658A8}"/>
+                </a:ext>
+              </a:extLst>
+            </p:cNvPr>
+            <p:cNvSpPr>
+              <a:spLocks noChangeAspect="1"/>
+            </p:cNvSpPr>
+            <p:nvPr/>
+          </p:nvSpPr>
+          <p:spPr>
+            <a:xfrm>
+              <a:off x="355140" y="2792344"/>
+              <a:ext cx="108000" cy="108000"/>
+            </a:xfrm>
+            <a:prstGeom prst="ellipse">
+              <a:avLst/>
+            </a:prstGeom>
+            <a:solidFill>
+              <a:schemeClr val="bg1">
+                <a:lumMod val="75000"/>
+              </a:schemeClr>
+            </a:solidFill>
+            <a:ln>
+              <a:solidFill>
+                <a:srgbClr val="00B050"/>
+              </a:solidFill>
+            </a:ln>
+          </p:spPr>
+          <p:style>
+            <a:lnRef idx="2">
+              <a:schemeClr val="accent1">
+                <a:shade val="50000"/>
+              </a:schemeClr>
+            </a:lnRef>
+            <a:fillRef idx="1">
+              <a:schemeClr val="accent1"/>
+            </a:fillRef>
+            <a:effectRef idx="0">
+              <a:schemeClr val="accent1"/>
+            </a:effectRef>
+            <a:fontRef idx="minor">
+              <a:schemeClr val="lt1"/>
+            </a:fontRef>
+          </p:style>
+          <p:txBody>
+            <a:bodyPr rtlCol="0" anchor="ctr"/>
+            <a:lstStyle/>
+            <a:p>
+              <a:pPr algn="ctr"/>
+              <a:endParaRPr lang="en-US" dirty="0"/>
+            </a:p>
+          </p:txBody>
+        </p:sp>
+        <p:sp>
+          <p:nvSpPr>
+            <p:cNvPr id="62" name="Ellipse 114">
+              <a:extLst>
+                <a:ext uri="{FF2B5EF4-FFF2-40B4-BE49-F238E27FC236}">
+                  <a16:creationId xmlns:a16="http://schemas.microsoft.com/office/drawing/2014/main" id="{22A0E68E-C863-4E89-93A4-79C570ADDD32}"/>
+                </a:ext>
+              </a:extLst>
+            </p:cNvPr>
+            <p:cNvSpPr>
+              <a:spLocks noChangeAspect="1"/>
+            </p:cNvSpPr>
+            <p:nvPr/>
+          </p:nvSpPr>
+          <p:spPr>
+            <a:xfrm>
+              <a:off x="355140" y="2935094"/>
+              <a:ext cx="108000" cy="108000"/>
+            </a:xfrm>
+            <a:prstGeom prst="ellipse">
+              <a:avLst/>
+            </a:prstGeom>
+            <a:solidFill>
+              <a:schemeClr val="bg1">
+                <a:lumMod val="75000"/>
+              </a:schemeClr>
+            </a:solidFill>
+            <a:ln>
+              <a:solidFill>
+                <a:srgbClr val="00B050"/>
+              </a:solidFill>
+            </a:ln>
+          </p:spPr>
+          <p:style>
+            <a:lnRef idx="2">
+              <a:schemeClr val="accent1">
+                <a:shade val="50000"/>
+              </a:schemeClr>
+            </a:lnRef>
+            <a:fillRef idx="1">
+              <a:schemeClr val="accent1"/>
+            </a:fillRef>
+            <a:effectRef idx="0">
+              <a:schemeClr val="accent1"/>
+            </a:effectRef>
+            <a:fontRef idx="minor">
+              <a:schemeClr val="lt1"/>
+            </a:fontRef>
+          </p:style>
+          <p:txBody>
+            <a:bodyPr rtlCol="0" anchor="ctr"/>
+            <a:lstStyle/>
+            <a:p>
+              <a:pPr algn="ctr"/>
+              <a:endParaRPr lang="en-US" dirty="0"/>
+            </a:p>
+          </p:txBody>
+        </p:sp>
+        <p:sp>
+          <p:nvSpPr>
+            <p:cNvPr id="63" name="Ellipse 115">
+              <a:extLst>
+                <a:ext uri="{FF2B5EF4-FFF2-40B4-BE49-F238E27FC236}">
+                  <a16:creationId xmlns:a16="http://schemas.microsoft.com/office/drawing/2014/main" id="{B82117E8-F5F8-46B8-A5AF-4EB9C2094881}"/>
+                </a:ext>
+              </a:extLst>
+            </p:cNvPr>
+            <p:cNvSpPr>
+              <a:spLocks noChangeAspect="1"/>
+            </p:cNvSpPr>
+            <p:nvPr/>
+          </p:nvSpPr>
+          <p:spPr>
+            <a:xfrm>
+              <a:off x="355488" y="3089088"/>
+              <a:ext cx="108000" cy="108000"/>
+            </a:xfrm>
+            <a:prstGeom prst="ellipse">
+              <a:avLst/>
+            </a:prstGeom>
+            <a:solidFill>
+              <a:schemeClr val="bg1">
+                <a:lumMod val="75000"/>
+              </a:schemeClr>
+            </a:solidFill>
+            <a:ln>
+              <a:solidFill>
+                <a:srgbClr val="00B050"/>
+              </a:solidFill>
+            </a:ln>
+          </p:spPr>
+          <p:style>
+            <a:lnRef idx="2">
+              <a:schemeClr val="accent1">
+                <a:shade val="50000"/>
+              </a:schemeClr>
+            </a:lnRef>
+            <a:fillRef idx="1">
+              <a:schemeClr val="accent1"/>
+            </a:fillRef>
+            <a:effectRef idx="0">
+              <a:schemeClr val="accent1"/>
+            </a:effectRef>
+            <a:fontRef idx="minor">
+              <a:schemeClr val="lt1"/>
+            </a:fontRef>
+          </p:style>
+          <p:txBody>
+            <a:bodyPr rtlCol="0" anchor="ctr"/>
+            <a:lstStyle/>
+            <a:p>
+              <a:pPr algn="ctr"/>
+              <a:endParaRPr lang="en-US" dirty="0"/>
+            </a:p>
+          </p:txBody>
+        </p:sp>
+        <p:sp>
+          <p:nvSpPr>
+            <p:cNvPr id="64" name="Ellipse 116">
+              <a:extLst>
+                <a:ext uri="{FF2B5EF4-FFF2-40B4-BE49-F238E27FC236}">
+                  <a16:creationId xmlns:a16="http://schemas.microsoft.com/office/drawing/2014/main" id="{97C0D17B-996F-4A8E-82AB-51AEEDB9CA70}"/>
+                </a:ext>
+              </a:extLst>
+            </p:cNvPr>
+            <p:cNvSpPr>
+              <a:spLocks noChangeAspect="1"/>
+            </p:cNvSpPr>
+            <p:nvPr/>
+          </p:nvSpPr>
+          <p:spPr>
+            <a:xfrm>
+              <a:off x="367626" y="2487363"/>
+              <a:ext cx="108000" cy="108000"/>
+            </a:xfrm>
+            <a:prstGeom prst="ellipse">
+              <a:avLst/>
+            </a:prstGeom>
+            <a:solidFill>
+              <a:schemeClr val="bg1">
+                <a:lumMod val="75000"/>
+              </a:schemeClr>
+            </a:solidFill>
+            <a:ln>
+              <a:solidFill>
+                <a:srgbClr val="00B050"/>
+              </a:solidFill>
+            </a:ln>
+          </p:spPr>
+          <p:style>
+            <a:lnRef idx="2">
+              <a:schemeClr val="accent1">
+                <a:shade val="50000"/>
+              </a:schemeClr>
+            </a:lnRef>
+            <a:fillRef idx="1">
+              <a:schemeClr val="accent1"/>
+            </a:fillRef>
+            <a:effectRef idx="0">
+              <a:schemeClr val="accent1"/>
+            </a:effectRef>
+            <a:fontRef idx="minor">
+              <a:schemeClr val="lt1"/>
+            </a:fontRef>
+          </p:style>
+          <p:txBody>
+            <a:bodyPr rtlCol="0" anchor="ctr"/>
+            <a:lstStyle/>
+            <a:p>
+              <a:pPr algn="ctr"/>
+              <a:endParaRPr lang="en-US" dirty="0"/>
+            </a:p>
+          </p:txBody>
+        </p:sp>
+      </p:grpSp>
+      <p:grpSp>
+        <p:nvGrpSpPr>
+          <p:cNvPr id="65" name="Groupe 117">
+            <a:extLst>
+              <a:ext uri="{FF2B5EF4-FFF2-40B4-BE49-F238E27FC236}">
+                <a16:creationId xmlns:a16="http://schemas.microsoft.com/office/drawing/2014/main" id="{350B3AE2-CD8A-4665-83BD-E05E34C08D36}"/>
+              </a:ext>
+            </a:extLst>
+          </p:cNvPr>
+          <p:cNvGrpSpPr/>
+          <p:nvPr/>
+        </p:nvGrpSpPr>
+        <p:grpSpPr>
+          <a:xfrm>
+            <a:off x="333182" y="1859990"/>
+            <a:ext cx="6062286" cy="965380"/>
+            <a:chOff x="281364" y="2079643"/>
+            <a:chExt cx="6062286" cy="965380"/>
+          </a:xfrm>
+        </p:grpSpPr>
+        <p:sp>
+          <p:nvSpPr>
+            <p:cNvPr id="66" name="Rectangle 65">
+              <a:extLst>
+                <a:ext uri="{FF2B5EF4-FFF2-40B4-BE49-F238E27FC236}">
+                  <a16:creationId xmlns:a16="http://schemas.microsoft.com/office/drawing/2014/main" id="{F0A69047-F031-493B-B723-1ECF78B5CFB9}"/>
+                </a:ext>
+              </a:extLst>
+            </p:cNvPr>
+            <p:cNvSpPr/>
+            <p:nvPr/>
+          </p:nvSpPr>
+          <p:spPr>
+            <a:xfrm>
+              <a:off x="281364" y="2079643"/>
+              <a:ext cx="6062286" cy="339688"/>
+            </a:xfrm>
+            <a:prstGeom prst="rect">
+              <a:avLst/>
+            </a:prstGeom>
+            <a:solidFill>
+              <a:schemeClr val="bg1">
+                <a:lumMod val="85000"/>
+              </a:schemeClr>
+            </a:solidFill>
+            <a:ln w="28575">
+              <a:solidFill>
+                <a:schemeClr val="accent2"/>
+              </a:solidFill>
+            </a:ln>
+          </p:spPr>
+          <p:style>
+            <a:lnRef idx="2">
+              <a:schemeClr val="accent1">
+                <a:shade val="50000"/>
+              </a:schemeClr>
+            </a:lnRef>
+            <a:fillRef idx="1">
+              <a:schemeClr val="accent1"/>
+            </a:fillRef>
+            <a:effectRef idx="0">
+              <a:schemeClr val="accent1"/>
+            </a:effectRef>
+            <a:fontRef idx="minor">
+              <a:schemeClr val="lt1"/>
+            </a:fontRef>
+          </p:style>
+          <p:txBody>
+            <a:bodyPr rtlCol="0" anchor="ctr">
+              <a:noAutofit/>
+            </a:bodyPr>
+            <a:lstStyle/>
+            <a:p>
+              <a:pPr algn="ctr"/>
+              <a:r>
+                <a:rPr lang="en-US" sz="1400" dirty="0">
+                  <a:solidFill>
+                    <a:schemeClr val="tx1"/>
+                  </a:solidFill>
+                </a:rPr>
+                <a:t>Finger</a:t>
+              </a:r>
+            </a:p>
+          </p:txBody>
+        </p:sp>
+        <p:sp>
+          <p:nvSpPr>
+            <p:cNvPr id="67" name="Rectangle 66">
+              <a:extLst>
+                <a:ext uri="{FF2B5EF4-FFF2-40B4-BE49-F238E27FC236}">
+                  <a16:creationId xmlns:a16="http://schemas.microsoft.com/office/drawing/2014/main" id="{C5387079-15FD-4663-BB8A-3BEFE3237EF9}"/>
+                </a:ext>
+              </a:extLst>
+            </p:cNvPr>
+            <p:cNvSpPr/>
+            <p:nvPr/>
+          </p:nvSpPr>
+          <p:spPr>
+            <a:xfrm>
+              <a:off x="281364" y="2419332"/>
+              <a:ext cx="6062286" cy="392965"/>
+            </a:xfrm>
+            <a:prstGeom prst="rect">
+              <a:avLst/>
+            </a:prstGeom>
+            <a:solidFill>
+              <a:schemeClr val="bg1">
+                <a:lumMod val="85000"/>
+              </a:schemeClr>
+            </a:solidFill>
+            <a:ln w="28575">
+              <a:solidFill>
+                <a:schemeClr val="accent2"/>
+              </a:solidFill>
+            </a:ln>
+          </p:spPr>
+          <p:style>
+            <a:lnRef idx="2">
+              <a:schemeClr val="accent1">
+                <a:shade val="50000"/>
+              </a:schemeClr>
+            </a:lnRef>
+            <a:fillRef idx="1">
+              <a:schemeClr val="accent1"/>
+            </a:fillRef>
+            <a:effectRef idx="0">
+              <a:schemeClr val="accent1"/>
+            </a:effectRef>
+            <a:fontRef idx="minor">
+              <a:schemeClr val="lt1"/>
+            </a:fontRef>
+          </p:style>
+          <p:txBody>
+            <a:bodyPr rtlCol="0" anchor="t">
+              <a:noAutofit/>
+            </a:bodyPr>
+            <a:lstStyle/>
+            <a:p>
+              <a:pPr marL="285750" indent="-285750">
+                <a:buSzPct val="50000"/>
+                <a:buFont typeface="Arial" panose="020B0604020202020204" pitchFamily="34" charset="0"/>
+                <a:buChar char="•"/>
+              </a:pPr>
+              <a:r>
+                <a:rPr lang="en-US" sz="1000" dirty="0" err="1">
+                  <a:solidFill>
+                    <a:schemeClr val="tx1"/>
+                  </a:solidFill>
+                </a:rPr>
+                <a:t>finger_id</a:t>
+              </a:r>
+              <a:r>
+                <a:rPr lang="en-US" sz="1000" dirty="0">
+                  <a:solidFill>
+                    <a:schemeClr val="tx1"/>
+                  </a:solidFill>
+                </a:rPr>
+                <a:t> : int</a:t>
+              </a:r>
+            </a:p>
+            <a:p>
+              <a:pPr marL="285750" indent="-285750">
+                <a:buSzPct val="50000"/>
+                <a:buFont typeface="Arial" panose="020B0604020202020204" pitchFamily="34" charset="0"/>
+                <a:buChar char="•"/>
+              </a:pPr>
+              <a:r>
+                <a:rPr lang="en-US" sz="1000" dirty="0" err="1">
+                  <a:solidFill>
+                    <a:schemeClr val="tx1"/>
+                  </a:solidFill>
+                </a:rPr>
+                <a:t>finger_joints</a:t>
+              </a:r>
+              <a:r>
+                <a:rPr lang="en-US" sz="1000" dirty="0">
+                  <a:solidFill>
+                    <a:schemeClr val="tx1"/>
+                  </a:solidFill>
+                </a:rPr>
+                <a:t> : [#,](Joint)</a:t>
+              </a:r>
+            </a:p>
+          </p:txBody>
+        </p:sp>
+        <p:sp>
+          <p:nvSpPr>
+            <p:cNvPr id="68" name="Rectangle 67">
+              <a:extLst>
+                <a:ext uri="{FF2B5EF4-FFF2-40B4-BE49-F238E27FC236}">
+                  <a16:creationId xmlns:a16="http://schemas.microsoft.com/office/drawing/2014/main" id="{9638408A-1F2E-4DA5-9A48-DAB9A93C3421}"/>
+                </a:ext>
+              </a:extLst>
+            </p:cNvPr>
+            <p:cNvSpPr/>
+            <p:nvPr/>
+          </p:nvSpPr>
+          <p:spPr>
+            <a:xfrm>
+              <a:off x="281365" y="2791666"/>
+              <a:ext cx="6062285" cy="253357"/>
+            </a:xfrm>
+            <a:prstGeom prst="rect">
+              <a:avLst/>
+            </a:prstGeom>
+            <a:solidFill>
+              <a:schemeClr val="bg1">
+                <a:lumMod val="85000"/>
+              </a:schemeClr>
+            </a:solidFill>
+            <a:ln w="28575">
+              <a:solidFill>
+                <a:schemeClr val="accent2"/>
+              </a:solidFill>
+            </a:ln>
+          </p:spPr>
+          <p:style>
+            <a:lnRef idx="2">
+              <a:schemeClr val="accent1">
+                <a:shade val="50000"/>
+              </a:schemeClr>
+            </a:lnRef>
+            <a:fillRef idx="1">
+              <a:schemeClr val="accent1"/>
+            </a:fillRef>
+            <a:effectRef idx="0">
+              <a:schemeClr val="accent1"/>
+            </a:effectRef>
+            <a:fontRef idx="minor">
+              <a:schemeClr val="lt1"/>
+            </a:fontRef>
+          </p:style>
+          <p:txBody>
+            <a:bodyPr rtlCol="0" anchor="t">
+              <a:noAutofit/>
+            </a:bodyPr>
+            <a:lstStyle/>
+            <a:p>
+              <a:pPr marL="285750" indent="-285750">
+                <a:buFont typeface="Arial" panose="020B0604020202020204" pitchFamily="34" charset="0"/>
+                <a:buChar char="•"/>
+              </a:pPr>
+              <a:r>
+                <a:rPr lang="en-US" sz="1000" dirty="0">
+                  <a:solidFill>
+                    <a:schemeClr val="tx1"/>
+                  </a:solidFill>
+                </a:rPr>
+                <a:t>Joint(</a:t>
+              </a:r>
+              <a:r>
+                <a:rPr lang="en-US" sz="1000" dirty="0" err="1">
+                  <a:solidFill>
+                    <a:schemeClr val="tx1"/>
+                  </a:solidFill>
+                </a:rPr>
+                <a:t>fingerID</a:t>
+              </a:r>
+              <a:r>
+                <a:rPr lang="en-US" sz="1000" dirty="0">
+                  <a:solidFill>
+                    <a:schemeClr val="tx1"/>
+                  </a:solidFill>
+                </a:rPr>
+                <a:t> : int , joints : [#,](Joint))</a:t>
+              </a:r>
+            </a:p>
+          </p:txBody>
+        </p:sp>
+        <p:sp>
+          <p:nvSpPr>
+            <p:cNvPr id="69" name="Ellipse 121">
+              <a:extLst>
+                <a:ext uri="{FF2B5EF4-FFF2-40B4-BE49-F238E27FC236}">
+                  <a16:creationId xmlns:a16="http://schemas.microsoft.com/office/drawing/2014/main" id="{458B1FC5-A7BB-48A4-AE8F-982A60FC827B}"/>
+                </a:ext>
+              </a:extLst>
+            </p:cNvPr>
+            <p:cNvSpPr>
+              <a:spLocks noChangeAspect="1"/>
+            </p:cNvSpPr>
+            <p:nvPr/>
+          </p:nvSpPr>
+          <p:spPr>
+            <a:xfrm>
+              <a:off x="360469" y="2631371"/>
+              <a:ext cx="108000" cy="108000"/>
+            </a:xfrm>
+            <a:prstGeom prst="ellipse">
+              <a:avLst/>
+            </a:prstGeom>
+            <a:solidFill>
+              <a:schemeClr val="bg1">
+                <a:lumMod val="75000"/>
+              </a:schemeClr>
+            </a:solidFill>
+            <a:ln>
+              <a:solidFill>
+                <a:srgbClr val="00B050"/>
+              </a:solidFill>
+            </a:ln>
+          </p:spPr>
+          <p:style>
+            <a:lnRef idx="2">
+              <a:schemeClr val="accent1">
+                <a:shade val="50000"/>
+              </a:schemeClr>
+            </a:lnRef>
+            <a:fillRef idx="1">
+              <a:schemeClr val="accent1"/>
+            </a:fillRef>
+            <a:effectRef idx="0">
+              <a:schemeClr val="accent1"/>
+            </a:effectRef>
+            <a:fontRef idx="minor">
+              <a:schemeClr val="lt1"/>
+            </a:fontRef>
+          </p:style>
+          <p:txBody>
+            <a:bodyPr rtlCol="0" anchor="ctr"/>
+            <a:lstStyle/>
+            <a:p>
+              <a:pPr algn="ctr"/>
+              <a:endParaRPr lang="en-US" dirty="0"/>
+            </a:p>
+          </p:txBody>
+        </p:sp>
+        <p:sp>
+          <p:nvSpPr>
+            <p:cNvPr id="70" name="Ellipse 122">
+              <a:extLst>
+                <a:ext uri="{FF2B5EF4-FFF2-40B4-BE49-F238E27FC236}">
+                  <a16:creationId xmlns:a16="http://schemas.microsoft.com/office/drawing/2014/main" id="{0130F300-FF97-4198-AE4C-0B86A5D3AF03}"/>
+                </a:ext>
+              </a:extLst>
+            </p:cNvPr>
+            <p:cNvSpPr>
+              <a:spLocks noChangeAspect="1"/>
+            </p:cNvSpPr>
+            <p:nvPr/>
+          </p:nvSpPr>
+          <p:spPr>
+            <a:xfrm>
+              <a:off x="355140" y="2857823"/>
+              <a:ext cx="108000" cy="108000"/>
+            </a:xfrm>
+            <a:prstGeom prst="ellipse">
+              <a:avLst/>
+            </a:prstGeom>
+            <a:solidFill>
+              <a:srgbClr val="92D050"/>
+            </a:solidFill>
+            <a:ln>
+              <a:solidFill>
+                <a:srgbClr val="00B050"/>
+              </a:solidFill>
+            </a:ln>
+          </p:spPr>
+          <p:style>
+            <a:lnRef idx="2">
+              <a:schemeClr val="accent1">
+                <a:shade val="50000"/>
+              </a:schemeClr>
+            </a:lnRef>
+            <a:fillRef idx="1">
+              <a:schemeClr val="accent1"/>
+            </a:fillRef>
+            <a:effectRef idx="0">
+              <a:schemeClr val="accent1"/>
+            </a:effectRef>
+            <a:fontRef idx="minor">
+              <a:schemeClr val="lt1"/>
+            </a:fontRef>
+          </p:style>
+          <p:txBody>
+            <a:bodyPr rtlCol="0" anchor="ctr"/>
+            <a:lstStyle/>
+            <a:p>
+              <a:pPr algn="ctr"/>
+              <a:endParaRPr lang="en-US" dirty="0"/>
+            </a:p>
+          </p:txBody>
+        </p:sp>
+        <p:sp>
+          <p:nvSpPr>
+            <p:cNvPr id="71" name="Ellipse 126">
+              <a:extLst>
+                <a:ext uri="{FF2B5EF4-FFF2-40B4-BE49-F238E27FC236}">
+                  <a16:creationId xmlns:a16="http://schemas.microsoft.com/office/drawing/2014/main" id="{7EDA0B98-1F9D-452B-B63B-830977963493}"/>
+                </a:ext>
+              </a:extLst>
+            </p:cNvPr>
+            <p:cNvSpPr>
+              <a:spLocks noChangeAspect="1"/>
+            </p:cNvSpPr>
+            <p:nvPr/>
+          </p:nvSpPr>
+          <p:spPr>
+            <a:xfrm>
+              <a:off x="357667" y="2477845"/>
+              <a:ext cx="108000" cy="108000"/>
+            </a:xfrm>
+            <a:prstGeom prst="ellipse">
+              <a:avLst/>
+            </a:prstGeom>
+            <a:solidFill>
+              <a:schemeClr val="bg1">
+                <a:lumMod val="75000"/>
+              </a:schemeClr>
+            </a:solidFill>
+            <a:ln>
+              <a:solidFill>
+                <a:srgbClr val="00B050"/>
+              </a:solidFill>
+            </a:ln>
+          </p:spPr>
+          <p:style>
+            <a:lnRef idx="2">
+              <a:schemeClr val="accent1">
+                <a:shade val="50000"/>
+              </a:schemeClr>
+            </a:lnRef>
+            <a:fillRef idx="1">
+              <a:schemeClr val="accent1"/>
+            </a:fillRef>
+            <a:effectRef idx="0">
+              <a:schemeClr val="accent1"/>
+            </a:effectRef>
+            <a:fontRef idx="minor">
+              <a:schemeClr val="lt1"/>
+            </a:fontRef>
+          </p:style>
+          <p:txBody>
+            <a:bodyPr rtlCol="0" anchor="ctr"/>
+            <a:lstStyle/>
+            <a:p>
+              <a:pPr algn="ctr"/>
+              <a:endParaRPr lang="en-US" dirty="0"/>
+            </a:p>
+          </p:txBody>
+        </p:sp>
+      </p:grpSp>
+    </p:spTree>
+    <p:extLst>
+      <p:ext uri="{BB962C8B-B14F-4D97-AF65-F5344CB8AC3E}">
+        <p14:creationId xmlns:p14="http://schemas.microsoft.com/office/powerpoint/2010/main" val="1863532876"/>
+      </p:ext>
+    </p:extLst>
+  </p:cSld>
+  <p:clrMapOvr>
+    <a:masterClrMapping/>
+  </p:clrMapOvr>
+</p:sld>
+</file>
+
+<file path=ppt/slides/slide4.xml><?xml version="1.0" encoding="utf-8"?>
+<p:sld xmlns:a="http://schemas.openxmlformats.org/drawingml/2006/main" xmlns:r="http://schemas.openxmlformats.org/officeDocument/2006/relationships" xmlns:p="http://schemas.openxmlformats.org/presentationml/2006/main">
+  <p:cSld>
+    <p:spTree>
+      <p:nvGrpSpPr>
+        <p:cNvPr id="1" name=""/>
+        <p:cNvGrpSpPr/>
+        <p:nvPr/>
+      </p:nvGrpSpPr>
+      <p:grpSpPr>
+        <a:xfrm>
+          <a:off x="0" y="0"/>
+          <a:ext cx="0" cy="0"/>
+          <a:chOff x="0" y="0"/>
+          <a:chExt cx="0" cy="0"/>
+        </a:xfrm>
+      </p:grpSpPr>
+      <p:sp>
+        <p:nvSpPr>
+          <p:cNvPr id="2" name="Slide Number Placeholder 1">
+            <a:extLst>
+              <a:ext uri="{FF2B5EF4-FFF2-40B4-BE49-F238E27FC236}">
+                <a16:creationId xmlns:a16="http://schemas.microsoft.com/office/drawing/2014/main" id="{3CC34101-9202-41F3-87EC-3287FE7DA9C3}"/>
+              </a:ext>
+            </a:extLst>
+          </p:cNvPr>
+          <p:cNvSpPr>
+            <a:spLocks noGrp="1"/>
+          </p:cNvSpPr>
+          <p:nvPr>
+            <p:ph type="sldNum" sz="quarter" idx="12"/>
+          </p:nvPr>
+        </p:nvSpPr>
+        <p:spPr/>
+        <p:txBody>
+          <a:bodyPr/>
+          <a:lstStyle/>
+          <a:p>
+            <a:fld id="{8A7A6979-0714-4377-B894-6BE4C2D6E202}" type="slidenum">
+              <a:rPr lang="en-US" smtClean="0"/>
+              <a:pPr/>
+              <a:t>4</a:t>
+            </a:fld>
+            <a:endParaRPr lang="en-US" dirty="0"/>
+          </a:p>
+        </p:txBody>
+      </p:sp>
+      <p:pic>
+        <p:nvPicPr>
+          <p:cNvPr id="5" name="Google Shape;137;p23">
+            <a:extLst>
+              <a:ext uri="{FF2B5EF4-FFF2-40B4-BE49-F238E27FC236}">
+                <a16:creationId xmlns:a16="http://schemas.microsoft.com/office/drawing/2014/main" id="{0FA76D97-6A41-4C2F-A0BF-422928648326}"/>
+              </a:ext>
+            </a:extLst>
+          </p:cNvPr>
+          <p:cNvPicPr preferRelativeResize="0"/>
+          <p:nvPr/>
+        </p:nvPicPr>
+        <p:blipFill>
+          <a:blip r:embed="rId2">
+            <a:alphaModFix/>
+          </a:blip>
+          <a:stretch>
+            <a:fillRect/>
+          </a:stretch>
+        </p:blipFill>
+        <p:spPr>
+          <a:xfrm>
+            <a:off x="1297533" y="5715635"/>
+            <a:ext cx="2588040" cy="831200"/>
+          </a:xfrm>
+          <a:prstGeom prst="rect">
+            <a:avLst/>
+          </a:prstGeom>
+          <a:noFill/>
+          <a:ln>
+            <a:noFill/>
+          </a:ln>
+        </p:spPr>
+      </p:pic>
+      <p:pic>
+        <p:nvPicPr>
+          <p:cNvPr id="6" name="Google Shape;138;p23">
+            <a:extLst>
+              <a:ext uri="{FF2B5EF4-FFF2-40B4-BE49-F238E27FC236}">
+                <a16:creationId xmlns:a16="http://schemas.microsoft.com/office/drawing/2014/main" id="{579BF8CE-86C3-41C8-B9CF-A40EE8AE027D}"/>
+              </a:ext>
+            </a:extLst>
+          </p:cNvPr>
+          <p:cNvPicPr preferRelativeResize="0"/>
+          <p:nvPr/>
+        </p:nvPicPr>
+        <p:blipFill>
+          <a:blip r:embed="rId3">
+            <a:alphaModFix/>
+          </a:blip>
+          <a:stretch>
+            <a:fillRect/>
+          </a:stretch>
+        </p:blipFill>
+        <p:spPr>
+          <a:xfrm>
+            <a:off x="4751148" y="5604916"/>
+            <a:ext cx="3908899" cy="1052633"/>
+          </a:xfrm>
+          <a:prstGeom prst="rect">
+            <a:avLst/>
+          </a:prstGeom>
+          <a:noFill/>
+          <a:ln>
+            <a:noFill/>
+          </a:ln>
+        </p:spPr>
+      </p:pic>
+      <p:pic>
+        <p:nvPicPr>
+          <p:cNvPr id="7" name="Google Shape;139;p23">
+            <a:extLst>
+              <a:ext uri="{FF2B5EF4-FFF2-40B4-BE49-F238E27FC236}">
+                <a16:creationId xmlns:a16="http://schemas.microsoft.com/office/drawing/2014/main" id="{5E23AD05-E4D0-4200-95F0-4CA106E82024}"/>
+              </a:ext>
+            </a:extLst>
+          </p:cNvPr>
+          <p:cNvPicPr preferRelativeResize="0"/>
+          <p:nvPr/>
+        </p:nvPicPr>
+        <p:blipFill>
+          <a:blip r:embed="rId4">
+            <a:alphaModFix/>
+          </a:blip>
+          <a:stretch>
+            <a:fillRect/>
+          </a:stretch>
+        </p:blipFill>
+        <p:spPr>
+          <a:xfrm>
+            <a:off x="270967" y="4329301"/>
+            <a:ext cx="4733367" cy="582567"/>
+          </a:xfrm>
+          <a:prstGeom prst="rect">
+            <a:avLst/>
+          </a:prstGeom>
+          <a:noFill/>
+          <a:ln>
+            <a:noFill/>
+          </a:ln>
+        </p:spPr>
+      </p:pic>
+      <p:pic>
+        <p:nvPicPr>
+          <p:cNvPr id="8" name="Google Shape;140;p23">
+            <a:extLst>
+              <a:ext uri="{FF2B5EF4-FFF2-40B4-BE49-F238E27FC236}">
+                <a16:creationId xmlns:a16="http://schemas.microsoft.com/office/drawing/2014/main" id="{547FBBE3-C289-4031-8BB4-65C9E58DCC6A}"/>
+              </a:ext>
+            </a:extLst>
+          </p:cNvPr>
+          <p:cNvPicPr preferRelativeResize="0"/>
+          <p:nvPr/>
+        </p:nvPicPr>
+        <p:blipFill rotWithShape="1">
+          <a:blip r:embed="rId5">
+            <a:alphaModFix/>
+          </a:blip>
+          <a:srcRect t="19756"/>
+          <a:stretch/>
+        </p:blipFill>
+        <p:spPr>
+          <a:xfrm>
+            <a:off x="415592" y="2353151"/>
+            <a:ext cx="2767809" cy="582567"/>
+          </a:xfrm>
+          <a:prstGeom prst="rect">
+            <a:avLst/>
+          </a:prstGeom>
+          <a:noFill/>
+          <a:ln>
+            <a:noFill/>
+          </a:ln>
+        </p:spPr>
+      </p:pic>
+      <p:pic>
+        <p:nvPicPr>
+          <p:cNvPr id="9" name="Google Shape;141;p23">
+            <a:extLst>
+              <a:ext uri="{FF2B5EF4-FFF2-40B4-BE49-F238E27FC236}">
+                <a16:creationId xmlns:a16="http://schemas.microsoft.com/office/drawing/2014/main" id="{4E7DDDAC-C7F3-4B60-A30A-2D86B35D94F8}"/>
+              </a:ext>
+            </a:extLst>
+          </p:cNvPr>
+          <p:cNvPicPr preferRelativeResize="0"/>
+          <p:nvPr/>
+        </p:nvPicPr>
+        <p:blipFill>
+          <a:blip r:embed="rId6">
+            <a:alphaModFix/>
+          </a:blip>
+          <a:stretch>
+            <a:fillRect/>
+          </a:stretch>
+        </p:blipFill>
+        <p:spPr>
+          <a:xfrm>
+            <a:off x="3548367" y="2044230"/>
+            <a:ext cx="1543400" cy="1200405"/>
+          </a:xfrm>
+          <a:prstGeom prst="rect">
+            <a:avLst/>
+          </a:prstGeom>
+          <a:noFill/>
+          <a:ln>
+            <a:noFill/>
+          </a:ln>
+        </p:spPr>
+      </p:pic>
+      <p:pic>
+        <p:nvPicPr>
+          <p:cNvPr id="10" name="Google Shape;142;p23">
+            <a:extLst>
+              <a:ext uri="{FF2B5EF4-FFF2-40B4-BE49-F238E27FC236}">
+                <a16:creationId xmlns:a16="http://schemas.microsoft.com/office/drawing/2014/main" id="{67AE9CFB-2A78-49B1-AF72-1188AA142698}"/>
+              </a:ext>
+            </a:extLst>
+          </p:cNvPr>
+          <p:cNvPicPr preferRelativeResize="0"/>
+          <p:nvPr/>
+        </p:nvPicPr>
+        <p:blipFill rotWithShape="1">
+          <a:blip r:embed="rId7">
+            <a:alphaModFix/>
+          </a:blip>
+          <a:srcRect l="7518" t="18009" b="18283"/>
+          <a:stretch/>
+        </p:blipFill>
+        <p:spPr>
+          <a:xfrm>
+            <a:off x="5703667" y="2391634"/>
+            <a:ext cx="2031933" cy="582567"/>
+          </a:xfrm>
+          <a:prstGeom prst="rect">
+            <a:avLst/>
+          </a:prstGeom>
+          <a:noFill/>
+          <a:ln>
+            <a:noFill/>
+          </a:ln>
+        </p:spPr>
+      </p:pic>
+      <p:pic>
+        <p:nvPicPr>
+          <p:cNvPr id="11" name="Google Shape;143;p23">
+            <a:extLst>
+              <a:ext uri="{FF2B5EF4-FFF2-40B4-BE49-F238E27FC236}">
+                <a16:creationId xmlns:a16="http://schemas.microsoft.com/office/drawing/2014/main" id="{60367534-31CB-46B6-A0BF-D42FF0842095}"/>
+              </a:ext>
+            </a:extLst>
+          </p:cNvPr>
+          <p:cNvPicPr preferRelativeResize="0"/>
+          <p:nvPr/>
+        </p:nvPicPr>
+        <p:blipFill rotWithShape="1">
+          <a:blip r:embed="rId8">
+            <a:alphaModFix/>
+          </a:blip>
+          <a:srcRect l="2448" t="11090" b="8075"/>
+          <a:stretch/>
+        </p:blipFill>
+        <p:spPr>
+          <a:xfrm>
+            <a:off x="4765185" y="3450767"/>
+            <a:ext cx="3908900" cy="671867"/>
+          </a:xfrm>
+          <a:prstGeom prst="rect">
+            <a:avLst/>
+          </a:prstGeom>
+          <a:noFill/>
+          <a:ln>
+            <a:noFill/>
+          </a:ln>
+        </p:spPr>
+      </p:pic>
+      <p:pic>
+        <p:nvPicPr>
+          <p:cNvPr id="12" name="Google Shape;144;p23">
+            <a:extLst>
+              <a:ext uri="{FF2B5EF4-FFF2-40B4-BE49-F238E27FC236}">
+                <a16:creationId xmlns:a16="http://schemas.microsoft.com/office/drawing/2014/main" id="{B20BF19E-10D4-4168-933C-0A4DEE796A71}"/>
+              </a:ext>
+            </a:extLst>
+          </p:cNvPr>
+          <p:cNvPicPr preferRelativeResize="0"/>
+          <p:nvPr/>
+        </p:nvPicPr>
+        <p:blipFill>
+          <a:blip r:embed="rId9">
+            <a:alphaModFix/>
+          </a:blip>
+          <a:stretch>
+            <a:fillRect/>
+          </a:stretch>
+        </p:blipFill>
+        <p:spPr>
+          <a:xfrm>
+            <a:off x="8291718" y="3943666"/>
+            <a:ext cx="2197100" cy="937429"/>
+          </a:xfrm>
+          <a:prstGeom prst="rect">
+            <a:avLst/>
+          </a:prstGeom>
+          <a:noFill/>
+          <a:ln>
+            <a:noFill/>
+          </a:ln>
+        </p:spPr>
+      </p:pic>
+      <p:pic>
+        <p:nvPicPr>
+          <p:cNvPr id="13" name="Google Shape;145;p23">
+            <a:extLst>
+              <a:ext uri="{FF2B5EF4-FFF2-40B4-BE49-F238E27FC236}">
+                <a16:creationId xmlns:a16="http://schemas.microsoft.com/office/drawing/2014/main" id="{2B4C9694-D70D-4131-8391-96334CC89966}"/>
+              </a:ext>
+            </a:extLst>
+          </p:cNvPr>
+          <p:cNvPicPr preferRelativeResize="0"/>
+          <p:nvPr/>
+        </p:nvPicPr>
+        <p:blipFill>
+          <a:blip r:embed="rId10">
+            <a:alphaModFix/>
+          </a:blip>
+          <a:stretch>
+            <a:fillRect/>
+          </a:stretch>
+        </p:blipFill>
+        <p:spPr>
+          <a:xfrm>
+            <a:off x="8131300" y="2215413"/>
+            <a:ext cx="2475552" cy="937433"/>
+          </a:xfrm>
+          <a:prstGeom prst="rect">
+            <a:avLst/>
+          </a:prstGeom>
+          <a:noFill/>
+          <a:ln>
+            <a:noFill/>
+          </a:ln>
+        </p:spPr>
+      </p:pic>
+      <p:cxnSp>
+        <p:nvCxnSpPr>
+          <p:cNvPr id="14" name="Google Shape;146;p23">
+            <a:extLst>
+              <a:ext uri="{FF2B5EF4-FFF2-40B4-BE49-F238E27FC236}">
+                <a16:creationId xmlns:a16="http://schemas.microsoft.com/office/drawing/2014/main" id="{F9CD0129-1195-496E-BCC2-00B2E071D59D}"/>
+              </a:ext>
+            </a:extLst>
+          </p:cNvPr>
+          <p:cNvCxnSpPr>
+            <a:stCxn id="10" idx="2"/>
+            <a:endCxn id="11" idx="0"/>
+          </p:cNvCxnSpPr>
+          <p:nvPr/>
+        </p:nvCxnSpPr>
+        <p:spPr>
+          <a:xfrm>
+            <a:off x="6719633" y="2974200"/>
+            <a:ext cx="0" cy="476400"/>
+          </a:xfrm>
+          <a:prstGeom prst="straightConnector1">
+            <a:avLst/>
+          </a:prstGeom>
+          <a:noFill/>
+          <a:ln w="9525" cap="flat" cmpd="sng">
+            <a:solidFill>
+              <a:schemeClr val="dk2"/>
+            </a:solidFill>
+            <a:prstDash val="solid"/>
+            <a:round/>
+            <a:headEnd type="triangle" w="med" len="med"/>
+            <a:tailEnd type="none" w="med" len="med"/>
+          </a:ln>
+        </p:spPr>
+      </p:cxnSp>
+      <p:cxnSp>
+        <p:nvCxnSpPr>
+          <p:cNvPr id="15" name="Google Shape;147;p23">
+            <a:extLst>
+              <a:ext uri="{FF2B5EF4-FFF2-40B4-BE49-F238E27FC236}">
+                <a16:creationId xmlns:a16="http://schemas.microsoft.com/office/drawing/2014/main" id="{95248F67-0C30-4D12-B2C5-6245C39C9EDA}"/>
+              </a:ext>
+            </a:extLst>
+          </p:cNvPr>
+          <p:cNvCxnSpPr>
+            <a:stCxn id="10" idx="3"/>
+            <a:endCxn id="13" idx="1"/>
+          </p:cNvCxnSpPr>
+          <p:nvPr/>
+        </p:nvCxnSpPr>
+        <p:spPr>
+          <a:xfrm>
+            <a:off x="7735600" y="2682916"/>
+            <a:ext cx="395600" cy="1200"/>
+          </a:xfrm>
+          <a:prstGeom prst="straightConnector1">
+            <a:avLst/>
+          </a:prstGeom>
+          <a:noFill/>
+          <a:ln w="9525" cap="flat" cmpd="sng">
+            <a:solidFill>
+              <a:schemeClr val="dk2"/>
+            </a:solidFill>
+            <a:prstDash val="solid"/>
+            <a:round/>
+            <a:headEnd type="triangle" w="med" len="med"/>
+            <a:tailEnd type="none" w="med" len="med"/>
+          </a:ln>
+        </p:spPr>
+      </p:cxnSp>
+      <p:cxnSp>
+        <p:nvCxnSpPr>
+          <p:cNvPr id="16" name="Google Shape;148;p23">
+            <a:extLst>
+              <a:ext uri="{FF2B5EF4-FFF2-40B4-BE49-F238E27FC236}">
+                <a16:creationId xmlns:a16="http://schemas.microsoft.com/office/drawing/2014/main" id="{6EA69AD3-6FD1-42FA-9FD9-FF9535C8E167}"/>
+              </a:ext>
+            </a:extLst>
+          </p:cNvPr>
+          <p:cNvCxnSpPr>
+            <a:stCxn id="13" idx="2"/>
+            <a:endCxn id="12" idx="0"/>
+          </p:cNvCxnSpPr>
+          <p:nvPr/>
+        </p:nvCxnSpPr>
+        <p:spPr>
+          <a:xfrm>
+            <a:off x="9369076" y="3152845"/>
+            <a:ext cx="21200" cy="790800"/>
+          </a:xfrm>
+          <a:prstGeom prst="straightConnector1">
+            <a:avLst/>
+          </a:prstGeom>
+          <a:noFill/>
+          <a:ln w="9525" cap="flat" cmpd="sng">
+            <a:solidFill>
+              <a:schemeClr val="dk2"/>
+            </a:solidFill>
+            <a:prstDash val="solid"/>
+            <a:round/>
+            <a:headEnd type="triangle" w="med" len="med"/>
+            <a:tailEnd type="none" w="med" len="med"/>
+          </a:ln>
+        </p:spPr>
+      </p:cxnSp>
+      <p:cxnSp>
+        <p:nvCxnSpPr>
+          <p:cNvPr id="17" name="Google Shape;149;p23">
+            <a:extLst>
+              <a:ext uri="{FF2B5EF4-FFF2-40B4-BE49-F238E27FC236}">
+                <a16:creationId xmlns:a16="http://schemas.microsoft.com/office/drawing/2014/main" id="{F0987670-9290-463E-95A6-B5C69D63DCF9}"/>
+              </a:ext>
+            </a:extLst>
+          </p:cNvPr>
+          <p:cNvCxnSpPr>
+            <a:stCxn id="9" idx="1"/>
+            <a:endCxn id="8" idx="3"/>
+          </p:cNvCxnSpPr>
+          <p:nvPr/>
+        </p:nvCxnSpPr>
+        <p:spPr>
+          <a:xfrm rot="10800000">
+            <a:off x="3183567" y="2644432"/>
+            <a:ext cx="364800" cy="0"/>
+          </a:xfrm>
+          <a:prstGeom prst="straightConnector1">
+            <a:avLst/>
+          </a:prstGeom>
+          <a:noFill/>
+          <a:ln w="9525" cap="flat" cmpd="sng">
+            <a:solidFill>
+              <a:schemeClr val="dk2"/>
+            </a:solidFill>
+            <a:prstDash val="solid"/>
+            <a:round/>
+            <a:headEnd type="none" w="med" len="med"/>
+            <a:tailEnd type="triangle" w="med" len="med"/>
+          </a:ln>
+        </p:spPr>
+      </p:cxnSp>
+      <p:cxnSp>
+        <p:nvCxnSpPr>
+          <p:cNvPr id="18" name="Google Shape;150;p23">
+            <a:extLst>
+              <a:ext uri="{FF2B5EF4-FFF2-40B4-BE49-F238E27FC236}">
+                <a16:creationId xmlns:a16="http://schemas.microsoft.com/office/drawing/2014/main" id="{26DC533D-1258-4268-8192-7C7470306A37}"/>
+              </a:ext>
+            </a:extLst>
+          </p:cNvPr>
+          <p:cNvCxnSpPr>
+            <a:stCxn id="10" idx="1"/>
+            <a:endCxn id="9" idx="3"/>
+          </p:cNvCxnSpPr>
+          <p:nvPr/>
+        </p:nvCxnSpPr>
+        <p:spPr>
+          <a:xfrm rot="10800000">
+            <a:off x="5091667" y="2644516"/>
+            <a:ext cx="612000" cy="38400"/>
+          </a:xfrm>
+          <a:prstGeom prst="straightConnector1">
+            <a:avLst/>
+          </a:prstGeom>
+          <a:noFill/>
+          <a:ln w="9525" cap="flat" cmpd="sng">
+            <a:solidFill>
+              <a:schemeClr val="dk2"/>
+            </a:solidFill>
+            <a:prstDash val="solid"/>
+            <a:round/>
+            <a:headEnd type="none" w="med" len="med"/>
+            <a:tailEnd type="triangle" w="med" len="med"/>
+          </a:ln>
+        </p:spPr>
+      </p:cxnSp>
+      <p:cxnSp>
+        <p:nvCxnSpPr>
+          <p:cNvPr id="19" name="Google Shape;151;p23">
+            <a:extLst>
+              <a:ext uri="{FF2B5EF4-FFF2-40B4-BE49-F238E27FC236}">
+                <a16:creationId xmlns:a16="http://schemas.microsoft.com/office/drawing/2014/main" id="{3022E1E2-7038-42C5-941A-394CFA311729}"/>
+              </a:ext>
+            </a:extLst>
+          </p:cNvPr>
+          <p:cNvCxnSpPr>
+            <a:stCxn id="7" idx="0"/>
+            <a:endCxn id="8" idx="2"/>
+          </p:cNvCxnSpPr>
+          <p:nvPr/>
+        </p:nvCxnSpPr>
+        <p:spPr>
+          <a:xfrm rot="10800000">
+            <a:off x="1799649" y="2935700"/>
+            <a:ext cx="838000" cy="1393600"/>
+          </a:xfrm>
+          <a:prstGeom prst="straightConnector1">
+            <a:avLst/>
+          </a:prstGeom>
+          <a:noFill/>
+          <a:ln w="9525" cap="flat" cmpd="sng">
+            <a:solidFill>
+              <a:schemeClr val="dk2"/>
+            </a:solidFill>
+            <a:prstDash val="solid"/>
+            <a:round/>
+            <a:headEnd type="none" w="med" len="med"/>
+            <a:tailEnd type="triangle" w="med" len="med"/>
+          </a:ln>
+        </p:spPr>
+      </p:cxnSp>
+      <p:cxnSp>
+        <p:nvCxnSpPr>
+          <p:cNvPr id="20" name="Google Shape;152;p23">
+            <a:extLst>
+              <a:ext uri="{FF2B5EF4-FFF2-40B4-BE49-F238E27FC236}">
+                <a16:creationId xmlns:a16="http://schemas.microsoft.com/office/drawing/2014/main" id="{EDB32E99-A13F-4334-BEEF-51702121F05B}"/>
+              </a:ext>
+            </a:extLst>
+          </p:cNvPr>
+          <p:cNvCxnSpPr>
+            <a:stCxn id="5" idx="0"/>
+            <a:endCxn id="7" idx="2"/>
+          </p:cNvCxnSpPr>
+          <p:nvPr/>
+        </p:nvCxnSpPr>
+        <p:spPr>
+          <a:xfrm rot="10800000" flipH="1">
+            <a:off x="2591553" y="4912035"/>
+            <a:ext cx="46000" cy="803600"/>
+          </a:xfrm>
+          <a:prstGeom prst="straightConnector1">
+            <a:avLst/>
+          </a:prstGeom>
+          <a:noFill/>
+          <a:ln w="9525" cap="flat" cmpd="sng">
+            <a:solidFill>
+              <a:schemeClr val="dk2"/>
+            </a:solidFill>
+            <a:prstDash val="solid"/>
+            <a:round/>
+            <a:headEnd type="none" w="med" len="med"/>
+            <a:tailEnd type="triangle" w="med" len="med"/>
+          </a:ln>
+        </p:spPr>
+      </p:cxnSp>
+      <p:cxnSp>
+        <p:nvCxnSpPr>
+          <p:cNvPr id="21" name="Google Shape;153;p23">
+            <a:extLst>
+              <a:ext uri="{FF2B5EF4-FFF2-40B4-BE49-F238E27FC236}">
+                <a16:creationId xmlns:a16="http://schemas.microsoft.com/office/drawing/2014/main" id="{BEF48A6C-8804-4D9B-88B6-DB9771BDE2C4}"/>
+              </a:ext>
+            </a:extLst>
+          </p:cNvPr>
+          <p:cNvCxnSpPr>
+            <a:stCxn id="6" idx="1"/>
+            <a:endCxn id="5" idx="3"/>
+          </p:cNvCxnSpPr>
+          <p:nvPr/>
+        </p:nvCxnSpPr>
+        <p:spPr>
+          <a:xfrm rot="10800000">
+            <a:off x="3885548" y="6131232"/>
+            <a:ext cx="865600" cy="0"/>
+          </a:xfrm>
+          <a:prstGeom prst="straightConnector1">
+            <a:avLst/>
+          </a:prstGeom>
+          <a:noFill/>
+          <a:ln w="9525" cap="flat" cmpd="sng">
+            <a:solidFill>
+              <a:schemeClr val="dk2"/>
+            </a:solidFill>
+            <a:prstDash val="solid"/>
+            <a:round/>
+            <a:headEnd type="none" w="med" len="med"/>
+            <a:tailEnd type="triangle" w="med" len="med"/>
+          </a:ln>
+        </p:spPr>
+      </p:cxnSp>
+      <p:cxnSp>
+        <p:nvCxnSpPr>
+          <p:cNvPr id="22" name="Google Shape;154;p23">
+            <a:extLst>
+              <a:ext uri="{FF2B5EF4-FFF2-40B4-BE49-F238E27FC236}">
+                <a16:creationId xmlns:a16="http://schemas.microsoft.com/office/drawing/2014/main" id="{5FB19C64-65AB-4902-8A4A-6082822C01D4}"/>
+              </a:ext>
+            </a:extLst>
+          </p:cNvPr>
+          <p:cNvCxnSpPr>
+            <a:stCxn id="6" idx="3"/>
+            <a:endCxn id="23" idx="1"/>
+          </p:cNvCxnSpPr>
+          <p:nvPr/>
+        </p:nvCxnSpPr>
+        <p:spPr>
+          <a:xfrm>
+            <a:off x="8660048" y="6131232"/>
+            <a:ext cx="768400" cy="19200"/>
+          </a:xfrm>
+          <a:prstGeom prst="straightConnector1">
+            <a:avLst/>
+          </a:prstGeom>
+          <a:noFill/>
+          <a:ln w="9525" cap="flat" cmpd="sng">
+            <a:solidFill>
+              <a:schemeClr val="dk2"/>
+            </a:solidFill>
+            <a:prstDash val="solid"/>
+            <a:round/>
+            <a:headEnd type="triangle" w="med" len="med"/>
+            <a:tailEnd type="none" w="med" len="med"/>
+          </a:ln>
+        </p:spPr>
+      </p:cxnSp>
+      <p:sp>
+        <p:nvSpPr>
+          <p:cNvPr id="23" name="Google Shape;155;p23">
+            <a:extLst>
+              <a:ext uri="{FF2B5EF4-FFF2-40B4-BE49-F238E27FC236}">
+                <a16:creationId xmlns:a16="http://schemas.microsoft.com/office/drawing/2014/main" id="{E2B52950-0C2A-4E69-A67E-79BA5B973636}"/>
+              </a:ext>
+            </a:extLst>
+          </p:cNvPr>
+          <p:cNvSpPr/>
+          <p:nvPr/>
+        </p:nvSpPr>
+        <p:spPr>
+          <a:xfrm>
+            <a:off x="9428533" y="5888000"/>
+            <a:ext cx="395600" cy="524800"/>
+          </a:xfrm>
+          <a:prstGeom prst="roundRect">
+            <a:avLst>
+              <a:gd name="adj" fmla="val 50000"/>
+            </a:avLst>
+          </a:prstGeom>
+          <a:solidFill>
+            <a:schemeClr val="accent5"/>
+          </a:solidFill>
+          <a:ln w="9525" cap="flat" cmpd="sng">
+            <a:solidFill>
+              <a:schemeClr val="dk2"/>
+            </a:solidFill>
+            <a:prstDash val="solid"/>
+            <a:round/>
+            <a:headEnd type="none" w="sm" len="sm"/>
+            <a:tailEnd type="none" w="sm" len="sm"/>
+          </a:ln>
+        </p:spPr>
+        <p:txBody>
+          <a:bodyPr spcFirstLastPara="1" wrap="square" lIns="121900" tIns="121900" rIns="121900" bIns="121900" anchor="ctr" anchorCtr="0">
+            <a:noAutofit/>
+          </a:bodyPr>
+          <a:lstStyle/>
+          <a:p>
+            <a:pPr algn="ctr"/>
+            <a:r>
+              <a:rPr lang="en" sz="2400" dirty="0"/>
+              <a:t>h</a:t>
+            </a:r>
+            <a:endParaRPr sz="2400" dirty="0"/>
+          </a:p>
+        </p:txBody>
+      </p:sp>
+    </p:spTree>
+    <p:extLst>
+      <p:ext uri="{BB962C8B-B14F-4D97-AF65-F5344CB8AC3E}">
+        <p14:creationId xmlns:p14="http://schemas.microsoft.com/office/powerpoint/2010/main" val="1712344119"/>
+      </p:ext>
+    </p:extLst>
+  </p:cSld>
+  <p:clrMapOvr>
+    <a:masterClrMapping/>
+  </p:clrMapOvr>
 </p:sld>
 </file>
 
@@ -5759,9 +13068,12 @@
 </file>
 
 <file path=customXml/item1.xml><?xml version="1.0" encoding="utf-8"?>
-<p:properties xmlns:p="http://schemas.microsoft.com/office/2006/metadata/properties" xmlns:xsi="http://www.w3.org/2001/XMLSchema-instance" xmlns:pc="http://schemas.microsoft.com/office/infopath/2007/PartnerControls">
-  <documentManagement/>
-</p:properties>
+<?mso-contentType ?>
+<FormTemplates xmlns="http://schemas.microsoft.com/sharepoint/v3/contenttype/forms">
+  <Display>DocumentLibraryForm</Display>
+  <Edit>DocumentLibraryForm</Edit>
+  <New>DocumentLibraryForm</New>
+</FormTemplates>
 </file>
 
 <file path=customXml/item2.xml><?xml version="1.0" encoding="utf-8"?>
@@ -5897,26 +13209,15 @@
 </file>
 
 <file path=customXml/item3.xml><?xml version="1.0" encoding="utf-8"?>
-<?mso-contentType ?>
-<FormTemplates xmlns="http://schemas.microsoft.com/sharepoint/v3/contenttype/forms">
-  <Display>DocumentLibraryForm</Display>
-  <Edit>DocumentLibraryForm</Edit>
-  <New>DocumentLibraryForm</New>
-</FormTemplates>
+<p:properties xmlns:p="http://schemas.microsoft.com/office/2006/metadata/properties" xmlns:xsi="http://www.w3.org/2001/XMLSchema-instance" xmlns:pc="http://schemas.microsoft.com/office/infopath/2007/PartnerControls">
+  <documentManagement/>
+</p:properties>
 </file>
 
 <file path=customXml/itemProps1.xml><?xml version="1.0" encoding="utf-8"?>
-<ds:datastoreItem xmlns:ds="http://schemas.openxmlformats.org/officeDocument/2006/customXml" ds:itemID="{B4739A4D-78F3-4D76-B3E2-59C0E5F69CAC}">
+<ds:datastoreItem xmlns:ds="http://schemas.openxmlformats.org/officeDocument/2006/customXml" ds:itemID="{1D7B8345-425E-46C8-B676-FA53772E5DB2}">
   <ds:schemaRefs>
-    <ds:schemaRef ds:uri="http://schemas.microsoft.com/office/infopath/2007/PartnerControls"/>
-    <ds:schemaRef ds:uri="http://purl.org/dc/elements/1.1/"/>
-    <ds:schemaRef ds:uri="http://schemas.microsoft.com/office/2006/metadata/properties"/>
-    <ds:schemaRef ds:uri="http://purl.org/dc/terms/"/>
-    <ds:schemaRef ds:uri="http://schemas.openxmlformats.org/package/2006/metadata/core-properties"/>
-    <ds:schemaRef ds:uri="http://schemas.microsoft.com/office/2006/documentManagement/types"/>
-    <ds:schemaRef ds:uri="http://purl.org/dc/dcmitype/"/>
-    <ds:schemaRef ds:uri="ffe2f76d-d70e-4893-94be-e9ecf513441d"/>
-    <ds:schemaRef ds:uri="http://www.w3.org/XML/1998/namespace"/>
+    <ds:schemaRef ds:uri="http://schemas.microsoft.com/sharepoint/v3/contenttype/forms"/>
   </ds:schemaRefs>
 </ds:datastoreItem>
 </file>
@@ -5940,9 +13241,17 @@
 </file>
 
 <file path=customXml/itemProps3.xml><?xml version="1.0" encoding="utf-8"?>
-<ds:datastoreItem xmlns:ds="http://schemas.openxmlformats.org/officeDocument/2006/customXml" ds:itemID="{1D7B8345-425E-46C8-B676-FA53772E5DB2}">
+<ds:datastoreItem xmlns:ds="http://schemas.openxmlformats.org/officeDocument/2006/customXml" ds:itemID="{B4739A4D-78F3-4D76-B3E2-59C0E5F69CAC}">
   <ds:schemaRefs>
-    <ds:schemaRef ds:uri="http://schemas.microsoft.com/sharepoint/v3/contenttype/forms"/>
+    <ds:schemaRef ds:uri="http://schemas.microsoft.com/office/infopath/2007/PartnerControls"/>
+    <ds:schemaRef ds:uri="http://purl.org/dc/elements/1.1/"/>
+    <ds:schemaRef ds:uri="http://schemas.microsoft.com/office/2006/metadata/properties"/>
+    <ds:schemaRef ds:uri="http://purl.org/dc/terms/"/>
+    <ds:schemaRef ds:uri="http://schemas.openxmlformats.org/package/2006/metadata/core-properties"/>
+    <ds:schemaRef ds:uri="http://schemas.microsoft.com/office/2006/documentManagement/types"/>
+    <ds:schemaRef ds:uri="http://purl.org/dc/dcmitype/"/>
+    <ds:schemaRef ds:uri="ffe2f76d-d70e-4893-94be-e9ecf513441d"/>
+    <ds:schemaRef ds:uri="http://www.w3.org/XML/1998/namespace"/>
   </ds:schemaRefs>
 </ds:datastoreItem>
 </file>